--- a/Programming 4/01.1 Intro to C++ CLI/01.1 Intro to C++ CLI.pptx
+++ b/Programming 4/01.1 Intro to C++ CLI/01.1 Intro to C++ CLI.pptx
@@ -5,15 +5,15 @@
     <p:sldMasterId id="2147483648" r:id="rId1"/>
   </p:sldMasterIdLst>
   <p:notesMasterIdLst>
-    <p:notesMasterId r:id="rId37"/>
+    <p:notesMasterId r:id="rId38"/>
   </p:notesMasterIdLst>
   <p:sldIdLst>
     <p:sldId id="256" r:id="rId2"/>
-    <p:sldId id="257" r:id="rId3"/>
-    <p:sldId id="258" r:id="rId4"/>
-    <p:sldId id="259" r:id="rId5"/>
-    <p:sldId id="260" r:id="rId6"/>
-    <p:sldId id="261" r:id="rId7"/>
+    <p:sldId id="258" r:id="rId3"/>
+    <p:sldId id="259" r:id="rId4"/>
+    <p:sldId id="260" r:id="rId5"/>
+    <p:sldId id="261" r:id="rId6"/>
+    <p:sldId id="257" r:id="rId7"/>
     <p:sldId id="262" r:id="rId8"/>
     <p:sldId id="263" r:id="rId9"/>
     <p:sldId id="264" r:id="rId10"/>
@@ -33,16 +33,17 @@
     <p:sldId id="280" r:id="rId24"/>
     <p:sldId id="276" r:id="rId25"/>
     <p:sldId id="281" r:id="rId26"/>
-    <p:sldId id="282" r:id="rId27"/>
-    <p:sldId id="283" r:id="rId28"/>
-    <p:sldId id="284" r:id="rId29"/>
-    <p:sldId id="285" r:id="rId30"/>
-    <p:sldId id="286" r:id="rId31"/>
-    <p:sldId id="287" r:id="rId32"/>
-    <p:sldId id="288" r:id="rId33"/>
-    <p:sldId id="289" r:id="rId34"/>
-    <p:sldId id="290" r:id="rId35"/>
-    <p:sldId id="291" r:id="rId36"/>
+    <p:sldId id="292" r:id="rId27"/>
+    <p:sldId id="282" r:id="rId28"/>
+    <p:sldId id="283" r:id="rId29"/>
+    <p:sldId id="284" r:id="rId30"/>
+    <p:sldId id="285" r:id="rId31"/>
+    <p:sldId id="286" r:id="rId32"/>
+    <p:sldId id="287" r:id="rId33"/>
+    <p:sldId id="288" r:id="rId34"/>
+    <p:sldId id="289" r:id="rId35"/>
+    <p:sldId id="290" r:id="rId36"/>
+    <p:sldId id="291" r:id="rId37"/>
   </p:sldIdLst>
   <p:sldSz cx="9144000" cy="6858000" type="screen4x3"/>
   <p:notesSz cx="6858000" cy="9144000"/>
@@ -144,7 +145,7 @@
   <p:extLst>
     <p:ext uri="{EFAFB233-063F-42B5-8137-9DF3F51BA10A}">
       <p15:sldGuideLst xmlns:p15="http://schemas.microsoft.com/office/powerpoint/2012/main">
-        <p15:guide id="1" orient="horz" pos="2160">
+        <p15:guide id="1" orient="horz" pos="2208" userDrawn="1">
           <p15:clr>
             <a:srgbClr val="A4A3A4"/>
           </p15:clr>
@@ -242,7 +243,7 @@
           <a:p>
             <a:fld id="{1F2964D9-9A2E-4F10-B864-D3ADDA7AC871}" type="datetimeFigureOut">
               <a:rPr lang="en-NZ" smtClean="0"/>
-              <a:t>16/07/19</a:t>
+              <a:t>23/07/19</a:t>
             </a:fld>
             <a:endParaRPr lang="en-NZ"/>
           </a:p>
@@ -638,7 +639,26 @@
           <a:bodyPr/>
           <a:lstStyle/>
           <a:p>
-            <a:endParaRPr lang="en-NZ" dirty="0"/>
+            <a:pPr marL="171450" indent="-171450">
+              <a:buFont typeface="Arial" charset="0"/>
+              <a:buChar char="•"/>
+            </a:pPr>
+            <a:r>
+              <a:rPr lang="en-NZ" dirty="0" smtClean="0"/>
+              <a:t>Float and double</a:t>
+            </a:r>
+            <a:r>
+              <a:rPr lang="en-NZ" baseline="0" dirty="0" smtClean="0"/>
+              <a:t> represent numbers with fractional parts </a:t>
+            </a:r>
+            <a:r>
+              <a:rPr lang="mr-IN" baseline="0" dirty="0" smtClean="0"/>
+              <a:t>–</a:t>
+            </a:r>
+            <a:r>
+              <a:rPr lang="en-NZ" baseline="0" dirty="0" smtClean="0"/>
+              <a:t> float 32 bits and double 64 bits</a:t>
+            </a:r>
           </a:p>
         </p:txBody>
       </p:sp>
@@ -659,7 +679,7 @@
           <a:p>
             <a:fld id="{E171C0DB-B590-426F-A834-B29C700D0DCC}" type="slidenum">
               <a:rPr lang="en-NZ" smtClean="0"/>
-              <a:t>11</a:t>
+              <a:t>10</a:t>
             </a:fld>
             <a:endParaRPr lang="en-NZ"/>
           </a:p>
@@ -668,7 +688,7 @@
     </p:spTree>
     <p:extLst>
       <p:ext uri="{BB962C8B-B14F-4D97-AF65-F5344CB8AC3E}">
-        <p14:creationId xmlns:p14="http://schemas.microsoft.com/office/powerpoint/2010/main" val="2663227491"/>
+        <p14:creationId xmlns:p14="http://schemas.microsoft.com/office/powerpoint/2010/main" val="1139103945"/>
       </p:ext>
     </p:extLst>
   </p:cSld>
@@ -743,7 +763,7 @@
           <a:p>
             <a:fld id="{E171C0DB-B590-426F-A834-B29C700D0DCC}" type="slidenum">
               <a:rPr lang="en-NZ" smtClean="0"/>
-              <a:t>12</a:t>
+              <a:t>11</a:t>
             </a:fld>
             <a:endParaRPr lang="en-NZ"/>
           </a:p>
@@ -752,7 +772,7 @@
     </p:spTree>
     <p:extLst>
       <p:ext uri="{BB962C8B-B14F-4D97-AF65-F5344CB8AC3E}">
-        <p14:creationId xmlns:p14="http://schemas.microsoft.com/office/powerpoint/2010/main" val="833045192"/>
+        <p14:creationId xmlns:p14="http://schemas.microsoft.com/office/powerpoint/2010/main" val="2663227491"/>
       </p:ext>
     </p:extLst>
   </p:cSld>
@@ -827,7 +847,7 @@
           <a:p>
             <a:fld id="{E171C0DB-B590-426F-A834-B29C700D0DCC}" type="slidenum">
               <a:rPr lang="en-NZ" smtClean="0"/>
-              <a:t>13</a:t>
+              <a:t>12</a:t>
             </a:fld>
             <a:endParaRPr lang="en-NZ"/>
           </a:p>
@@ -836,7 +856,7 @@
     </p:spTree>
     <p:extLst>
       <p:ext uri="{BB962C8B-B14F-4D97-AF65-F5344CB8AC3E}">
-        <p14:creationId xmlns:p14="http://schemas.microsoft.com/office/powerpoint/2010/main" val="3758463054"/>
+        <p14:creationId xmlns:p14="http://schemas.microsoft.com/office/powerpoint/2010/main" val="833045192"/>
       </p:ext>
     </p:extLst>
   </p:cSld>
@@ -895,28 +915,12 @@
               <a:buChar char="•"/>
             </a:pPr>
             <a:r>
-              <a:rPr lang="en-NZ" dirty="0" smtClean="0"/>
-              <a:t>a = b++</a:t>
-            </a:r>
-          </a:p>
-          <a:p>
-            <a:pPr marL="628650" lvl="1" indent="-171450">
-              <a:buFont typeface="Arial" charset="0"/>
-              <a:buChar char="•"/>
-            </a:pPr>
-            <a:r>
-              <a:rPr lang="en-NZ" baseline="0" dirty="0" smtClean="0"/>
-              <a:t>a = b</a:t>
-            </a:r>
-          </a:p>
-          <a:p>
-            <a:pPr marL="628650" lvl="1" indent="-171450">
-              <a:buFont typeface="Arial" charset="0"/>
-              <a:buChar char="•"/>
-            </a:pPr>
-            <a:r>
-              <a:rPr lang="en-NZ" baseline="0" dirty="0" smtClean="0"/>
-              <a:t>b = b + 1</a:t>
+              <a:rPr lang="en-NZ" b="0" dirty="0" smtClean="0"/>
+              <a:t>Modulo</a:t>
+            </a:r>
+            <a:r>
+              <a:rPr lang="en-NZ" b="0" baseline="0" dirty="0" smtClean="0"/>
+              <a:t> – the “remainder” operation. Frequently used in games programming to generate a looping sequence of numbers from 0 to n-1 </a:t>
             </a:r>
           </a:p>
           <a:p>
@@ -924,46 +928,35 @@
               <a:buFont typeface="Arial" charset="0"/>
               <a:buChar char="•"/>
             </a:pPr>
-            <a:r>
-              <a:rPr lang="en-NZ" dirty="0" smtClean="0"/>
-              <a:t>a = ++b</a:t>
-            </a:r>
-            <a:endParaRPr lang="en-NZ" baseline="0" dirty="0" smtClean="0"/>
-          </a:p>
-          <a:p>
-            <a:pPr marL="628650" lvl="1" indent="-171450">
+            <a:endParaRPr lang="en-NZ" b="0" baseline="0" dirty="0" smtClean="0"/>
+          </a:p>
+          <a:p>
+            <a:pPr marL="171450" indent="-171450">
               <a:buFont typeface="Arial" charset="0"/>
               <a:buChar char="•"/>
             </a:pPr>
             <a:r>
-              <a:rPr lang="en-NZ" baseline="0" dirty="0" smtClean="0"/>
-              <a:t>b = b </a:t>
-            </a:r>
-            <a:r>
-              <a:rPr lang="en-AU" baseline="0" dirty="0" smtClean="0"/>
-              <a:t>+</a:t>
-            </a:r>
-            <a:r>
-              <a:rPr lang="en-NZ" baseline="0" dirty="0" smtClean="0"/>
-              <a:t> 1</a:t>
-            </a:r>
-          </a:p>
-          <a:p>
-            <a:pPr marL="628650" lvl="1" indent="-171450">
+              <a:rPr lang="en-NZ" b="0" baseline="0" dirty="0" smtClean="0"/>
+              <a:t>Be careful of division, Sometimes, C++ will cast to an int when you really want a float or double</a:t>
+            </a:r>
+          </a:p>
+          <a:p>
+            <a:pPr marL="171450" indent="-171450">
               <a:buFont typeface="Arial" charset="0"/>
               <a:buChar char="•"/>
             </a:pPr>
-            <a:r>
-              <a:rPr lang="en-NZ" baseline="0" dirty="0" smtClean="0"/>
-              <a:t>a = b</a:t>
-            </a:r>
-          </a:p>
-          <a:p>
-            <a:pPr marL="628650" lvl="1" indent="-171450">
+            <a:endParaRPr lang="en-NZ" b="0" baseline="0" dirty="0" smtClean="0"/>
+          </a:p>
+          <a:p>
+            <a:pPr marL="171450" indent="-171450">
               <a:buFont typeface="Arial" charset="0"/>
               <a:buChar char="•"/>
             </a:pPr>
-            <a:endParaRPr lang="en-NZ" baseline="0" dirty="0" smtClean="0"/>
+            <a:r>
+              <a:rPr lang="en-NZ" b="0" baseline="0" dirty="0" smtClean="0"/>
+              <a:t>Watch out for funny bugs. When we get to game physics, the language will keep trying to cast your fractions to integers</a:t>
+            </a:r>
+            <a:endParaRPr lang="en-NZ" dirty="0"/>
           </a:p>
         </p:txBody>
       </p:sp>
@@ -984,7 +977,7 @@
           <a:p>
             <a:fld id="{E171C0DB-B590-426F-A834-B29C700D0DCC}" type="slidenum">
               <a:rPr lang="en-NZ" smtClean="0"/>
-              <a:t>14</a:t>
+              <a:t>13</a:t>
             </a:fld>
             <a:endParaRPr lang="en-NZ"/>
           </a:p>
@@ -993,7 +986,7 @@
     </p:spTree>
     <p:extLst>
       <p:ext uri="{BB962C8B-B14F-4D97-AF65-F5344CB8AC3E}">
-        <p14:creationId xmlns:p14="http://schemas.microsoft.com/office/powerpoint/2010/main" val="1645957245"/>
+        <p14:creationId xmlns:p14="http://schemas.microsoft.com/office/powerpoint/2010/main" val="3758463054"/>
       </p:ext>
     </p:extLst>
   </p:cSld>
@@ -1047,7 +1040,113 @@
           <a:bodyPr/>
           <a:lstStyle/>
           <a:p>
-            <a:endParaRPr lang="en-NZ" dirty="0"/>
+            <a:pPr marL="171450" indent="-171450">
+              <a:buFont typeface="Arial" charset="0"/>
+              <a:buChar char="•"/>
+            </a:pPr>
+            <a:r>
+              <a:rPr lang="en-NZ" dirty="0" smtClean="0"/>
+              <a:t>Prefix and postfix operators</a:t>
+            </a:r>
+          </a:p>
+          <a:p>
+            <a:pPr marL="171450" indent="-171450">
+              <a:buFont typeface="Arial" charset="0"/>
+              <a:buChar char="•"/>
+            </a:pPr>
+            <a:endParaRPr lang="en-NZ" dirty="0" smtClean="0"/>
+          </a:p>
+          <a:p>
+            <a:pPr marL="171450" indent="-171450">
+              <a:buFont typeface="Arial" charset="0"/>
+              <a:buChar char="•"/>
+            </a:pPr>
+            <a:r>
+              <a:rPr lang="en-NZ" dirty="0" smtClean="0"/>
+              <a:t>a </a:t>
+            </a:r>
+            <a:r>
+              <a:rPr lang="en-NZ" dirty="0" smtClean="0"/>
+              <a:t>= b++</a:t>
+            </a:r>
+          </a:p>
+          <a:p>
+            <a:pPr marL="628650" lvl="1" indent="-171450">
+              <a:buFont typeface="Arial" charset="0"/>
+              <a:buChar char="•"/>
+            </a:pPr>
+            <a:r>
+              <a:rPr lang="en-NZ" baseline="0" dirty="0" smtClean="0"/>
+              <a:t>a = b</a:t>
+            </a:r>
+          </a:p>
+          <a:p>
+            <a:pPr marL="628650" lvl="1" indent="-171450">
+              <a:buFont typeface="Arial" charset="0"/>
+              <a:buChar char="•"/>
+            </a:pPr>
+            <a:r>
+              <a:rPr lang="en-NZ" baseline="0" dirty="0" smtClean="0"/>
+              <a:t>b = b + 1</a:t>
+            </a:r>
+          </a:p>
+          <a:p>
+            <a:pPr marL="171450" indent="-171450">
+              <a:buFont typeface="Arial" charset="0"/>
+              <a:buChar char="•"/>
+            </a:pPr>
+            <a:r>
+              <a:rPr lang="en-NZ" dirty="0" smtClean="0"/>
+              <a:t>a = ++b</a:t>
+            </a:r>
+            <a:endParaRPr lang="en-NZ" baseline="0" dirty="0" smtClean="0"/>
+          </a:p>
+          <a:p>
+            <a:pPr marL="628650" lvl="1" indent="-171450">
+              <a:buFont typeface="Arial" charset="0"/>
+              <a:buChar char="•"/>
+            </a:pPr>
+            <a:r>
+              <a:rPr lang="en-NZ" baseline="0" dirty="0" smtClean="0"/>
+              <a:t>b = b </a:t>
+            </a:r>
+            <a:r>
+              <a:rPr lang="en-AU" baseline="0" dirty="0" smtClean="0"/>
+              <a:t>+</a:t>
+            </a:r>
+            <a:r>
+              <a:rPr lang="en-NZ" baseline="0" dirty="0" smtClean="0"/>
+              <a:t> </a:t>
+            </a:r>
+            <a:r>
+              <a:rPr lang="en-NZ" baseline="0" dirty="0" smtClean="0"/>
+              <a:t>1 + 1</a:t>
+            </a:r>
+            <a:endParaRPr lang="en-NZ" baseline="0" dirty="0" smtClean="0"/>
+          </a:p>
+          <a:p>
+            <a:pPr marL="628650" lvl="1" indent="-171450">
+              <a:buFont typeface="Arial" charset="0"/>
+              <a:buChar char="•"/>
+            </a:pPr>
+            <a:r>
+              <a:rPr lang="en-NZ" baseline="0" dirty="0" smtClean="0"/>
+              <a:t>a = b</a:t>
+            </a:r>
+          </a:p>
+          <a:p>
+            <a:pPr marL="628650" lvl="1" indent="-171450">
+              <a:buFont typeface="Arial" charset="0"/>
+              <a:buChar char="•"/>
+            </a:pPr>
+            <a:endParaRPr lang="en-NZ" baseline="0" dirty="0" smtClean="0"/>
+          </a:p>
+          <a:p>
+            <a:pPr marL="457200" lvl="1" indent="0">
+              <a:buFont typeface="Arial" charset="0"/>
+              <a:buNone/>
+            </a:pPr>
+            <a:endParaRPr lang="en-NZ" baseline="0" dirty="0" smtClean="0"/>
           </a:p>
         </p:txBody>
       </p:sp>
@@ -1068,7 +1167,7 @@
           <a:p>
             <a:fld id="{E171C0DB-B590-426F-A834-B29C700D0DCC}" type="slidenum">
               <a:rPr lang="en-NZ" smtClean="0"/>
-              <a:t>15</a:t>
+              <a:t>14</a:t>
             </a:fld>
             <a:endParaRPr lang="en-NZ"/>
           </a:p>
@@ -1077,7 +1176,7 @@
     </p:spTree>
     <p:extLst>
       <p:ext uri="{BB962C8B-B14F-4D97-AF65-F5344CB8AC3E}">
-        <p14:creationId xmlns:p14="http://schemas.microsoft.com/office/powerpoint/2010/main" val="1205614463"/>
+        <p14:creationId xmlns:p14="http://schemas.microsoft.com/office/powerpoint/2010/main" val="1645957245"/>
       </p:ext>
     </p:extLst>
   </p:cSld>
@@ -1152,7 +1251,7 @@
           <a:p>
             <a:fld id="{E171C0DB-B590-426F-A834-B29C700D0DCC}" type="slidenum">
               <a:rPr lang="en-NZ" smtClean="0"/>
-              <a:t>16</a:t>
+              <a:t>15</a:t>
             </a:fld>
             <a:endParaRPr lang="en-NZ"/>
           </a:p>
@@ -1161,7 +1260,7 @@
     </p:spTree>
     <p:extLst>
       <p:ext uri="{BB962C8B-B14F-4D97-AF65-F5344CB8AC3E}">
-        <p14:creationId xmlns:p14="http://schemas.microsoft.com/office/powerpoint/2010/main" val="1957852505"/>
+        <p14:creationId xmlns:p14="http://schemas.microsoft.com/office/powerpoint/2010/main" val="1205614463"/>
       </p:ext>
     </p:extLst>
   </p:cSld>
@@ -1215,6 +1314,31 @@
           <a:bodyPr/>
           <a:lstStyle/>
           <a:p>
+            <a:pPr marL="171450" marR="0" indent="-171450" algn="l" defTabSz="914400" rtl="0" eaLnBrk="1" fontAlgn="auto" latinLnBrk="0" hangingPunct="1">
+              <a:lnSpc>
+                <a:spcPct val="100000"/>
+              </a:lnSpc>
+              <a:spcBef>
+                <a:spcPts val="0"/>
+              </a:spcBef>
+              <a:spcAft>
+                <a:spcPts val="0"/>
+              </a:spcAft>
+              <a:buClrTx/>
+              <a:buSzTx/>
+              <a:buFont typeface="Arial" charset="0"/>
+              <a:buChar char="•"/>
+              <a:tabLst/>
+              <a:defRPr/>
+            </a:pPr>
+            <a:r>
+              <a:rPr lang="en-NZ" dirty="0" smtClean="0"/>
+              <a:t>Caution: Getting your operator</a:t>
+            </a:r>
+            <a:r>
+              <a:rPr lang="en-NZ" baseline="0" dirty="0" smtClean="0"/>
+              <a:t> wrong as shown makes for perfectly legal C++. Some IDEs will generate a warning, but will still compile and run</a:t>
+            </a:r>
             <a:endParaRPr lang="en-NZ" dirty="0"/>
           </a:p>
         </p:txBody>
@@ -1236,7 +1360,7 @@
           <a:p>
             <a:fld id="{E171C0DB-B590-426F-A834-B29C700D0DCC}" type="slidenum">
               <a:rPr lang="en-NZ" smtClean="0"/>
-              <a:t>17</a:t>
+              <a:t>16</a:t>
             </a:fld>
             <a:endParaRPr lang="en-NZ"/>
           </a:p>
@@ -1245,7 +1369,7 @@
     </p:spTree>
     <p:extLst>
       <p:ext uri="{BB962C8B-B14F-4D97-AF65-F5344CB8AC3E}">
-        <p14:creationId xmlns:p14="http://schemas.microsoft.com/office/powerpoint/2010/main" val="1561562193"/>
+        <p14:creationId xmlns:p14="http://schemas.microsoft.com/office/powerpoint/2010/main" val="1957852505"/>
       </p:ext>
     </p:extLst>
   </p:cSld>
@@ -1299,7 +1423,65 @@
           <a:bodyPr/>
           <a:lstStyle/>
           <a:p>
-            <a:endParaRPr lang="en-NZ" dirty="0"/>
+            <a:pPr marL="171450" indent="-171450">
+              <a:buFont typeface="Arial" charset="0"/>
+              <a:buChar char="•"/>
+            </a:pPr>
+            <a:r>
+              <a:rPr lang="en-NZ" dirty="0" smtClean="0"/>
+              <a:t>The native C++ rand() function returns a number between 1 and 32k</a:t>
+            </a:r>
+          </a:p>
+          <a:p>
+            <a:pPr marL="171450" indent="-171450">
+              <a:buFont typeface="Arial" charset="0"/>
+              <a:buChar char="•"/>
+            </a:pPr>
+            <a:endParaRPr lang="en-NZ" dirty="0" smtClean="0"/>
+          </a:p>
+          <a:p>
+            <a:pPr marL="171450" indent="-171450">
+              <a:buFont typeface="Arial" charset="0"/>
+              <a:buChar char="•"/>
+            </a:pPr>
+            <a:r>
+              <a:rPr lang="en-NZ" dirty="0" smtClean="0"/>
+              <a:t>Then take</a:t>
+            </a:r>
+            <a:r>
+              <a:rPr lang="en-NZ" baseline="0" dirty="0" smtClean="0"/>
+              <a:t> the mod of n to get the values between 0 and n-1</a:t>
+            </a:r>
+          </a:p>
+          <a:p>
+            <a:pPr marL="171450" indent="-171450">
+              <a:buFont typeface="Arial" charset="0"/>
+              <a:buChar char="•"/>
+            </a:pPr>
+            <a:endParaRPr lang="en-NZ" baseline="0" dirty="0" smtClean="0"/>
+          </a:p>
+          <a:p>
+            <a:pPr marL="171450" marR="0" indent="-171450" algn="l" defTabSz="914400" rtl="0" eaLnBrk="1" fontAlgn="auto" latinLnBrk="0" hangingPunct="1">
+              <a:lnSpc>
+                <a:spcPct val="100000"/>
+              </a:lnSpc>
+              <a:spcBef>
+                <a:spcPts val="0"/>
+              </a:spcBef>
+              <a:spcAft>
+                <a:spcPts val="0"/>
+              </a:spcAft>
+              <a:buClrTx/>
+              <a:buSzTx/>
+              <a:buFont typeface="Arial" charset="0"/>
+              <a:buChar char="•"/>
+              <a:tabLst/>
+              <a:defRPr/>
+            </a:pPr>
+            <a:r>
+              <a:rPr lang="en-NZ" baseline="0" dirty="0" smtClean="0"/>
+              <a:t>This is one of those things that varies from environment to environment. Just always check.</a:t>
+            </a:r>
           </a:p>
         </p:txBody>
       </p:sp>
@@ -1320,7 +1502,7 @@
           <a:p>
             <a:fld id="{E171C0DB-B590-426F-A834-B29C700D0DCC}" type="slidenum">
               <a:rPr lang="en-NZ" smtClean="0"/>
-              <a:t>18</a:t>
+              <a:t>17</a:t>
             </a:fld>
             <a:endParaRPr lang="en-NZ"/>
           </a:p>
@@ -1329,7 +1511,7 @@
     </p:spTree>
     <p:extLst>
       <p:ext uri="{BB962C8B-B14F-4D97-AF65-F5344CB8AC3E}">
-        <p14:creationId xmlns:p14="http://schemas.microsoft.com/office/powerpoint/2010/main" val="3568930796"/>
+        <p14:creationId xmlns:p14="http://schemas.microsoft.com/office/powerpoint/2010/main" val="1561562193"/>
       </p:ext>
     </p:extLst>
   </p:cSld>
@@ -1404,7 +1586,7 @@
           <a:p>
             <a:fld id="{E171C0DB-B590-426F-A834-B29C700D0DCC}" type="slidenum">
               <a:rPr lang="en-NZ" smtClean="0"/>
-              <a:t>19</a:t>
+              <a:t>18</a:t>
             </a:fld>
             <a:endParaRPr lang="en-NZ"/>
           </a:p>
@@ -1413,7 +1595,7 @@
     </p:spTree>
     <p:extLst>
       <p:ext uri="{BB962C8B-B14F-4D97-AF65-F5344CB8AC3E}">
-        <p14:creationId xmlns:p14="http://schemas.microsoft.com/office/powerpoint/2010/main" val="293153456"/>
+        <p14:creationId xmlns:p14="http://schemas.microsoft.com/office/powerpoint/2010/main" val="3568930796"/>
       </p:ext>
     </p:extLst>
   </p:cSld>
@@ -1488,7 +1670,7 @@
           <a:p>
             <a:fld id="{E171C0DB-B590-426F-A834-B29C700D0DCC}" type="slidenum">
               <a:rPr lang="en-NZ" smtClean="0"/>
-              <a:t>20</a:t>
+              <a:t>19</a:t>
             </a:fld>
             <a:endParaRPr lang="en-NZ"/>
           </a:p>
@@ -1497,7 +1679,7 @@
     </p:spTree>
     <p:extLst>
       <p:ext uri="{BB962C8B-B14F-4D97-AF65-F5344CB8AC3E}">
-        <p14:creationId xmlns:p14="http://schemas.microsoft.com/office/powerpoint/2010/main" val="242569045"/>
+        <p14:creationId xmlns:p14="http://schemas.microsoft.com/office/powerpoint/2010/main" val="293153456"/>
       </p:ext>
     </p:extLst>
   </p:cSld>
@@ -1551,6 +1733,191 @@
           <a:bodyPr/>
           <a:lstStyle/>
           <a:p>
+            <a:pPr marL="171450" marR="0" lvl="0" indent="-171450" algn="l" defTabSz="914400" rtl="0" eaLnBrk="1" fontAlgn="auto" latinLnBrk="0" hangingPunct="1">
+              <a:lnSpc>
+                <a:spcPct val="100000"/>
+              </a:lnSpc>
+              <a:spcBef>
+                <a:spcPts val="0"/>
+              </a:spcBef>
+              <a:spcAft>
+                <a:spcPts val="0"/>
+              </a:spcAft>
+              <a:buClrTx/>
+              <a:buSzTx/>
+              <a:buFont typeface="Arial" charset="0"/>
+              <a:buChar char="•"/>
+              <a:tabLst/>
+              <a:defRPr/>
+            </a:pPr>
+            <a:r>
+              <a:rPr lang="en-NZ" dirty="0" smtClean="0"/>
+              <a:t>I am available nearly 24</a:t>
+            </a:r>
+            <a:r>
+              <a:rPr lang="en-NZ" baseline="0" dirty="0" smtClean="0"/>
+              <a:t>/7 on all platforms. Don’t hesitate to send me a direct message on Teams or email on Outlook. </a:t>
+            </a:r>
+          </a:p>
+          <a:p>
+            <a:pPr marL="171450" marR="0" lvl="0" indent="-171450" algn="l" defTabSz="914400" rtl="0" eaLnBrk="1" fontAlgn="auto" latinLnBrk="0" hangingPunct="1">
+              <a:lnSpc>
+                <a:spcPct val="100000"/>
+              </a:lnSpc>
+              <a:spcBef>
+                <a:spcPts val="0"/>
+              </a:spcBef>
+              <a:spcAft>
+                <a:spcPts val="0"/>
+              </a:spcAft>
+              <a:buClrTx/>
+              <a:buSzTx/>
+              <a:buFont typeface="Arial" charset="0"/>
+              <a:buChar char="•"/>
+              <a:tabLst/>
+              <a:defRPr/>
+            </a:pPr>
+            <a:r>
+              <a:rPr lang="en-NZ" baseline="0" dirty="0" smtClean="0"/>
+              <a:t>I also have an open door policy and happy to discuss anything about the course, etc</a:t>
+            </a:r>
+          </a:p>
+          <a:p>
+            <a:pPr marL="628650" marR="0" lvl="1" indent="-171450" algn="l" defTabSz="914400" rtl="0" eaLnBrk="1" fontAlgn="auto" latinLnBrk="0" hangingPunct="1">
+              <a:lnSpc>
+                <a:spcPct val="100000"/>
+              </a:lnSpc>
+              <a:spcBef>
+                <a:spcPts val="0"/>
+              </a:spcBef>
+              <a:spcAft>
+                <a:spcPts val="0"/>
+              </a:spcAft>
+              <a:buClrTx/>
+              <a:buSzTx/>
+              <a:buFont typeface="Arial" charset="0"/>
+              <a:buChar char="•"/>
+              <a:tabLst/>
+              <a:defRPr/>
+            </a:pPr>
+            <a:r>
+              <a:rPr lang="en-NZ" baseline="0" dirty="0" smtClean="0"/>
+              <a:t>Note: I have created a private channel </a:t>
+            </a:r>
+            <a:r>
+              <a:rPr lang="mr-IN" baseline="0" dirty="0" smtClean="0"/>
+              <a:t>–</a:t>
+            </a:r>
+            <a:r>
+              <a:rPr lang="en-NZ" baseline="0" dirty="0" smtClean="0"/>
+              <a:t> if you can’t see this, please tell me</a:t>
+            </a:r>
+          </a:p>
+          <a:p>
+            <a:pPr marL="171450" marR="0" lvl="0" indent="-171450" algn="l" defTabSz="914400" rtl="0" eaLnBrk="1" fontAlgn="auto" latinLnBrk="0" hangingPunct="1">
+              <a:lnSpc>
+                <a:spcPct val="100000"/>
+              </a:lnSpc>
+              <a:spcBef>
+                <a:spcPts val="0"/>
+              </a:spcBef>
+              <a:spcAft>
+                <a:spcPts val="0"/>
+              </a:spcAft>
+              <a:buClrTx/>
+              <a:buSzTx/>
+              <a:buFont typeface="Arial" charset="0"/>
+              <a:buChar char="•"/>
+              <a:tabLst/>
+              <a:defRPr/>
+            </a:pPr>
+            <a:r>
+              <a:rPr lang="en-NZ" baseline="0" dirty="0" smtClean="0"/>
+              <a:t>The course material will be available on GitHub </a:t>
+            </a:r>
+            <a:r>
+              <a:rPr lang="mr-IN" baseline="0" dirty="0" smtClean="0"/>
+              <a:t>–</a:t>
+            </a:r>
+            <a:r>
+              <a:rPr lang="en-NZ" baseline="0" dirty="0" smtClean="0"/>
+              <a:t> I am constantly updating this repository so make sure you git pull each time you come to class</a:t>
+            </a:r>
+          </a:p>
+          <a:p>
+            <a:pPr marL="628650" marR="0" lvl="1" indent="-171450" algn="l" defTabSz="914400" rtl="0" eaLnBrk="1" fontAlgn="auto" latinLnBrk="0" hangingPunct="1">
+              <a:lnSpc>
+                <a:spcPct val="100000"/>
+              </a:lnSpc>
+              <a:spcBef>
+                <a:spcPts val="0"/>
+              </a:spcBef>
+              <a:spcAft>
+                <a:spcPts val="0"/>
+              </a:spcAft>
+              <a:buClrTx/>
+              <a:buSzTx/>
+              <a:buFont typeface="Arial" charset="0"/>
+              <a:buChar char="•"/>
+              <a:tabLst/>
+              <a:defRPr/>
+            </a:pPr>
+            <a:r>
+              <a:rPr lang="en-NZ" sz="1200" b="0" i="0" kern="1200" dirty="0" smtClean="0">
+                <a:solidFill>
+                  <a:schemeClr val="tx1"/>
+                </a:solidFill>
+                <a:effectLst/>
+                <a:latin typeface="+mn-lt"/>
+                <a:ea typeface="+mn-ea"/>
+                <a:cs typeface="+mn-cs"/>
+              </a:rPr>
+              <a:t>https://</a:t>
+            </a:r>
+            <a:r>
+              <a:rPr lang="en-NZ" sz="1200" b="0" i="0" kern="1200" dirty="0" err="1" smtClean="0">
+                <a:solidFill>
+                  <a:schemeClr val="tx1"/>
+                </a:solidFill>
+                <a:effectLst/>
+                <a:latin typeface="+mn-lt"/>
+                <a:ea typeface="+mn-ea"/>
+                <a:cs typeface="+mn-cs"/>
+              </a:rPr>
+              <a:t>github.com</a:t>
+            </a:r>
+            <a:r>
+              <a:rPr lang="en-NZ" sz="1200" b="0" i="0" kern="1200" dirty="0" smtClean="0">
+                <a:solidFill>
+                  <a:schemeClr val="tx1"/>
+                </a:solidFill>
+                <a:effectLst/>
+                <a:latin typeface="+mn-lt"/>
+                <a:ea typeface="+mn-ea"/>
+                <a:cs typeface="+mn-cs"/>
+              </a:rPr>
+              <a:t>/Grayson-Orr/Course-Files/tree/master/Programming%204</a:t>
+            </a:r>
+            <a:endParaRPr lang="en-NZ" baseline="0" dirty="0" smtClean="0"/>
+          </a:p>
+          <a:p>
+            <a:pPr marL="171450" marR="0" lvl="0" indent="-171450" algn="l" defTabSz="914400" rtl="0" eaLnBrk="1" fontAlgn="auto" latinLnBrk="0" hangingPunct="1">
+              <a:lnSpc>
+                <a:spcPct val="100000"/>
+              </a:lnSpc>
+              <a:spcBef>
+                <a:spcPts val="0"/>
+              </a:spcBef>
+              <a:spcAft>
+                <a:spcPts val="0"/>
+              </a:spcAft>
+              <a:buClrTx/>
+              <a:buSzTx/>
+              <a:buFont typeface="Arial" charset="0"/>
+              <a:buNone/>
+              <a:tabLst/>
+              <a:defRPr/>
+            </a:pPr>
             <a:endParaRPr lang="en-NZ" dirty="0"/>
           </a:p>
         </p:txBody>
@@ -1572,7 +1939,7 @@
           <a:p>
             <a:fld id="{E171C0DB-B590-426F-A834-B29C700D0DCC}" type="slidenum">
               <a:rPr lang="en-NZ" smtClean="0"/>
-              <a:t>3</a:t>
+              <a:t>2</a:t>
             </a:fld>
             <a:endParaRPr lang="en-NZ"/>
           </a:p>
@@ -1635,6 +2002,50 @@
           <a:bodyPr/>
           <a:lstStyle/>
           <a:p>
+            <a:pPr marL="171450" indent="-171450">
+              <a:buFont typeface="Arial" charset="0"/>
+              <a:buChar char="•"/>
+            </a:pPr>
+            <a:r>
+              <a:rPr lang="en-NZ" baseline="0" dirty="0" smtClean="0"/>
+              <a:t>Only integers or equivalent can be switched on</a:t>
+            </a:r>
+          </a:p>
+          <a:p>
+            <a:pPr marL="171450" indent="-171450">
+              <a:buFont typeface="Arial" charset="0"/>
+              <a:buChar char="•"/>
+            </a:pPr>
+            <a:endParaRPr lang="en-NZ" baseline="0" dirty="0" smtClean="0"/>
+          </a:p>
+          <a:p>
+            <a:pPr marL="171450" indent="-171450">
+              <a:buFont typeface="Arial" charset="0"/>
+              <a:buChar char="•"/>
+            </a:pPr>
+            <a:r>
+              <a:rPr lang="en-NZ" baseline="0" dirty="0" smtClean="0"/>
+              <a:t>Though, if you prefer strings, make an enumerations</a:t>
+            </a:r>
+          </a:p>
+          <a:p>
+            <a:pPr marL="171450" indent="-171450">
+              <a:buFont typeface="Arial" charset="0"/>
+              <a:buChar char="•"/>
+            </a:pPr>
+            <a:endParaRPr lang="en-NZ" baseline="0" dirty="0" smtClean="0"/>
+          </a:p>
+          <a:p>
+            <a:pPr marL="171450" indent="-171450">
+              <a:buFont typeface="Arial" charset="0"/>
+              <a:buChar char="•"/>
+            </a:pPr>
+            <a:r>
+              <a:rPr lang="en-NZ" baseline="0" dirty="0" smtClean="0"/>
+              <a:t>Note: Java supports switching on strings but not C/C++</a:t>
+            </a:r>
+          </a:p>
+          <a:p>
             <a:endParaRPr lang="en-NZ" dirty="0"/>
           </a:p>
         </p:txBody>
@@ -1656,7 +2067,7 @@
           <a:p>
             <a:fld id="{E171C0DB-B590-426F-A834-B29C700D0DCC}" type="slidenum">
               <a:rPr lang="en-NZ" smtClean="0"/>
-              <a:t>21</a:t>
+              <a:t>20</a:t>
             </a:fld>
             <a:endParaRPr lang="en-NZ"/>
           </a:p>
@@ -1665,7 +2076,7 @@
     </p:spTree>
     <p:extLst>
       <p:ext uri="{BB962C8B-B14F-4D97-AF65-F5344CB8AC3E}">
-        <p14:creationId xmlns:p14="http://schemas.microsoft.com/office/powerpoint/2010/main" val="819758698"/>
+        <p14:creationId xmlns:p14="http://schemas.microsoft.com/office/powerpoint/2010/main" val="242569045"/>
       </p:ext>
     </p:extLst>
   </p:cSld>
@@ -1719,6 +2130,171 @@
           <a:bodyPr/>
           <a:lstStyle/>
           <a:p>
+            <a:pPr marL="171450" marR="0" indent="-171450" algn="l" defTabSz="914400" rtl="0" eaLnBrk="1" fontAlgn="auto" latinLnBrk="0" hangingPunct="1">
+              <a:lnSpc>
+                <a:spcPct val="100000"/>
+              </a:lnSpc>
+              <a:spcBef>
+                <a:spcPts val="0"/>
+              </a:spcBef>
+              <a:spcAft>
+                <a:spcPts val="0"/>
+              </a:spcAft>
+              <a:buClrTx/>
+              <a:buSzTx/>
+              <a:buFont typeface="Arial" charset="0"/>
+              <a:buChar char="•"/>
+              <a:tabLst/>
+              <a:defRPr/>
+            </a:pPr>
+            <a:r>
+              <a:rPr lang="en-NZ" dirty="0" smtClean="0"/>
+              <a:t>One of the advantages</a:t>
+            </a:r>
+            <a:r>
+              <a:rPr lang="en-NZ" baseline="0" dirty="0" smtClean="0"/>
+              <a:t> of working in Visual Studio is that you have access to the .NET libraries, which provide many useful and powerful classes</a:t>
+            </a:r>
+          </a:p>
+          <a:p>
+            <a:pPr marL="171450" marR="0" indent="-171450" algn="l" defTabSz="914400" rtl="0" eaLnBrk="1" fontAlgn="auto" latinLnBrk="0" hangingPunct="1">
+              <a:lnSpc>
+                <a:spcPct val="100000"/>
+              </a:lnSpc>
+              <a:spcBef>
+                <a:spcPts val="0"/>
+              </a:spcBef>
+              <a:spcAft>
+                <a:spcPts val="0"/>
+              </a:spcAft>
+              <a:buClrTx/>
+              <a:buSzTx/>
+              <a:buFont typeface="Arial" charset="0"/>
+              <a:buChar char="•"/>
+              <a:tabLst/>
+              <a:defRPr/>
+            </a:pPr>
+            <a:endParaRPr lang="en-NZ" baseline="0" dirty="0" smtClean="0"/>
+          </a:p>
+          <a:p>
+            <a:pPr marL="171450" marR="0" indent="-171450" algn="l" defTabSz="914400" rtl="0" eaLnBrk="1" fontAlgn="auto" latinLnBrk="0" hangingPunct="1">
+              <a:lnSpc>
+                <a:spcPct val="100000"/>
+              </a:lnSpc>
+              <a:spcBef>
+                <a:spcPts val="0"/>
+              </a:spcBef>
+              <a:spcAft>
+                <a:spcPts val="0"/>
+              </a:spcAft>
+              <a:buClrTx/>
+              <a:buSzTx/>
+              <a:buFont typeface="Arial" charset="0"/>
+              <a:buChar char="•"/>
+              <a:tabLst/>
+              <a:defRPr/>
+            </a:pPr>
+            <a:r>
+              <a:rPr lang="en-NZ" baseline="0" dirty="0" smtClean="0"/>
+              <a:t>There are dozens of static conversion routines</a:t>
+            </a:r>
+          </a:p>
+          <a:p>
+            <a:pPr marL="171450" marR="0" indent="-171450" algn="l" defTabSz="914400" rtl="0" eaLnBrk="1" fontAlgn="auto" latinLnBrk="0" hangingPunct="1">
+              <a:lnSpc>
+                <a:spcPct val="100000"/>
+              </a:lnSpc>
+              <a:spcBef>
+                <a:spcPts val="0"/>
+              </a:spcBef>
+              <a:spcAft>
+                <a:spcPts val="0"/>
+              </a:spcAft>
+              <a:buClrTx/>
+              <a:buSzTx/>
+              <a:buFont typeface="Arial" charset="0"/>
+              <a:buChar char="•"/>
+              <a:tabLst/>
+              <a:defRPr/>
+            </a:pPr>
+            <a:endParaRPr lang="en-NZ" baseline="0" dirty="0" smtClean="0"/>
+          </a:p>
+          <a:p>
+            <a:pPr marL="171450" marR="0" indent="-171450" algn="l" defTabSz="914400" rtl="0" eaLnBrk="1" fontAlgn="auto" latinLnBrk="0" hangingPunct="1">
+              <a:lnSpc>
+                <a:spcPct val="100000"/>
+              </a:lnSpc>
+              <a:spcBef>
+                <a:spcPts val="0"/>
+              </a:spcBef>
+              <a:spcAft>
+                <a:spcPts val="0"/>
+              </a:spcAft>
+              <a:buClrTx/>
+              <a:buSzTx/>
+              <a:buFont typeface="Arial" charset="0"/>
+              <a:buChar char="•"/>
+              <a:tabLst/>
+              <a:defRPr/>
+            </a:pPr>
+            <a:r>
+              <a:rPr lang="en-NZ" baseline="0" dirty="0" smtClean="0"/>
+              <a:t>We’ll talk about static classes more later, but basically this just means you don’t have to declare an instance to use the class methods, you just call them on the class name</a:t>
+            </a:r>
+          </a:p>
+          <a:p>
+            <a:pPr marL="171450" marR="0" indent="-171450" algn="l" defTabSz="914400" rtl="0" eaLnBrk="1" fontAlgn="auto" latinLnBrk="0" hangingPunct="1">
+              <a:lnSpc>
+                <a:spcPct val="100000"/>
+              </a:lnSpc>
+              <a:spcBef>
+                <a:spcPts val="0"/>
+              </a:spcBef>
+              <a:spcAft>
+                <a:spcPts val="0"/>
+              </a:spcAft>
+              <a:buClrTx/>
+              <a:buSzTx/>
+              <a:buFont typeface="Arial" charset="0"/>
+              <a:buChar char="•"/>
+              <a:tabLst/>
+              <a:defRPr/>
+            </a:pPr>
+            <a:endParaRPr lang="en-NZ" baseline="0" dirty="0" smtClean="0"/>
+          </a:p>
+          <a:p>
+            <a:pPr marL="171450" marR="0" indent="-171450" algn="l" defTabSz="914400" rtl="0" eaLnBrk="1" fontAlgn="auto" latinLnBrk="0" hangingPunct="1">
+              <a:lnSpc>
+                <a:spcPct val="100000"/>
+              </a:lnSpc>
+              <a:spcBef>
+                <a:spcPts val="0"/>
+              </a:spcBef>
+              <a:spcAft>
+                <a:spcPts val="0"/>
+              </a:spcAft>
+              <a:buClrTx/>
+              <a:buSzTx/>
+              <a:buFont typeface="Arial" charset="0"/>
+              <a:buChar char="•"/>
+              <a:tabLst/>
+              <a:defRPr/>
+            </a:pPr>
+            <a:r>
+              <a:rPr lang="en-NZ" baseline="0" dirty="0" smtClean="0"/>
+              <a:t>Note the :: scoping operator </a:t>
+            </a:r>
+            <a:r>
+              <a:rPr lang="mr-IN" baseline="0" dirty="0" smtClean="0"/>
+              <a:t>–</a:t>
+            </a:r>
+            <a:r>
+              <a:rPr lang="en-NZ" baseline="0" dirty="0" smtClean="0"/>
+              <a:t> belongs to the base class object</a:t>
+            </a:r>
+            <a:endParaRPr lang="en-NZ" dirty="0" smtClean="0"/>
+          </a:p>
+          <a:p>
             <a:endParaRPr lang="en-NZ" dirty="0"/>
           </a:p>
         </p:txBody>
@@ -1740,7 +2316,7 @@
           <a:p>
             <a:fld id="{E171C0DB-B590-426F-A834-B29C700D0DCC}" type="slidenum">
               <a:rPr lang="en-NZ" smtClean="0"/>
-              <a:t>22</a:t>
+              <a:t>21</a:t>
             </a:fld>
             <a:endParaRPr lang="en-NZ"/>
           </a:p>
@@ -1749,7 +2325,7 @@
     </p:spTree>
     <p:extLst>
       <p:ext uri="{BB962C8B-B14F-4D97-AF65-F5344CB8AC3E}">
-        <p14:creationId xmlns:p14="http://schemas.microsoft.com/office/powerpoint/2010/main" val="795825042"/>
+        <p14:creationId xmlns:p14="http://schemas.microsoft.com/office/powerpoint/2010/main" val="819758698"/>
       </p:ext>
     </p:extLst>
   </p:cSld>
@@ -1824,7 +2400,7 @@
           <a:p>
             <a:fld id="{E171C0DB-B590-426F-A834-B29C700D0DCC}" type="slidenum">
               <a:rPr lang="en-NZ" smtClean="0"/>
-              <a:t>23</a:t>
+              <a:t>22</a:t>
             </a:fld>
             <a:endParaRPr lang="en-NZ"/>
           </a:p>
@@ -1833,7 +2409,7 @@
     </p:spTree>
     <p:extLst>
       <p:ext uri="{BB962C8B-B14F-4D97-AF65-F5344CB8AC3E}">
-        <p14:creationId xmlns:p14="http://schemas.microsoft.com/office/powerpoint/2010/main" val="387762524"/>
+        <p14:creationId xmlns:p14="http://schemas.microsoft.com/office/powerpoint/2010/main" val="795825042"/>
       </p:ext>
     </p:extLst>
   </p:cSld>
@@ -1908,7 +2484,7 @@
           <a:p>
             <a:fld id="{E171C0DB-B590-426F-A834-B29C700D0DCC}" type="slidenum">
               <a:rPr lang="en-NZ" smtClean="0"/>
-              <a:t>24</a:t>
+              <a:t>23</a:t>
             </a:fld>
             <a:endParaRPr lang="en-NZ"/>
           </a:p>
@@ -1917,7 +2493,7 @@
     </p:spTree>
     <p:extLst>
       <p:ext uri="{BB962C8B-B14F-4D97-AF65-F5344CB8AC3E}">
-        <p14:creationId xmlns:p14="http://schemas.microsoft.com/office/powerpoint/2010/main" val="2746318500"/>
+        <p14:creationId xmlns:p14="http://schemas.microsoft.com/office/powerpoint/2010/main" val="387762524"/>
       </p:ext>
     </p:extLst>
   </p:cSld>
@@ -1971,6 +2547,26 @@
           <a:bodyPr/>
           <a:lstStyle/>
           <a:p>
+            <a:pPr marL="171450" indent="-171450">
+              <a:buFont typeface="Arial" charset="0"/>
+              <a:buChar char="•"/>
+            </a:pPr>
+            <a:r>
+              <a:rPr lang="en-NZ" dirty="0" smtClean="0"/>
+              <a:t>We will revisit </a:t>
+            </a:r>
+            <a:r>
+              <a:rPr lang="en-NZ" dirty="0" err="1" smtClean="0"/>
+              <a:t>structs</a:t>
+            </a:r>
+            <a:r>
+              <a:rPr lang="en-NZ" dirty="0" smtClean="0"/>
+              <a:t>/structures in Week</a:t>
+            </a:r>
+            <a:r>
+              <a:rPr lang="en-NZ" baseline="0" dirty="0" smtClean="0"/>
+              <a:t> 14</a:t>
+            </a:r>
             <a:endParaRPr lang="en-NZ" dirty="0"/>
           </a:p>
         </p:txBody>
@@ -1992,7 +2588,7 @@
           <a:p>
             <a:fld id="{E171C0DB-B590-426F-A834-B29C700D0DCC}" type="slidenum">
               <a:rPr lang="en-NZ" smtClean="0"/>
-              <a:t>25</a:t>
+              <a:t>24</a:t>
             </a:fld>
             <a:endParaRPr lang="en-NZ"/>
           </a:p>
@@ -2001,7 +2597,7 @@
     </p:spTree>
     <p:extLst>
       <p:ext uri="{BB962C8B-B14F-4D97-AF65-F5344CB8AC3E}">
-        <p14:creationId xmlns:p14="http://schemas.microsoft.com/office/powerpoint/2010/main" val="2112864412"/>
+        <p14:creationId xmlns:p14="http://schemas.microsoft.com/office/powerpoint/2010/main" val="2746318500"/>
       </p:ext>
     </p:extLst>
   </p:cSld>
@@ -2076,7 +2672,7 @@
           <a:p>
             <a:fld id="{E171C0DB-B590-426F-A834-B29C700D0DCC}" type="slidenum">
               <a:rPr lang="en-NZ" smtClean="0"/>
-              <a:t>26</a:t>
+              <a:t>25</a:t>
             </a:fld>
             <a:endParaRPr lang="en-NZ"/>
           </a:p>
@@ -2085,7 +2681,7 @@
     </p:spTree>
     <p:extLst>
       <p:ext uri="{BB962C8B-B14F-4D97-AF65-F5344CB8AC3E}">
-        <p14:creationId xmlns:p14="http://schemas.microsoft.com/office/powerpoint/2010/main" val="1005181762"/>
+        <p14:creationId xmlns:p14="http://schemas.microsoft.com/office/powerpoint/2010/main" val="2112864412"/>
       </p:ext>
     </p:extLst>
   </p:cSld>
@@ -2139,7 +2735,36 @@
           <a:bodyPr/>
           <a:lstStyle/>
           <a:p>
-            <a:endParaRPr lang="en-NZ" dirty="0"/>
+            <a:pPr marL="171450" indent="-171450">
+              <a:buFont typeface="Arial" charset="0"/>
+              <a:buChar char="•"/>
+            </a:pPr>
+            <a:r>
+              <a:rPr lang="en-NZ" dirty="0" smtClean="0"/>
+              <a:t>Don’t worry, your repository is private and only visible to me and you</a:t>
+            </a:r>
+          </a:p>
+          <a:p>
+            <a:pPr marL="171450" indent="-171450">
+              <a:buFont typeface="Arial" charset="0"/>
+              <a:buChar char="•"/>
+            </a:pPr>
+            <a:r>
+              <a:rPr lang="en-NZ" dirty="0" smtClean="0"/>
+              <a:t>I have set</a:t>
+            </a:r>
+            <a:r>
+              <a:rPr lang="en-NZ" baseline="0" dirty="0" smtClean="0"/>
+              <a:t> code freeze so you won</a:t>
+            </a:r>
+            <a:r>
+              <a:rPr lang="mr-IN" baseline="0" dirty="0" smtClean="0"/>
+              <a:t>’</a:t>
+            </a:r>
+            <a:r>
+              <a:rPr lang="en-NZ" baseline="0" dirty="0" smtClean="0"/>
+              <a:t>t be able to push anything to your repository after the due date and time</a:t>
+            </a:r>
           </a:p>
         </p:txBody>
       </p:sp>
@@ -2160,7 +2785,7 @@
           <a:p>
             <a:fld id="{E171C0DB-B590-426F-A834-B29C700D0DCC}" type="slidenum">
               <a:rPr lang="en-NZ" smtClean="0"/>
-              <a:t>27</a:t>
+              <a:t>26</a:t>
             </a:fld>
             <a:endParaRPr lang="en-NZ"/>
           </a:p>
@@ -2169,7 +2794,7 @@
     </p:spTree>
     <p:extLst>
       <p:ext uri="{BB962C8B-B14F-4D97-AF65-F5344CB8AC3E}">
-        <p14:creationId xmlns:p14="http://schemas.microsoft.com/office/powerpoint/2010/main" val="663757861"/>
+        <p14:creationId xmlns:p14="http://schemas.microsoft.com/office/powerpoint/2010/main" val="1465696753"/>
       </p:ext>
     </p:extLst>
   </p:cSld>
@@ -2244,7 +2869,7 @@
           <a:p>
             <a:fld id="{E171C0DB-B590-426F-A834-B29C700D0DCC}" type="slidenum">
               <a:rPr lang="en-NZ" smtClean="0"/>
-              <a:t>28</a:t>
+              <a:t>27</a:t>
             </a:fld>
             <a:endParaRPr lang="en-NZ"/>
           </a:p>
@@ -2253,7 +2878,7 @@
     </p:spTree>
     <p:extLst>
       <p:ext uri="{BB962C8B-B14F-4D97-AF65-F5344CB8AC3E}">
-        <p14:creationId xmlns:p14="http://schemas.microsoft.com/office/powerpoint/2010/main" val="281258230"/>
+        <p14:creationId xmlns:p14="http://schemas.microsoft.com/office/powerpoint/2010/main" val="1005181762"/>
       </p:ext>
     </p:extLst>
   </p:cSld>
@@ -2328,7 +2953,7 @@
           <a:p>
             <a:fld id="{E171C0DB-B590-426F-A834-B29C700D0DCC}" type="slidenum">
               <a:rPr lang="en-NZ" smtClean="0"/>
-              <a:t>29</a:t>
+              <a:t>28</a:t>
             </a:fld>
             <a:endParaRPr lang="en-NZ"/>
           </a:p>
@@ -2337,7 +2962,7 @@
     </p:spTree>
     <p:extLst>
       <p:ext uri="{BB962C8B-B14F-4D97-AF65-F5344CB8AC3E}">
-        <p14:creationId xmlns:p14="http://schemas.microsoft.com/office/powerpoint/2010/main" val="1931903357"/>
+        <p14:creationId xmlns:p14="http://schemas.microsoft.com/office/powerpoint/2010/main" val="663757861"/>
       </p:ext>
     </p:extLst>
   </p:cSld>
@@ -2412,7 +3037,7 @@
           <a:p>
             <a:fld id="{E171C0DB-B590-426F-A834-B29C700D0DCC}" type="slidenum">
               <a:rPr lang="en-NZ" smtClean="0"/>
-              <a:t>30</a:t>
+              <a:t>29</a:t>
             </a:fld>
             <a:endParaRPr lang="en-NZ"/>
           </a:p>
@@ -2421,7 +3046,7 @@
     </p:spTree>
     <p:extLst>
       <p:ext uri="{BB962C8B-B14F-4D97-AF65-F5344CB8AC3E}">
-        <p14:creationId xmlns:p14="http://schemas.microsoft.com/office/powerpoint/2010/main" val="974087165"/>
+        <p14:creationId xmlns:p14="http://schemas.microsoft.com/office/powerpoint/2010/main" val="281258230"/>
       </p:ext>
     </p:extLst>
   </p:cSld>
@@ -2475,7 +3100,14 @@
           <a:bodyPr/>
           <a:lstStyle/>
           <a:p>
-            <a:endParaRPr lang="en-NZ" dirty="0"/>
+            <a:r>
+              <a:rPr lang="en-NZ" dirty="0" smtClean="0"/>
+              <a:t>This semester,</a:t>
+            </a:r>
+            <a:r>
+              <a:rPr lang="en-NZ" baseline="0" dirty="0" smtClean="0"/>
+              <a:t> videos will be provided for each lecture briefly describing the more complicated concepts</a:t>
+            </a:r>
           </a:p>
         </p:txBody>
       </p:sp>
@@ -2496,7 +3128,7 @@
           <a:p>
             <a:fld id="{E171C0DB-B590-426F-A834-B29C700D0DCC}" type="slidenum">
               <a:rPr lang="en-NZ" smtClean="0"/>
-              <a:t>4</a:t>
+              <a:t>3</a:t>
             </a:fld>
             <a:endParaRPr lang="en-NZ"/>
           </a:p>
@@ -2580,7 +3212,7 @@
           <a:p>
             <a:fld id="{E171C0DB-B590-426F-A834-B29C700D0DCC}" type="slidenum">
               <a:rPr lang="en-NZ" smtClean="0"/>
-              <a:t>31</a:t>
+              <a:t>30</a:t>
             </a:fld>
             <a:endParaRPr lang="en-NZ"/>
           </a:p>
@@ -2589,7 +3221,7 @@
     </p:spTree>
     <p:extLst>
       <p:ext uri="{BB962C8B-B14F-4D97-AF65-F5344CB8AC3E}">
-        <p14:creationId xmlns:p14="http://schemas.microsoft.com/office/powerpoint/2010/main" val="1744982479"/>
+        <p14:creationId xmlns:p14="http://schemas.microsoft.com/office/powerpoint/2010/main" val="1931903357"/>
       </p:ext>
     </p:extLst>
   </p:cSld>
@@ -2664,7 +3296,7 @@
           <a:p>
             <a:fld id="{E171C0DB-B590-426F-A834-B29C700D0DCC}" type="slidenum">
               <a:rPr lang="en-NZ" smtClean="0"/>
-              <a:t>32</a:t>
+              <a:t>31</a:t>
             </a:fld>
             <a:endParaRPr lang="en-NZ"/>
           </a:p>
@@ -2673,7 +3305,7 @@
     </p:spTree>
     <p:extLst>
       <p:ext uri="{BB962C8B-B14F-4D97-AF65-F5344CB8AC3E}">
-        <p14:creationId xmlns:p14="http://schemas.microsoft.com/office/powerpoint/2010/main" val="2043674035"/>
+        <p14:creationId xmlns:p14="http://schemas.microsoft.com/office/powerpoint/2010/main" val="974087165"/>
       </p:ext>
     </p:extLst>
   </p:cSld>
@@ -2748,7 +3380,7 @@
           <a:p>
             <a:fld id="{E171C0DB-B590-426F-A834-B29C700D0DCC}" type="slidenum">
               <a:rPr lang="en-NZ" smtClean="0"/>
-              <a:t>33</a:t>
+              <a:t>32</a:t>
             </a:fld>
             <a:endParaRPr lang="en-NZ"/>
           </a:p>
@@ -2757,7 +3389,7 @@
     </p:spTree>
     <p:extLst>
       <p:ext uri="{BB962C8B-B14F-4D97-AF65-F5344CB8AC3E}">
-        <p14:creationId xmlns:p14="http://schemas.microsoft.com/office/powerpoint/2010/main" val="2038344231"/>
+        <p14:creationId xmlns:p14="http://schemas.microsoft.com/office/powerpoint/2010/main" val="1744982479"/>
       </p:ext>
     </p:extLst>
   </p:cSld>
@@ -2832,7 +3464,7 @@
           <a:p>
             <a:fld id="{E171C0DB-B590-426F-A834-B29C700D0DCC}" type="slidenum">
               <a:rPr lang="en-NZ" smtClean="0"/>
-              <a:t>34</a:t>
+              <a:t>33</a:t>
             </a:fld>
             <a:endParaRPr lang="en-NZ"/>
           </a:p>
@@ -2841,7 +3473,7 @@
     </p:spTree>
     <p:extLst>
       <p:ext uri="{BB962C8B-B14F-4D97-AF65-F5344CB8AC3E}">
-        <p14:creationId xmlns:p14="http://schemas.microsoft.com/office/powerpoint/2010/main" val="973995048"/>
+        <p14:creationId xmlns:p14="http://schemas.microsoft.com/office/powerpoint/2010/main" val="2043674035"/>
       </p:ext>
     </p:extLst>
   </p:cSld>
@@ -2916,7 +3548,175 @@
           <a:p>
             <a:fld id="{E171C0DB-B590-426F-A834-B29C700D0DCC}" type="slidenum">
               <a:rPr lang="en-NZ" smtClean="0"/>
+              <a:t>34</a:t>
+            </a:fld>
+            <a:endParaRPr lang="en-NZ"/>
+          </a:p>
+        </p:txBody>
+      </p:sp>
+    </p:spTree>
+    <p:extLst>
+      <p:ext uri="{BB962C8B-B14F-4D97-AF65-F5344CB8AC3E}">
+        <p14:creationId xmlns:p14="http://schemas.microsoft.com/office/powerpoint/2010/main" val="2038344231"/>
+      </p:ext>
+    </p:extLst>
+  </p:cSld>
+  <p:clrMapOvr>
+    <a:masterClrMapping/>
+  </p:clrMapOvr>
+</p:notes>
+</file>
+
+<file path=ppt/notesSlides/notesSlide35.xml><?xml version="1.0" encoding="utf-8"?>
+<p:notes xmlns:a="http://schemas.openxmlformats.org/drawingml/2006/main" xmlns:r="http://schemas.openxmlformats.org/officeDocument/2006/relationships" xmlns:p="http://schemas.openxmlformats.org/presentationml/2006/main">
+  <p:cSld>
+    <p:spTree>
+      <p:nvGrpSpPr>
+        <p:cNvPr id="1" name=""/>
+        <p:cNvGrpSpPr/>
+        <p:nvPr/>
+      </p:nvGrpSpPr>
+      <p:grpSpPr>
+        <a:xfrm>
+          <a:off x="0" y="0"/>
+          <a:ext cx="0" cy="0"/>
+          <a:chOff x="0" y="0"/>
+          <a:chExt cx="0" cy="0"/>
+        </a:xfrm>
+      </p:grpSpPr>
+      <p:sp>
+        <p:nvSpPr>
+          <p:cNvPr id="2" name="Slide Image Placeholder 1"/>
+          <p:cNvSpPr>
+            <a:spLocks noGrp="1" noRot="1" noChangeAspect="1"/>
+          </p:cNvSpPr>
+          <p:nvPr>
+            <p:ph type="sldImg"/>
+          </p:nvPr>
+        </p:nvSpPr>
+        <p:spPr/>
+      </p:sp>
+      <p:sp>
+        <p:nvSpPr>
+          <p:cNvPr id="3" name="Notes Placeholder 2"/>
+          <p:cNvSpPr>
+            <a:spLocks noGrp="1"/>
+          </p:cNvSpPr>
+          <p:nvPr>
+            <p:ph type="body" idx="1"/>
+          </p:nvPr>
+        </p:nvSpPr>
+        <p:spPr/>
+        <p:txBody>
+          <a:bodyPr/>
+          <a:lstStyle/>
+          <a:p>
+            <a:endParaRPr lang="en-NZ" dirty="0"/>
+          </a:p>
+        </p:txBody>
+      </p:sp>
+      <p:sp>
+        <p:nvSpPr>
+          <p:cNvPr id="4" name="Slide Number Placeholder 3"/>
+          <p:cNvSpPr>
+            <a:spLocks noGrp="1"/>
+          </p:cNvSpPr>
+          <p:nvPr>
+            <p:ph type="sldNum" sz="quarter" idx="10"/>
+          </p:nvPr>
+        </p:nvSpPr>
+        <p:spPr/>
+        <p:txBody>
+          <a:bodyPr/>
+          <a:lstStyle/>
+          <a:p>
+            <a:fld id="{E171C0DB-B590-426F-A834-B29C700D0DCC}" type="slidenum">
+              <a:rPr lang="en-NZ" smtClean="0"/>
               <a:t>35</a:t>
+            </a:fld>
+            <a:endParaRPr lang="en-NZ"/>
+          </a:p>
+        </p:txBody>
+      </p:sp>
+    </p:spTree>
+    <p:extLst>
+      <p:ext uri="{BB962C8B-B14F-4D97-AF65-F5344CB8AC3E}">
+        <p14:creationId xmlns:p14="http://schemas.microsoft.com/office/powerpoint/2010/main" val="973995048"/>
+      </p:ext>
+    </p:extLst>
+  </p:cSld>
+  <p:clrMapOvr>
+    <a:masterClrMapping/>
+  </p:clrMapOvr>
+</p:notes>
+</file>
+
+<file path=ppt/notesSlides/notesSlide36.xml><?xml version="1.0" encoding="utf-8"?>
+<p:notes xmlns:a="http://schemas.openxmlformats.org/drawingml/2006/main" xmlns:r="http://schemas.openxmlformats.org/officeDocument/2006/relationships" xmlns:p="http://schemas.openxmlformats.org/presentationml/2006/main">
+  <p:cSld>
+    <p:spTree>
+      <p:nvGrpSpPr>
+        <p:cNvPr id="1" name=""/>
+        <p:cNvGrpSpPr/>
+        <p:nvPr/>
+      </p:nvGrpSpPr>
+      <p:grpSpPr>
+        <a:xfrm>
+          <a:off x="0" y="0"/>
+          <a:ext cx="0" cy="0"/>
+          <a:chOff x="0" y="0"/>
+          <a:chExt cx="0" cy="0"/>
+        </a:xfrm>
+      </p:grpSpPr>
+      <p:sp>
+        <p:nvSpPr>
+          <p:cNvPr id="2" name="Slide Image Placeholder 1"/>
+          <p:cNvSpPr>
+            <a:spLocks noGrp="1" noRot="1" noChangeAspect="1"/>
+          </p:cNvSpPr>
+          <p:nvPr>
+            <p:ph type="sldImg"/>
+          </p:nvPr>
+        </p:nvSpPr>
+        <p:spPr/>
+      </p:sp>
+      <p:sp>
+        <p:nvSpPr>
+          <p:cNvPr id="3" name="Notes Placeholder 2"/>
+          <p:cNvSpPr>
+            <a:spLocks noGrp="1"/>
+          </p:cNvSpPr>
+          <p:nvPr>
+            <p:ph type="body" idx="1"/>
+          </p:nvPr>
+        </p:nvSpPr>
+        <p:spPr/>
+        <p:txBody>
+          <a:bodyPr/>
+          <a:lstStyle/>
+          <a:p>
+            <a:endParaRPr lang="en-NZ" dirty="0"/>
+          </a:p>
+        </p:txBody>
+      </p:sp>
+      <p:sp>
+        <p:nvSpPr>
+          <p:cNvPr id="4" name="Slide Number Placeholder 3"/>
+          <p:cNvSpPr>
+            <a:spLocks noGrp="1"/>
+          </p:cNvSpPr>
+          <p:nvPr>
+            <p:ph type="sldNum" sz="quarter" idx="10"/>
+          </p:nvPr>
+        </p:nvSpPr>
+        <p:spPr/>
+        <p:txBody>
+          <a:bodyPr/>
+          <a:lstStyle/>
+          <a:p>
+            <a:fld id="{E171C0DB-B590-426F-A834-B29C700D0DCC}" type="slidenum">
+              <a:rPr lang="en-NZ" smtClean="0"/>
+              <a:t>36</a:t>
             </a:fld>
             <a:endParaRPr lang="en-NZ"/>
           </a:p>
@@ -3000,7 +3800,7 @@
           <a:p>
             <a:fld id="{E171C0DB-B590-426F-A834-B29C700D0DCC}" type="slidenum">
               <a:rPr lang="en-NZ" smtClean="0"/>
-              <a:t>5</a:t>
+              <a:t>4</a:t>
             </a:fld>
             <a:endParaRPr lang="en-NZ"/>
           </a:p>
@@ -3063,6 +3863,80 @@
           <a:bodyPr/>
           <a:lstStyle/>
           <a:p>
+            <a:pPr marL="171450" indent="-171450">
+              <a:buFont typeface="Arial" charset="0"/>
+              <a:buChar char="•"/>
+            </a:pPr>
+            <a:r>
+              <a:rPr lang="en-NZ" b="1" dirty="0" smtClean="0"/>
+              <a:t>Practicals</a:t>
+            </a:r>
+            <a:r>
+              <a:rPr lang="en-NZ" dirty="0" smtClean="0"/>
+              <a:t> will be due</a:t>
+            </a:r>
+            <a:r>
+              <a:rPr lang="en-NZ" baseline="0" dirty="0" smtClean="0"/>
+              <a:t> one week from handout </a:t>
+            </a:r>
+            <a:r>
+              <a:rPr lang="mr-IN" baseline="0" dirty="0" smtClean="0"/>
+              <a:t>–</a:t>
+            </a:r>
+            <a:r>
+              <a:rPr lang="en-NZ" baseline="0" dirty="0" smtClean="0"/>
+              <a:t> time management is crucial this semester</a:t>
+            </a:r>
+          </a:p>
+          <a:p>
+            <a:pPr marL="171450" indent="-171450">
+              <a:buFont typeface="Arial" charset="0"/>
+              <a:buChar char="•"/>
+            </a:pPr>
+            <a:r>
+              <a:rPr lang="en-NZ" b="1" baseline="0" dirty="0" smtClean="0"/>
+              <a:t>Roguelike</a:t>
+            </a:r>
+            <a:r>
+              <a:rPr lang="en-NZ" baseline="0" dirty="0" smtClean="0"/>
+              <a:t> will be a group project (5 weeks)</a:t>
+            </a:r>
+          </a:p>
+          <a:p>
+            <a:pPr marL="171450" indent="-171450">
+              <a:buFont typeface="Arial" charset="0"/>
+              <a:buChar char="•"/>
+            </a:pPr>
+            <a:r>
+              <a:rPr lang="en-NZ" b="1" baseline="0" dirty="0" smtClean="0"/>
+              <a:t>Language Exploration </a:t>
+            </a:r>
+            <a:r>
+              <a:rPr lang="en-NZ" baseline="0" dirty="0" smtClean="0"/>
+              <a:t>will be an individual assignment </a:t>
+            </a:r>
+            <a:r>
+              <a:rPr lang="mr-IN" baseline="0" dirty="0" smtClean="0"/>
+              <a:t>–</a:t>
+            </a:r>
+            <a:r>
+              <a:rPr lang="en-NZ" baseline="0" dirty="0" smtClean="0"/>
+              <a:t> create Mastermind game with Ruby and Rust (3 weeks)</a:t>
+            </a:r>
+          </a:p>
+          <a:p>
+            <a:pPr marL="171450" indent="-171450">
+              <a:buFont typeface="Arial" charset="0"/>
+              <a:buChar char="•"/>
+            </a:pPr>
+            <a:r>
+              <a:rPr lang="en-NZ" b="1" baseline="0" dirty="0" smtClean="0"/>
+              <a:t>Exam</a:t>
+            </a:r>
+            <a:r>
+              <a:rPr lang="en-NZ" baseline="0" dirty="0" smtClean="0"/>
+              <a:t> will cover content taught this semester</a:t>
+            </a:r>
             <a:endParaRPr lang="en-NZ" dirty="0"/>
           </a:p>
         </p:txBody>
@@ -3084,7 +3958,7 @@
           <a:p>
             <a:fld id="{E171C0DB-B590-426F-A834-B29C700D0DCC}" type="slidenum">
               <a:rPr lang="en-NZ" smtClean="0"/>
-              <a:t>6</a:t>
+              <a:t>5</a:t>
             </a:fld>
             <a:endParaRPr lang="en-NZ"/>
           </a:p>
@@ -3147,7 +4021,530 @@
           <a:bodyPr/>
           <a:lstStyle/>
           <a:p>
-            <a:endParaRPr lang="en-NZ" dirty="0"/>
+            <a:pPr marL="171450" indent="-171450">
+              <a:buFont typeface="Arial" charset="0"/>
+              <a:buChar char="•"/>
+            </a:pPr>
+            <a:r>
+              <a:rPr lang="en-US" sz="1200" kern="1200" dirty="0" smtClean="0">
+                <a:solidFill>
+                  <a:schemeClr val="tx1"/>
+                </a:solidFill>
+                <a:effectLst/>
+                <a:latin typeface="+mn-lt"/>
+                <a:ea typeface="+mn-ea"/>
+                <a:cs typeface="+mn-cs"/>
+              </a:rPr>
+              <a:t>Up until now, your architectures have been basically: noun = class; verb = method. There are much more</a:t>
+            </a:r>
+            <a:r>
+              <a:rPr lang="en-US" sz="1200" kern="1200" baseline="0" dirty="0" smtClean="0">
+                <a:solidFill>
+                  <a:schemeClr val="tx1"/>
+                </a:solidFill>
+                <a:effectLst/>
+                <a:latin typeface="+mn-lt"/>
+                <a:ea typeface="+mn-ea"/>
+                <a:cs typeface="+mn-cs"/>
+              </a:rPr>
+              <a:t> elegant ways to group data and computation. With these more complex architectures, come more complicated ways of maintaining communication between classes (e.g data chains). To be able to build large, efficient, scalable applications, you need to start learning these more advanced techniques</a:t>
+            </a:r>
+          </a:p>
+          <a:p>
+            <a:pPr marL="171450" indent="-171450">
+              <a:buFont typeface="Arial" charset="0"/>
+              <a:buChar char="•"/>
+            </a:pPr>
+            <a:endParaRPr lang="en-US" sz="1200" kern="1200" baseline="0" dirty="0" smtClean="0">
+              <a:solidFill>
+                <a:schemeClr val="tx1"/>
+              </a:solidFill>
+              <a:effectLst/>
+              <a:latin typeface="+mn-lt"/>
+              <a:ea typeface="+mn-ea"/>
+              <a:cs typeface="+mn-cs"/>
+            </a:endParaRPr>
+          </a:p>
+          <a:p>
+            <a:pPr marL="171450" marR="0" indent="-171450" algn="l" defTabSz="914400" rtl="0" eaLnBrk="1" fontAlgn="auto" latinLnBrk="0" hangingPunct="1">
+              <a:lnSpc>
+                <a:spcPct val="100000"/>
+              </a:lnSpc>
+              <a:spcBef>
+                <a:spcPts val="0"/>
+              </a:spcBef>
+              <a:spcAft>
+                <a:spcPts val="0"/>
+              </a:spcAft>
+              <a:buClrTx/>
+              <a:buSzTx/>
+              <a:buFont typeface="Arial" charset="0"/>
+              <a:buChar char="•"/>
+              <a:tabLst/>
+              <a:defRPr/>
+            </a:pPr>
+            <a:r>
+              <a:rPr lang="en-US" sz="1200" kern="1200" dirty="0" smtClean="0">
+                <a:solidFill>
+                  <a:schemeClr val="tx1"/>
+                </a:solidFill>
+                <a:effectLst/>
+                <a:latin typeface="+mn-lt"/>
+                <a:ea typeface="+mn-ea"/>
+                <a:cs typeface="+mn-cs"/>
+              </a:rPr>
+              <a:t>In</a:t>
+            </a:r>
+            <a:r>
+              <a:rPr lang="en-US" sz="1200" kern="1200" baseline="0" dirty="0" smtClean="0">
+                <a:solidFill>
+                  <a:schemeClr val="tx1"/>
+                </a:solidFill>
+                <a:effectLst/>
+                <a:latin typeface="+mn-lt"/>
+                <a:ea typeface="+mn-ea"/>
+                <a:cs typeface="+mn-cs"/>
+              </a:rPr>
+              <a:t> the last three papers, you have mostly used arrays and array lists as your ADTs. To be an average programmer, you need to be able to use these ADTs correctly. To be an excellent programmer, you need to be able to implement them yourself </a:t>
+            </a:r>
+            <a:r>
+              <a:rPr lang="mr-IN" sz="1200" kern="1200" baseline="0" dirty="0" smtClean="0">
+                <a:solidFill>
+                  <a:schemeClr val="tx1"/>
+                </a:solidFill>
+                <a:effectLst/>
+                <a:latin typeface="+mn-lt"/>
+                <a:ea typeface="+mn-ea"/>
+                <a:cs typeface="+mn-cs"/>
+              </a:rPr>
+              <a:t>–</a:t>
+            </a:r>
+            <a:r>
+              <a:rPr lang="en-US" sz="1200" kern="1200" baseline="0" dirty="0" smtClean="0">
+                <a:solidFill>
+                  <a:schemeClr val="tx1"/>
+                </a:solidFill>
+                <a:effectLst/>
+                <a:latin typeface="+mn-lt"/>
+                <a:ea typeface="+mn-ea"/>
+                <a:cs typeface="+mn-cs"/>
+              </a:rPr>
+              <a:t> customise or extend them to a specific problem you want to solve</a:t>
+            </a:r>
+          </a:p>
+          <a:p>
+            <a:pPr marL="171450" marR="0" indent="-171450" algn="l" defTabSz="914400" rtl="0" eaLnBrk="1" fontAlgn="auto" latinLnBrk="0" hangingPunct="1">
+              <a:lnSpc>
+                <a:spcPct val="100000"/>
+              </a:lnSpc>
+              <a:spcBef>
+                <a:spcPts val="0"/>
+              </a:spcBef>
+              <a:spcAft>
+                <a:spcPts val="0"/>
+              </a:spcAft>
+              <a:buClrTx/>
+              <a:buSzTx/>
+              <a:buFont typeface="Arial" charset="0"/>
+              <a:buChar char="•"/>
+              <a:tabLst/>
+              <a:defRPr/>
+            </a:pPr>
+            <a:endParaRPr lang="en-US" sz="1200" kern="1200" baseline="0" dirty="0" smtClean="0">
+              <a:solidFill>
+                <a:schemeClr val="tx1"/>
+              </a:solidFill>
+              <a:effectLst/>
+              <a:latin typeface="+mn-lt"/>
+              <a:ea typeface="+mn-ea"/>
+              <a:cs typeface="+mn-cs"/>
+            </a:endParaRPr>
+          </a:p>
+          <a:p>
+            <a:pPr marL="171450" marR="0" indent="-171450" algn="l" defTabSz="914400" rtl="0" eaLnBrk="1" fontAlgn="auto" latinLnBrk="0" hangingPunct="1">
+              <a:lnSpc>
+                <a:spcPct val="100000"/>
+              </a:lnSpc>
+              <a:spcBef>
+                <a:spcPts val="0"/>
+              </a:spcBef>
+              <a:spcAft>
+                <a:spcPts val="0"/>
+              </a:spcAft>
+              <a:buClrTx/>
+              <a:buSzTx/>
+              <a:buFont typeface="Arial" charset="0"/>
+              <a:buChar char="•"/>
+              <a:tabLst/>
+              <a:defRPr/>
+            </a:pPr>
+            <a:r>
+              <a:rPr lang="en-US" sz="1200" kern="1200" baseline="0" dirty="0" smtClean="0">
+                <a:solidFill>
+                  <a:schemeClr val="tx1"/>
+                </a:solidFill>
+                <a:effectLst/>
+                <a:latin typeface="+mn-lt"/>
+                <a:ea typeface="+mn-ea"/>
+                <a:cs typeface="+mn-cs"/>
+              </a:rPr>
+              <a:t>When we start programming, the logic we write is often a direct translation of our own solution to a problem, into a programming language. </a:t>
+            </a:r>
+            <a:r>
+              <a:rPr lang="en-US" sz="1200" kern="1200" dirty="0" smtClean="0">
+                <a:solidFill>
+                  <a:schemeClr val="tx1"/>
+                </a:solidFill>
+                <a:effectLst/>
+                <a:latin typeface="+mn-lt"/>
+                <a:ea typeface="+mn-ea"/>
+                <a:cs typeface="+mn-cs"/>
+              </a:rPr>
+              <a:t>This is easiest when you are coming to grips with syntax</a:t>
+            </a:r>
+            <a:r>
+              <a:rPr lang="en-US" sz="1200" kern="1200" baseline="0" dirty="0" smtClean="0">
+                <a:solidFill>
+                  <a:schemeClr val="tx1"/>
+                </a:solidFill>
+                <a:effectLst/>
+                <a:latin typeface="+mn-lt"/>
+                <a:ea typeface="+mn-ea"/>
+                <a:cs typeface="+mn-cs"/>
+              </a:rPr>
+              <a:t> but results in writing “human-style” algorithms usually producing suboptimal computational efficiency. We want to start thinking about how we can express a problem solution in operations the computer is good at, not operations that a human is good at. Approach every practical with this mindset</a:t>
+            </a:r>
+          </a:p>
+          <a:p>
+            <a:pPr marL="171450" marR="0" indent="-171450" algn="l" defTabSz="914400" rtl="0" eaLnBrk="1" fontAlgn="auto" latinLnBrk="0" hangingPunct="1">
+              <a:lnSpc>
+                <a:spcPct val="100000"/>
+              </a:lnSpc>
+              <a:spcBef>
+                <a:spcPts val="0"/>
+              </a:spcBef>
+              <a:spcAft>
+                <a:spcPts val="0"/>
+              </a:spcAft>
+              <a:buClrTx/>
+              <a:buSzTx/>
+              <a:buFont typeface="Arial" charset="0"/>
+              <a:buChar char="•"/>
+              <a:tabLst/>
+              <a:defRPr/>
+            </a:pPr>
+            <a:endParaRPr lang="en-US" sz="1200" kern="1200" baseline="0" dirty="0" smtClean="0">
+              <a:solidFill>
+                <a:schemeClr val="tx1"/>
+              </a:solidFill>
+              <a:effectLst/>
+              <a:latin typeface="+mn-lt"/>
+              <a:ea typeface="+mn-ea"/>
+              <a:cs typeface="+mn-cs"/>
+            </a:endParaRPr>
+          </a:p>
+          <a:p>
+            <a:pPr marL="171450" marR="0" indent="-171450" algn="l" defTabSz="914400" rtl="0" eaLnBrk="1" fontAlgn="auto" latinLnBrk="0" hangingPunct="1">
+              <a:lnSpc>
+                <a:spcPct val="100000"/>
+              </a:lnSpc>
+              <a:spcBef>
+                <a:spcPts val="0"/>
+              </a:spcBef>
+              <a:spcAft>
+                <a:spcPts val="0"/>
+              </a:spcAft>
+              <a:buClrTx/>
+              <a:buSzTx/>
+              <a:buFont typeface="Arial" charset="0"/>
+              <a:buChar char="•"/>
+              <a:tabLst/>
+              <a:defRPr/>
+            </a:pPr>
+            <a:r>
+              <a:rPr lang="en-US" sz="1200" kern="1200" baseline="0" dirty="0" smtClean="0">
+                <a:solidFill>
+                  <a:schemeClr val="tx1"/>
+                </a:solidFill>
+                <a:effectLst/>
+                <a:latin typeface="+mn-lt"/>
+                <a:ea typeface="+mn-ea"/>
+                <a:cs typeface="+mn-cs"/>
+              </a:rPr>
+              <a:t>We will be covering a wide range of programming languages (Visual C++, Python, Prolog, Ruby and Rust) and programming paradigms (imperative, declarative, functional and logical). </a:t>
+            </a:r>
+            <a:r>
+              <a:rPr lang="en-US" sz="1200" kern="1200" dirty="0" smtClean="0">
+                <a:solidFill>
+                  <a:schemeClr val="tx1"/>
+                </a:solidFill>
+                <a:effectLst/>
+                <a:latin typeface="+mn-lt"/>
+                <a:ea typeface="+mn-ea"/>
+                <a:cs typeface="+mn-cs"/>
+              </a:rPr>
+              <a:t>For example, although you may not have talked about it, when you are using SQL, you use a completely different paradigm, called “declarative”. In imperative programming, you tell the machine what to do, step by step. In declarative, you just say what you want, and the underlying system works out how to do it. </a:t>
+            </a:r>
+            <a:r>
+              <a:rPr lang="en-US" sz="1200" kern="1200" baseline="0" dirty="0" smtClean="0">
+                <a:solidFill>
+                  <a:schemeClr val="tx1"/>
+                </a:solidFill>
+                <a:effectLst/>
+                <a:latin typeface="+mn-lt"/>
+                <a:ea typeface="+mn-ea"/>
+                <a:cs typeface="+mn-cs"/>
+              </a:rPr>
+              <a:t>Lots of people are developing in these languages. According to the StackOverflow </a:t>
+            </a:r>
+            <a:r>
+              <a:rPr lang="en-US" sz="1200" b="0" i="0" kern="1200" dirty="0" smtClean="0">
+                <a:solidFill>
+                  <a:schemeClr val="tx1"/>
+                </a:solidFill>
+                <a:effectLst/>
+                <a:latin typeface="+mn-lt"/>
+                <a:ea typeface="+mn-ea"/>
+                <a:cs typeface="+mn-cs"/>
+              </a:rPr>
+              <a:t>Developer Survey</a:t>
+            </a:r>
+            <a:r>
+              <a:rPr lang="en-US" sz="1200" b="0" i="0" kern="1200" baseline="0" dirty="0" smtClean="0">
+                <a:solidFill>
+                  <a:schemeClr val="tx1"/>
+                </a:solidFill>
+                <a:effectLst/>
+                <a:latin typeface="+mn-lt"/>
+                <a:ea typeface="+mn-ea"/>
+                <a:cs typeface="+mn-cs"/>
+              </a:rPr>
+              <a:t> 2019, C++, Python , Ruby and Rust rank amongst the most popular and most wanted languages. This first half of the semester, we will be learning C++ through game development. This will allow us to explore all the complex architectures, data structures and algorithms we need in order to complete the first assessment. However, the primary goal is to strengthen your programming technique (readability, maintainability, etc), so I will asking you to strive for professional standards</a:t>
+            </a:r>
+          </a:p>
+          <a:p>
+            <a:pPr marL="171450" marR="0" indent="-171450" algn="l" defTabSz="914400" rtl="0" eaLnBrk="1" fontAlgn="auto" latinLnBrk="0" hangingPunct="1">
+              <a:lnSpc>
+                <a:spcPct val="100000"/>
+              </a:lnSpc>
+              <a:spcBef>
+                <a:spcPts val="0"/>
+              </a:spcBef>
+              <a:spcAft>
+                <a:spcPts val="0"/>
+              </a:spcAft>
+              <a:buClrTx/>
+              <a:buSzTx/>
+              <a:buFont typeface="Arial" charset="0"/>
+              <a:buChar char="•"/>
+              <a:tabLst/>
+              <a:defRPr/>
+            </a:pPr>
+            <a:endParaRPr lang="en-US" sz="1200" b="0" i="0" kern="1200" baseline="0" dirty="0" smtClean="0">
+              <a:solidFill>
+                <a:schemeClr val="tx1"/>
+              </a:solidFill>
+              <a:effectLst/>
+              <a:latin typeface="+mn-lt"/>
+              <a:ea typeface="+mn-ea"/>
+              <a:cs typeface="+mn-cs"/>
+            </a:endParaRPr>
+          </a:p>
+          <a:p>
+            <a:pPr marL="171450" indent="-171450">
+              <a:buFont typeface="Arial" charset="0"/>
+              <a:buChar char="•"/>
+            </a:pPr>
+            <a:r>
+              <a:rPr lang="en-US" sz="1200" b="0" i="0" kern="1200" baseline="0" dirty="0" smtClean="0">
+                <a:solidFill>
+                  <a:schemeClr val="tx1"/>
+                </a:solidFill>
+                <a:effectLst/>
+                <a:latin typeface="+mn-lt"/>
+                <a:ea typeface="+mn-ea"/>
+                <a:cs typeface="+mn-cs"/>
+              </a:rPr>
+              <a:t>We will be using Visual Studio for our C++ work. Visual Studio has a really good graphics class and its important for what we are doing. </a:t>
+            </a:r>
+            <a:r>
+              <a:rPr lang="en-US" sz="1200" kern="1200" dirty="0" smtClean="0">
+                <a:solidFill>
+                  <a:schemeClr val="tx1"/>
+                </a:solidFill>
+                <a:effectLst/>
+                <a:latin typeface="+mn-lt"/>
+                <a:ea typeface="+mn-ea"/>
+                <a:cs typeface="+mn-cs"/>
+              </a:rPr>
+              <a:t>When writing C++ programs with VS, you use a specific dialect of C++: Visual C++ or C++/CLI. This is simply Microsoft’s </a:t>
+            </a:r>
+            <a:r>
+              <a:rPr lang="en-US" sz="1200" kern="1200" dirty="0" err="1" smtClean="0">
+                <a:solidFill>
+                  <a:schemeClr val="tx1"/>
+                </a:solidFill>
+                <a:effectLst/>
+                <a:latin typeface="+mn-lt"/>
+                <a:ea typeface="+mn-ea"/>
+                <a:cs typeface="+mn-cs"/>
+              </a:rPr>
+              <a:t>flavour</a:t>
+            </a:r>
+            <a:r>
+              <a:rPr lang="en-US" sz="1200" kern="1200" dirty="0" smtClean="0">
+                <a:solidFill>
+                  <a:schemeClr val="tx1"/>
+                </a:solidFill>
+                <a:effectLst/>
+                <a:latin typeface="+mn-lt"/>
+                <a:ea typeface="+mn-ea"/>
+                <a:cs typeface="+mn-cs"/>
+              </a:rPr>
+              <a:t> of C++. There are a few minor technical differences between C++/CLI and standard C++, and we will discuss later on</a:t>
+            </a:r>
+          </a:p>
+          <a:p>
+            <a:pPr marL="171450" indent="-171450">
+              <a:buFont typeface="Arial" charset="0"/>
+              <a:buChar char="•"/>
+            </a:pPr>
+            <a:endParaRPr lang="en-US" sz="1200" kern="1200" dirty="0" smtClean="0">
+              <a:solidFill>
+                <a:schemeClr val="tx1"/>
+              </a:solidFill>
+              <a:effectLst/>
+              <a:latin typeface="+mn-lt"/>
+              <a:ea typeface="+mn-ea"/>
+              <a:cs typeface="+mn-cs"/>
+            </a:endParaRPr>
+          </a:p>
+          <a:p>
+            <a:pPr marL="171450" indent="-171450">
+              <a:buFont typeface="Arial" charset="0"/>
+              <a:buChar char="•"/>
+            </a:pPr>
+            <a:r>
+              <a:rPr lang="en-US" sz="1200" kern="1200" dirty="0" smtClean="0">
+                <a:solidFill>
+                  <a:schemeClr val="tx1"/>
+                </a:solidFill>
+                <a:effectLst/>
+                <a:latin typeface="+mn-lt"/>
+                <a:ea typeface="+mn-ea"/>
+                <a:cs typeface="+mn-cs"/>
+              </a:rPr>
+              <a:t>If you did well in Programming 2</a:t>
+            </a:r>
+            <a:r>
+              <a:rPr lang="en-US" sz="1200" kern="1200" baseline="0" dirty="0" smtClean="0">
+                <a:solidFill>
+                  <a:schemeClr val="tx1"/>
+                </a:solidFill>
+                <a:effectLst/>
+                <a:latin typeface="+mn-lt"/>
+                <a:ea typeface="+mn-ea"/>
+                <a:cs typeface="+mn-cs"/>
+              </a:rPr>
+              <a:t> and 3, C++ should be straightforward, as both languages are part of the C-Family. The major change is the file structure and learning how to use pointers. This process of changing languages, paradigms and development tools, is one you will go through over and over and over in your career. Be flexible! If you are going to be a dev or </a:t>
+            </a:r>
+            <a:r>
+              <a:rPr lang="en-US" sz="1200" kern="1200" baseline="0" dirty="0" err="1" smtClean="0">
+                <a:solidFill>
+                  <a:schemeClr val="tx1"/>
+                </a:solidFill>
+                <a:effectLst/>
+                <a:latin typeface="+mn-lt"/>
+                <a:ea typeface="+mn-ea"/>
+                <a:cs typeface="+mn-cs"/>
+              </a:rPr>
+              <a:t>devops</a:t>
+            </a:r>
+            <a:r>
+              <a:rPr lang="en-US" sz="1200" kern="1200" baseline="0" dirty="0" smtClean="0">
+                <a:solidFill>
+                  <a:schemeClr val="tx1"/>
+                </a:solidFill>
+                <a:effectLst/>
+                <a:latin typeface="+mn-lt"/>
+                <a:ea typeface="+mn-ea"/>
+                <a:cs typeface="+mn-cs"/>
+              </a:rPr>
+              <a:t>, you will have to accustom yourself to constant change. The only way to do this is to see a commonality in all the different systems and not get too attached to a single language or tool</a:t>
+            </a:r>
+          </a:p>
+          <a:p>
+            <a:pPr marL="171450" indent="-171450">
+              <a:buFont typeface="Arial" charset="0"/>
+              <a:buChar char="•"/>
+            </a:pPr>
+            <a:endParaRPr lang="en-US" sz="1200" kern="1200" baseline="0" dirty="0" smtClean="0">
+              <a:solidFill>
+                <a:schemeClr val="tx1"/>
+              </a:solidFill>
+              <a:effectLst/>
+              <a:latin typeface="+mn-lt"/>
+              <a:ea typeface="+mn-ea"/>
+              <a:cs typeface="+mn-cs"/>
+            </a:endParaRPr>
+          </a:p>
+          <a:p>
+            <a:pPr marL="171450" indent="-171450">
+              <a:buFont typeface="Arial" charset="0"/>
+              <a:buChar char="•"/>
+            </a:pPr>
+            <a:endParaRPr lang="en-US" sz="1200" kern="1200" dirty="0" smtClean="0">
+              <a:solidFill>
+                <a:schemeClr val="tx1"/>
+              </a:solidFill>
+              <a:effectLst/>
+              <a:latin typeface="+mn-lt"/>
+              <a:ea typeface="+mn-ea"/>
+              <a:cs typeface="+mn-cs"/>
+            </a:endParaRPr>
+          </a:p>
+          <a:p>
+            <a:pPr marL="171450" marR="0" indent="-171450" algn="l" defTabSz="914400" rtl="0" eaLnBrk="1" fontAlgn="auto" latinLnBrk="0" hangingPunct="1">
+              <a:lnSpc>
+                <a:spcPct val="100000"/>
+              </a:lnSpc>
+              <a:spcBef>
+                <a:spcPts val="0"/>
+              </a:spcBef>
+              <a:spcAft>
+                <a:spcPts val="0"/>
+              </a:spcAft>
+              <a:buClrTx/>
+              <a:buSzTx/>
+              <a:buFont typeface="Arial" charset="0"/>
+              <a:buChar char="•"/>
+              <a:tabLst/>
+              <a:defRPr/>
+            </a:pPr>
+            <a:endParaRPr lang="en-US" sz="1200" kern="1200" dirty="0" smtClean="0">
+              <a:solidFill>
+                <a:schemeClr val="tx1"/>
+              </a:solidFill>
+              <a:effectLst/>
+              <a:latin typeface="+mn-lt"/>
+              <a:ea typeface="+mn-ea"/>
+              <a:cs typeface="+mn-cs"/>
+            </a:endParaRPr>
+          </a:p>
+          <a:p>
+            <a:pPr marL="171450" indent="-171450">
+              <a:buFont typeface="Arial" charset="0"/>
+              <a:buChar char="•"/>
+            </a:pPr>
+            <a:endParaRPr lang="en-US" sz="1200" kern="1200" dirty="0" smtClean="0">
+              <a:solidFill>
+                <a:schemeClr val="tx1"/>
+              </a:solidFill>
+              <a:effectLst/>
+              <a:latin typeface="+mn-lt"/>
+              <a:ea typeface="+mn-ea"/>
+              <a:cs typeface="+mn-cs"/>
+            </a:endParaRPr>
           </a:p>
         </p:txBody>
       </p:sp>
@@ -3168,7 +4565,7 @@
           <a:p>
             <a:fld id="{E171C0DB-B590-426F-A834-B29C700D0DCC}" type="slidenum">
               <a:rPr lang="en-NZ" smtClean="0"/>
-              <a:t>7</a:t>
+              <a:t>6</a:t>
             </a:fld>
             <a:endParaRPr lang="en-NZ"/>
           </a:p>
@@ -3177,7 +4574,7 @@
     </p:spTree>
     <p:extLst>
       <p:ext uri="{BB962C8B-B14F-4D97-AF65-F5344CB8AC3E}">
-        <p14:creationId xmlns:p14="http://schemas.microsoft.com/office/powerpoint/2010/main" val="356575970"/>
+        <p14:creationId xmlns:p14="http://schemas.microsoft.com/office/powerpoint/2010/main" val="943173272"/>
       </p:ext>
     </p:extLst>
   </p:cSld>
@@ -3231,7 +4628,243 @@
           <a:bodyPr/>
           <a:lstStyle/>
           <a:p>
-            <a:endParaRPr lang="en-NZ" dirty="0"/>
+            <a:pPr marL="171450" indent="-171450">
+              <a:buFont typeface="Arial" charset="0"/>
+              <a:buChar char="•"/>
+            </a:pPr>
+            <a:r>
+              <a:rPr lang="en-NZ" dirty="0" smtClean="0"/>
+              <a:t>C++ is a general purpose OO</a:t>
+            </a:r>
+            <a:r>
+              <a:rPr lang="en-NZ" baseline="0" dirty="0" smtClean="0"/>
+              <a:t> programming language developed by Bjarne </a:t>
+            </a:r>
+            <a:r>
+              <a:rPr lang="en-NZ" baseline="0" dirty="0" err="1" smtClean="0"/>
+              <a:t>Stroustrup</a:t>
+            </a:r>
+            <a:r>
+              <a:rPr lang="en-NZ" baseline="0" dirty="0" smtClean="0"/>
+              <a:t> in 1979. C++ was originally called “C with classes”. Renamed C++ in 1983 but retains a strong link to C, and will compile most C programs. Compared to C, C++ added OO features such as classes</a:t>
+            </a:r>
+            <a:endParaRPr lang="en-NZ" dirty="0" smtClean="0"/>
+          </a:p>
+          <a:p>
+            <a:pPr marL="171450" indent="-171450">
+              <a:buFont typeface="Arial" charset="0"/>
+              <a:buChar char="•"/>
+            </a:pPr>
+            <a:endParaRPr lang="en-NZ" dirty="0" smtClean="0"/>
+          </a:p>
+          <a:p>
+            <a:pPr marL="171450" indent="-171450">
+              <a:buFont typeface="Arial" charset="0"/>
+              <a:buChar char="•"/>
+            </a:pPr>
+            <a:r>
+              <a:rPr lang="en-NZ" dirty="0" smtClean="0"/>
+              <a:t>In modern software development, you have two distinct types of memory management: managed and unmanaged</a:t>
+            </a:r>
+          </a:p>
+          <a:p>
+            <a:pPr marL="171450" indent="-171450">
+              <a:buFont typeface="Arial" charset="0"/>
+              <a:buChar char="•"/>
+            </a:pPr>
+            <a:endParaRPr lang="en-NZ" dirty="0" smtClean="0"/>
+          </a:p>
+          <a:p>
+            <a:pPr marL="171450" indent="-171450">
+              <a:buFont typeface="Arial" charset="0"/>
+              <a:buChar char="•"/>
+            </a:pPr>
+            <a:r>
+              <a:rPr lang="en-NZ" dirty="0" smtClean="0"/>
+              <a:t>Managed languages are compiled to an intermediate format that requires auxiliary software to execute</a:t>
+            </a:r>
+            <a:r>
+              <a:rPr lang="en-NZ" baseline="0" dirty="0" smtClean="0"/>
+              <a:t> for example, Java is a managed language because it require the Java Runtime Environment and C# is a managed language because it requires the .NET Framework</a:t>
+            </a:r>
+          </a:p>
+          <a:p>
+            <a:pPr marL="171450" indent="-171450">
+              <a:buFont typeface="Arial" charset="0"/>
+              <a:buChar char="•"/>
+            </a:pPr>
+            <a:endParaRPr lang="en-NZ" baseline="0" dirty="0" smtClean="0"/>
+          </a:p>
+          <a:p>
+            <a:pPr marL="171450" indent="-171450">
+              <a:buFont typeface="Arial" charset="0"/>
+              <a:buChar char="•"/>
+            </a:pPr>
+            <a:r>
+              <a:rPr lang="en-NZ" baseline="0" dirty="0" smtClean="0"/>
+              <a:t>Unmanaged languages are compiled directly to machine executable binary. So every detail of their execution is determined at compile time </a:t>
+            </a:r>
+            <a:r>
+              <a:rPr lang="mr-IN" baseline="0" dirty="0" smtClean="0"/>
+              <a:t>–</a:t>
+            </a:r>
+            <a:r>
+              <a:rPr lang="en-NZ" baseline="0" dirty="0" smtClean="0"/>
+              <a:t> Native C++ is unmanaged</a:t>
+            </a:r>
+          </a:p>
+          <a:p>
+            <a:pPr marL="171450" indent="-171450">
+              <a:buFont typeface="Arial" charset="0"/>
+              <a:buChar char="•"/>
+            </a:pPr>
+            <a:endParaRPr lang="en-NZ" baseline="0" dirty="0" smtClean="0"/>
+          </a:p>
+          <a:p>
+            <a:pPr marL="171450" indent="-171450">
+              <a:buFont typeface="Arial" charset="0"/>
+              <a:buChar char="•"/>
+            </a:pPr>
+            <a:r>
+              <a:rPr lang="en-NZ" baseline="0" dirty="0" smtClean="0"/>
+              <a:t>In this course, we will be using C++/CLI which stands for C++ running on the Common Language Infrastructure. When you are working with Visual C++, your code isn’t compiled to machine code, but to a slightly less digested format that is executed with the support of the CLI </a:t>
+            </a:r>
+            <a:r>
+              <a:rPr lang="mr-IN" baseline="0" dirty="0" smtClean="0"/>
+              <a:t>–</a:t>
+            </a:r>
+            <a:r>
+              <a:rPr lang="en-NZ" baseline="0" dirty="0" smtClean="0"/>
+              <a:t> i.e. the .NET Framework</a:t>
+            </a:r>
+          </a:p>
+          <a:p>
+            <a:pPr marL="171450" indent="-171450">
+              <a:buFont typeface="Arial" charset="0"/>
+              <a:buChar char="•"/>
+            </a:pPr>
+            <a:endParaRPr lang="en-NZ" baseline="0" dirty="0" smtClean="0"/>
+          </a:p>
+          <a:p>
+            <a:pPr marL="171450" indent="-171450">
+              <a:buFont typeface="Arial" charset="0"/>
+              <a:buChar char="•"/>
+            </a:pPr>
+            <a:r>
+              <a:rPr lang="en-NZ" baseline="0" dirty="0" smtClean="0"/>
+              <a:t>The most important thing about managed languages is that they have automatic garbage collection</a:t>
+            </a:r>
+          </a:p>
+          <a:p>
+            <a:pPr marL="171450" indent="-171450">
+              <a:buFont typeface="Arial" charset="0"/>
+              <a:buChar char="•"/>
+            </a:pPr>
+            <a:endParaRPr lang="en-NZ" baseline="0" dirty="0" smtClean="0"/>
+          </a:p>
+          <a:p>
+            <a:pPr marL="171450" indent="-171450">
+              <a:buFont typeface="Arial" charset="0"/>
+              <a:buChar char="•"/>
+            </a:pPr>
+            <a:r>
+              <a:rPr lang="en-NZ" baseline="0" dirty="0" smtClean="0"/>
+              <a:t>In C# and Java you use the “new” keyword to create an instance of a class</a:t>
+            </a:r>
+          </a:p>
+          <a:p>
+            <a:pPr marL="171450" indent="-171450">
+              <a:buFont typeface="Arial" charset="0"/>
+              <a:buChar char="•"/>
+            </a:pPr>
+            <a:endParaRPr lang="en-NZ" baseline="0" dirty="0" smtClean="0"/>
+          </a:p>
+          <a:p>
+            <a:pPr marL="171450" indent="-171450">
+              <a:buFont typeface="Arial" charset="0"/>
+              <a:buChar char="•"/>
+            </a:pPr>
+            <a:r>
+              <a:rPr lang="en-NZ" baseline="0" dirty="0" smtClean="0"/>
+              <a:t>When you do this, memory is reserved on the heap (area of memory for dynamic memory allocation/deallocation) to hold your instance</a:t>
+            </a:r>
+          </a:p>
+          <a:p>
+            <a:pPr marL="171450" indent="-171450">
+              <a:buFont typeface="Arial" charset="0"/>
+              <a:buChar char="•"/>
+            </a:pPr>
+            <a:endParaRPr lang="en-NZ" baseline="0" dirty="0" smtClean="0"/>
+          </a:p>
+          <a:p>
+            <a:pPr marL="171450" indent="-171450">
+              <a:buFont typeface="Arial" charset="0"/>
+              <a:buChar char="•"/>
+            </a:pPr>
+            <a:r>
+              <a:rPr lang="en-NZ" baseline="0" dirty="0" smtClean="0"/>
+              <a:t>In an unmanaged language, it is your job as a programmer to release the memory. You have to write code to check when an object is no longer needed, and deallocation its space on the heap. If you get this wrong, you will use up all all your memory and your program will crash. This is called a memory leak</a:t>
+            </a:r>
+          </a:p>
+          <a:p>
+            <a:pPr marL="171450" indent="-171450">
+              <a:buFont typeface="Arial" charset="0"/>
+              <a:buChar char="•"/>
+            </a:pPr>
+            <a:endParaRPr lang="en-NZ" baseline="0" dirty="0" smtClean="0"/>
+          </a:p>
+          <a:p>
+            <a:pPr marL="171450" indent="-171450">
+              <a:buFont typeface="Arial" charset="0"/>
+              <a:buChar char="•"/>
+            </a:pPr>
+            <a:r>
+              <a:rPr lang="en-NZ" baseline="0" dirty="0" smtClean="0"/>
+              <a:t>In saying that, automatic garbage collection doesn’t eliminate all memory leaks </a:t>
+            </a:r>
+            <a:r>
+              <a:rPr lang="mr-IN" baseline="0" dirty="0" smtClean="0"/>
+              <a:t>–</a:t>
+            </a:r>
+            <a:r>
+              <a:rPr lang="en-NZ" baseline="0" dirty="0" smtClean="0"/>
+              <a:t> we will still get some this semester</a:t>
+            </a:r>
+          </a:p>
+          <a:p>
+            <a:pPr marL="171450" indent="-171450">
+              <a:buFont typeface="Arial" charset="0"/>
+              <a:buChar char="•"/>
+            </a:pPr>
+            <a:endParaRPr lang="en-NZ" baseline="0" dirty="0" smtClean="0"/>
+          </a:p>
+          <a:p>
+            <a:pPr marL="171450" indent="-171450">
+              <a:buFont typeface="Arial" charset="0"/>
+              <a:buChar char="•"/>
+            </a:pPr>
+            <a:r>
+              <a:rPr lang="en-NZ" baseline="0" dirty="0" smtClean="0"/>
+              <a:t>If you get your head around pointers and how C++ CLI generally works, the transition from C++/CLI to native C++ or even C is very easy. It basically requires you to learn the native libraries and remembering to free up your heap</a:t>
+            </a:r>
+          </a:p>
+          <a:p>
+            <a:pPr marL="171450" indent="-171450">
+              <a:buFont typeface="Arial" charset="0"/>
+              <a:buChar char="•"/>
+            </a:pPr>
+            <a:endParaRPr lang="en-NZ" baseline="0" dirty="0" smtClean="0"/>
+          </a:p>
+          <a:p>
+            <a:pPr marL="171450" indent="-171450">
+              <a:buFont typeface="Arial" charset="0"/>
+              <a:buChar char="•"/>
+            </a:pPr>
+            <a:r>
+              <a:rPr lang="en-NZ" baseline="0" dirty="0" smtClean="0"/>
+              <a:t>Working in Visual Studio also gives us access to the .NET libraries which simplifies GUI and graphics, both of which are very important to games</a:t>
+            </a:r>
+            <a:endParaRPr lang="en-NZ" dirty="0" smtClean="0"/>
           </a:p>
         </p:txBody>
       </p:sp>
@@ -3252,7 +4885,7 @@
           <a:p>
             <a:fld id="{E171C0DB-B590-426F-A834-B29C700D0DCC}" type="slidenum">
               <a:rPr lang="en-NZ" smtClean="0"/>
-              <a:t>8</a:t>
+              <a:t>7</a:t>
             </a:fld>
             <a:endParaRPr lang="en-NZ"/>
           </a:p>
@@ -3261,7 +4894,7 @@
     </p:spTree>
     <p:extLst>
       <p:ext uri="{BB962C8B-B14F-4D97-AF65-F5344CB8AC3E}">
-        <p14:creationId xmlns:p14="http://schemas.microsoft.com/office/powerpoint/2010/main" val="674730856"/>
+        <p14:creationId xmlns:p14="http://schemas.microsoft.com/office/powerpoint/2010/main" val="356575970"/>
       </p:ext>
     </p:extLst>
   </p:cSld>
@@ -3315,7 +4948,33 @@
           <a:bodyPr/>
           <a:lstStyle/>
           <a:p>
-            <a:endParaRPr lang="en-NZ" dirty="0"/>
+            <a:pPr marL="171450" indent="-171450">
+              <a:buFont typeface="Arial" charset="0"/>
+              <a:buChar char="•"/>
+            </a:pPr>
+            <a:r>
+              <a:rPr lang="en-NZ" sz="1200" baseline="0" dirty="0" smtClean="0">
+                <a:latin typeface="+mn-lt"/>
+              </a:rPr>
+              <a:t>C++ allows you to access memory (and objects in memory) in a much more direct way than other languages</a:t>
+            </a:r>
+          </a:p>
+          <a:p>
+            <a:endParaRPr lang="en-NZ" sz="1200" baseline="0" dirty="0" smtClean="0">
+              <a:latin typeface="+mn-lt"/>
+            </a:endParaRPr>
+          </a:p>
+          <a:p>
+            <a:pPr marL="171450" indent="-171450">
+              <a:buFont typeface="Arial" charset="0"/>
+              <a:buChar char="•"/>
+            </a:pPr>
+            <a:r>
+              <a:rPr lang="en-NZ" sz="1200" baseline="0" dirty="0" smtClean="0">
+                <a:latin typeface="+mn-lt"/>
+              </a:rPr>
+              <a:t>This makes it much more powerful and much more dangerous than other languages</a:t>
+            </a:r>
           </a:p>
         </p:txBody>
       </p:sp>
@@ -3336,7 +4995,7 @@
           <a:p>
             <a:fld id="{E171C0DB-B590-426F-A834-B29C700D0DCC}" type="slidenum">
               <a:rPr lang="en-NZ" smtClean="0"/>
-              <a:t>9</a:t>
+              <a:t>8</a:t>
             </a:fld>
             <a:endParaRPr lang="en-NZ"/>
           </a:p>
@@ -3345,7 +5004,7 @@
     </p:spTree>
     <p:extLst>
       <p:ext uri="{BB962C8B-B14F-4D97-AF65-F5344CB8AC3E}">
-        <p14:creationId xmlns:p14="http://schemas.microsoft.com/office/powerpoint/2010/main" val="2151466205"/>
+        <p14:creationId xmlns:p14="http://schemas.microsoft.com/office/powerpoint/2010/main" val="674730856"/>
       </p:ext>
     </p:extLst>
   </p:cSld>
@@ -3399,6 +5058,85 @@
           <a:bodyPr/>
           <a:lstStyle/>
           <a:p>
+            <a:pPr marL="171450" indent="-171450">
+              <a:buFont typeface="Arial" charset="0"/>
+              <a:buChar char="•"/>
+            </a:pPr>
+            <a:r>
+              <a:rPr lang="en-NZ" sz="1200" baseline="0" dirty="0" smtClean="0">
+                <a:latin typeface="+mn-lt"/>
+              </a:rPr>
+              <a:t>All C-family languages are case-sensitive</a:t>
+            </a:r>
+          </a:p>
+          <a:p>
+            <a:pPr marL="171450" indent="-171450">
+              <a:buFont typeface="Arial" charset="0"/>
+              <a:buChar char="•"/>
+            </a:pPr>
+            <a:endParaRPr lang="en-NZ" sz="1200" baseline="0" dirty="0" smtClean="0">
+              <a:latin typeface="+mn-lt"/>
+            </a:endParaRPr>
+          </a:p>
+          <a:p>
+            <a:pPr marL="171450" indent="-171450">
+              <a:buFont typeface="Arial" charset="0"/>
+              <a:buChar char="•"/>
+            </a:pPr>
+            <a:r>
+              <a:rPr lang="en-NZ" sz="1200" baseline="0" dirty="0" smtClean="0">
+                <a:latin typeface="+mn-lt"/>
+              </a:rPr>
+              <a:t>Be careful about case sensitivity, as the error messages will not help you</a:t>
+            </a:r>
+          </a:p>
+          <a:p>
+            <a:pPr marL="171450" indent="-171450">
+              <a:buFont typeface="Arial" charset="0"/>
+              <a:buChar char="•"/>
+            </a:pPr>
+            <a:endParaRPr lang="en-NZ" sz="1200" baseline="0" dirty="0" smtClean="0">
+              <a:latin typeface="+mn-lt"/>
+            </a:endParaRPr>
+          </a:p>
+          <a:p>
+            <a:pPr marL="171450" indent="-171450">
+              <a:buFont typeface="Arial" charset="0"/>
+              <a:buChar char="•"/>
+            </a:pPr>
+            <a:r>
+              <a:rPr lang="en-NZ" sz="1200" baseline="0" dirty="0" smtClean="0">
+                <a:latin typeface="+mn-lt"/>
+              </a:rPr>
+              <a:t>All it will say is “left is not a member of class button”, which is confusing when you know full well that buttons have lefts</a:t>
+            </a:r>
+          </a:p>
+          <a:p>
+            <a:pPr marL="171450" indent="-171450">
+              <a:buFont typeface="Arial" charset="0"/>
+              <a:buChar char="•"/>
+            </a:pPr>
+            <a:endParaRPr lang="en-NZ" sz="1200" baseline="0" dirty="0" smtClean="0">
+              <a:latin typeface="+mn-lt"/>
+            </a:endParaRPr>
+          </a:p>
+          <a:p>
+            <a:pPr marL="171450" indent="-171450">
+              <a:buFont typeface="Arial" charset="0"/>
+              <a:buChar char="•"/>
+            </a:pPr>
+            <a:r>
+              <a:rPr lang="en-NZ" sz="1200" baseline="0" dirty="0" smtClean="0">
+                <a:latin typeface="+mn-lt"/>
+              </a:rPr>
+              <a:t>Note that controls don’t have right and bottom properties so we have to use the assignment operator</a:t>
+            </a:r>
+          </a:p>
+          <a:p>
+            <a:pPr marL="171450" indent="-171450">
+              <a:buFont typeface="Arial" charset="0"/>
+              <a:buChar char="•"/>
+            </a:pPr>
             <a:endParaRPr lang="en-NZ" dirty="0"/>
           </a:p>
         </p:txBody>
@@ -3420,7 +5158,7 @@
           <a:p>
             <a:fld id="{E171C0DB-B590-426F-A834-B29C700D0DCC}" type="slidenum">
               <a:rPr lang="en-NZ" smtClean="0"/>
-              <a:t>10</a:t>
+              <a:t>9</a:t>
             </a:fld>
             <a:endParaRPr lang="en-NZ"/>
           </a:p>
@@ -3429,7 +5167,7 @@
     </p:spTree>
     <p:extLst>
       <p:ext uri="{BB962C8B-B14F-4D97-AF65-F5344CB8AC3E}">
-        <p14:creationId xmlns:p14="http://schemas.microsoft.com/office/powerpoint/2010/main" val="1139103945"/>
+        <p14:creationId xmlns:p14="http://schemas.microsoft.com/office/powerpoint/2010/main" val="2151466205"/>
       </p:ext>
     </p:extLst>
   </p:cSld>
@@ -3620,7 +5358,7 @@
           <a:p>
             <a:fld id="{F8166F1F-CE9B-4651-A6AA-CD717754106B}" type="datetimeFigureOut">
               <a:rPr lang="en-US" smtClean="0"/>
-              <a:t>7/16/19</a:t>
+              <a:t>7/23/19</a:t>
             </a:fld>
             <a:endParaRPr lang="en-US"/>
           </a:p>
@@ -3785,7 +5523,7 @@
           <a:p>
             <a:fld id="{A76116CE-C4A3-4A05-B2D7-7C2E9A889C0F}" type="datetimeFigureOut">
               <a:rPr lang="en-US" smtClean="0"/>
-              <a:t>7/16/19</a:t>
+              <a:t>7/23/19</a:t>
             </a:fld>
             <a:endParaRPr lang="en-US"/>
           </a:p>
@@ -3960,7 +5698,7 @@
           <a:p>
             <a:fld id="{A76116CE-C4A3-4A05-B2D7-7C2E9A889C0F}" type="datetimeFigureOut">
               <a:rPr lang="en-US" smtClean="0"/>
-              <a:t>7/16/19</a:t>
+              <a:t>7/23/19</a:t>
             </a:fld>
             <a:endParaRPr lang="en-US"/>
           </a:p>
@@ -4127,7 +5865,7 @@
           <a:p>
             <a:fld id="{A76116CE-C4A3-4A05-B2D7-7C2E9A889C0F}" type="datetimeFigureOut">
               <a:rPr lang="en-US" smtClean="0"/>
-              <a:t>7/16/19</a:t>
+              <a:t>7/23/19</a:t>
             </a:fld>
             <a:endParaRPr lang="en-US"/>
           </a:p>
@@ -4368,7 +6106,7 @@
           <a:p>
             <a:fld id="{A76116CE-C4A3-4A05-B2D7-7C2E9A889C0F}" type="datetimeFigureOut">
               <a:rPr lang="en-US" smtClean="0"/>
-              <a:t>7/16/19</a:t>
+              <a:t>7/23/19</a:t>
             </a:fld>
             <a:endParaRPr lang="en-US"/>
           </a:p>
@@ -4651,7 +6389,7 @@
           <a:p>
             <a:fld id="{A76116CE-C4A3-4A05-B2D7-7C2E9A889C0F}" type="datetimeFigureOut">
               <a:rPr lang="en-US" smtClean="0"/>
-              <a:t>7/16/19</a:t>
+              <a:t>7/23/19</a:t>
             </a:fld>
             <a:endParaRPr lang="en-US"/>
           </a:p>
@@ -5068,7 +6806,7 @@
           <a:p>
             <a:fld id="{A76116CE-C4A3-4A05-B2D7-7C2E9A889C0F}" type="datetimeFigureOut">
               <a:rPr lang="en-US" smtClean="0"/>
-              <a:t>7/16/19</a:t>
+              <a:t>7/23/19</a:t>
             </a:fld>
             <a:endParaRPr lang="en-US"/>
           </a:p>
@@ -5181,7 +6919,7 @@
           <a:p>
             <a:fld id="{A76116CE-C4A3-4A05-B2D7-7C2E9A889C0F}" type="datetimeFigureOut">
               <a:rPr lang="en-US" smtClean="0"/>
-              <a:t>7/16/19</a:t>
+              <a:t>7/23/19</a:t>
             </a:fld>
             <a:endParaRPr lang="en-US"/>
           </a:p>
@@ -5271,7 +7009,7 @@
           <a:p>
             <a:fld id="{A76116CE-C4A3-4A05-B2D7-7C2E9A889C0F}" type="datetimeFigureOut">
               <a:rPr lang="en-US" smtClean="0"/>
-              <a:t>7/16/19</a:t>
+              <a:t>7/23/19</a:t>
             </a:fld>
             <a:endParaRPr lang="en-US"/>
           </a:p>
@@ -5543,7 +7281,7 @@
           <a:p>
             <a:fld id="{A76116CE-C4A3-4A05-B2D7-7C2E9A889C0F}" type="datetimeFigureOut">
               <a:rPr lang="en-US" smtClean="0"/>
-              <a:t>7/16/19</a:t>
+              <a:t>7/23/19</a:t>
             </a:fld>
             <a:endParaRPr lang="en-US"/>
           </a:p>
@@ -5791,7 +7529,7 @@
           <a:p>
             <a:fld id="{A76116CE-C4A3-4A05-B2D7-7C2E9A889C0F}" type="datetimeFigureOut">
               <a:rPr lang="en-US" smtClean="0"/>
-              <a:t>7/16/19</a:t>
+              <a:t>7/23/19</a:t>
             </a:fld>
             <a:endParaRPr lang="en-US"/>
           </a:p>
@@ -5999,7 +7737,7 @@
           <a:p>
             <a:fld id="{F8166F1F-CE9B-4651-A6AA-CD717754106B}" type="datetimeFigureOut">
               <a:rPr lang="en-US" smtClean="0"/>
-              <a:t>7/16/19</a:t>
+              <a:t>7/23/19</a:t>
             </a:fld>
             <a:endParaRPr lang="en-US"/>
           </a:p>
@@ -6551,14 +8289,14 @@
                 <a:gridCol w="4268047">
                   <a:extLst>
                     <a:ext uri="{9D8B030D-6E8A-4147-A177-3AD203B41FA5}">
-                      <a16:colId xmlns:a16="http://schemas.microsoft.com/office/drawing/2014/main" xmlns="" val="1878650380"/>
+                      <a16:colId xmlns="" xmlns:a16="http://schemas.microsoft.com/office/drawing/2014/main" val="1878650380"/>
                     </a:ext>
                   </a:extLst>
                 </a:gridCol>
                 <a:gridCol w="2952271">
                   <a:extLst>
                     <a:ext uri="{9D8B030D-6E8A-4147-A177-3AD203B41FA5}">
-                      <a16:colId xmlns:a16="http://schemas.microsoft.com/office/drawing/2014/main" xmlns="" val="3514817832"/>
+                      <a16:colId xmlns="" xmlns:a16="http://schemas.microsoft.com/office/drawing/2014/main" val="3514817832"/>
                     </a:ext>
                   </a:extLst>
                 </a:gridCol>
@@ -6618,7 +8356,7 @@
                 </a:tc>
                 <a:extLst>
                   <a:ext uri="{0D108BD9-81ED-4DB2-BD59-A6C34878D82A}">
-                    <a16:rowId xmlns:a16="http://schemas.microsoft.com/office/drawing/2014/main" xmlns="" val="3083959343"/>
+                    <a16:rowId xmlns="" xmlns:a16="http://schemas.microsoft.com/office/drawing/2014/main" val="3083959343"/>
                   </a:ext>
                 </a:extLst>
               </a:tr>
@@ -6677,7 +8415,7 @@
                 </a:tc>
                 <a:extLst>
                   <a:ext uri="{0D108BD9-81ED-4DB2-BD59-A6C34878D82A}">
-                    <a16:rowId xmlns:a16="http://schemas.microsoft.com/office/drawing/2014/main" xmlns="" val="324899849"/>
+                    <a16:rowId xmlns="" xmlns:a16="http://schemas.microsoft.com/office/drawing/2014/main" val="324899849"/>
                   </a:ext>
                 </a:extLst>
               </a:tr>
@@ -6736,7 +8474,7 @@
                 </a:tc>
                 <a:extLst>
                   <a:ext uri="{0D108BD9-81ED-4DB2-BD59-A6C34878D82A}">
-                    <a16:rowId xmlns:a16="http://schemas.microsoft.com/office/drawing/2014/main" xmlns="" val="1715622986"/>
+                    <a16:rowId xmlns="" xmlns:a16="http://schemas.microsoft.com/office/drawing/2014/main" val="1715622986"/>
                   </a:ext>
                 </a:extLst>
               </a:tr>
@@ -6795,7 +8533,7 @@
                 </a:tc>
                 <a:extLst>
                   <a:ext uri="{0D108BD9-81ED-4DB2-BD59-A6C34878D82A}">
-                    <a16:rowId xmlns:a16="http://schemas.microsoft.com/office/drawing/2014/main" xmlns="" val="2107937398"/>
+                    <a16:rowId xmlns="" xmlns:a16="http://schemas.microsoft.com/office/drawing/2014/main" val="2107937398"/>
                   </a:ext>
                 </a:extLst>
               </a:tr>
@@ -6854,7 +8592,7 @@
                 </a:tc>
                 <a:extLst>
                   <a:ext uri="{0D108BD9-81ED-4DB2-BD59-A6C34878D82A}">
-                    <a16:rowId xmlns:a16="http://schemas.microsoft.com/office/drawing/2014/main" xmlns="" val="77502295"/>
+                    <a16:rowId xmlns="" xmlns:a16="http://schemas.microsoft.com/office/drawing/2014/main" val="77502295"/>
                   </a:ext>
                 </a:extLst>
               </a:tr>
@@ -7170,14 +8908,14 @@
                 <a:gridCol w="4268047">
                   <a:extLst>
                     <a:ext uri="{9D8B030D-6E8A-4147-A177-3AD203B41FA5}">
-                      <a16:colId xmlns:a16="http://schemas.microsoft.com/office/drawing/2014/main" xmlns="" val="1878650380"/>
+                      <a16:colId xmlns="" xmlns:a16="http://schemas.microsoft.com/office/drawing/2014/main" val="1878650380"/>
                     </a:ext>
                   </a:extLst>
                 </a:gridCol>
                 <a:gridCol w="2952271">
                   <a:extLst>
                     <a:ext uri="{9D8B030D-6E8A-4147-A177-3AD203B41FA5}">
-                      <a16:colId xmlns:a16="http://schemas.microsoft.com/office/drawing/2014/main" xmlns="" val="3514817832"/>
+                      <a16:colId xmlns="" xmlns:a16="http://schemas.microsoft.com/office/drawing/2014/main" val="3514817832"/>
                     </a:ext>
                   </a:extLst>
                 </a:gridCol>
@@ -7240,7 +8978,7 @@
                 </a:tc>
                 <a:extLst>
                   <a:ext uri="{0D108BD9-81ED-4DB2-BD59-A6C34878D82A}">
-                    <a16:rowId xmlns:a16="http://schemas.microsoft.com/office/drawing/2014/main" xmlns="" val="3083959343"/>
+                    <a16:rowId xmlns="" xmlns:a16="http://schemas.microsoft.com/office/drawing/2014/main" val="3083959343"/>
                   </a:ext>
                 </a:extLst>
               </a:tr>
@@ -7305,7 +9043,7 @@
                 </a:tc>
                 <a:extLst>
                   <a:ext uri="{0D108BD9-81ED-4DB2-BD59-A6C34878D82A}">
-                    <a16:rowId xmlns:a16="http://schemas.microsoft.com/office/drawing/2014/main" xmlns="" val="324899849"/>
+                    <a16:rowId xmlns="" xmlns:a16="http://schemas.microsoft.com/office/drawing/2014/main" val="324899849"/>
                   </a:ext>
                 </a:extLst>
               </a:tr>
@@ -7379,7 +9117,7 @@
                 </a:tc>
                 <a:extLst>
                   <a:ext uri="{0D108BD9-81ED-4DB2-BD59-A6C34878D82A}">
-                    <a16:rowId xmlns:a16="http://schemas.microsoft.com/office/drawing/2014/main" xmlns="" val="1715622986"/>
+                    <a16:rowId xmlns="" xmlns:a16="http://schemas.microsoft.com/office/drawing/2014/main" val="1715622986"/>
                   </a:ext>
                 </a:extLst>
               </a:tr>
@@ -7453,7 +9191,7 @@
                 </a:tc>
                 <a:extLst>
                   <a:ext uri="{0D108BD9-81ED-4DB2-BD59-A6C34878D82A}">
-                    <a16:rowId xmlns:a16="http://schemas.microsoft.com/office/drawing/2014/main" xmlns="" val="77502295"/>
+                    <a16:rowId xmlns="" xmlns:a16="http://schemas.microsoft.com/office/drawing/2014/main" val="77502295"/>
                   </a:ext>
                 </a:extLst>
               </a:tr>
@@ -7822,14 +9560,14 @@
                 <a:gridCol w="4268047">
                   <a:extLst>
                     <a:ext uri="{9D8B030D-6E8A-4147-A177-3AD203B41FA5}">
-                      <a16:colId xmlns:a16="http://schemas.microsoft.com/office/drawing/2014/main" xmlns="" val="1878650380"/>
+                      <a16:colId xmlns="" xmlns:a16="http://schemas.microsoft.com/office/drawing/2014/main" val="1878650380"/>
                     </a:ext>
                   </a:extLst>
                 </a:gridCol>
                 <a:gridCol w="2952271">
                   <a:extLst>
                     <a:ext uri="{9D8B030D-6E8A-4147-A177-3AD203B41FA5}">
-                      <a16:colId xmlns:a16="http://schemas.microsoft.com/office/drawing/2014/main" xmlns="" val="3514817832"/>
+                      <a16:colId xmlns="" xmlns:a16="http://schemas.microsoft.com/office/drawing/2014/main" val="3514817832"/>
                     </a:ext>
                   </a:extLst>
                 </a:gridCol>
@@ -7895,7 +9633,7 @@
                 </a:tc>
                 <a:extLst>
                   <a:ext uri="{0D108BD9-81ED-4DB2-BD59-A6C34878D82A}">
-                    <a16:rowId xmlns:a16="http://schemas.microsoft.com/office/drawing/2014/main" xmlns="" val="3083959343"/>
+                    <a16:rowId xmlns="" xmlns:a16="http://schemas.microsoft.com/office/drawing/2014/main" val="3083959343"/>
                   </a:ext>
                 </a:extLst>
               </a:tr>
@@ -8137,7 +9875,7 @@
                 </a:tc>
                 <a:extLst>
                   <a:ext uri="{0D108BD9-81ED-4DB2-BD59-A6C34878D82A}">
-                    <a16:rowId xmlns:a16="http://schemas.microsoft.com/office/drawing/2014/main" xmlns="" val="324899849"/>
+                    <a16:rowId xmlns="" xmlns:a16="http://schemas.microsoft.com/office/drawing/2014/main" val="324899849"/>
                   </a:ext>
                 </a:extLst>
               </a:tr>
@@ -8199,7 +9937,7 @@
                 </a:tc>
                 <a:extLst>
                   <a:ext uri="{0D108BD9-81ED-4DB2-BD59-A6C34878D82A}">
-                    <a16:rowId xmlns:a16="http://schemas.microsoft.com/office/drawing/2014/main" xmlns="" val="1715622986"/>
+                    <a16:rowId xmlns="" xmlns:a16="http://schemas.microsoft.com/office/drawing/2014/main" val="1715622986"/>
                   </a:ext>
                 </a:extLst>
               </a:tr>
@@ -8283,13 +10021,10 @@
           <a:p>
             <a:pPr lvl="1"/>
             <a:r>
-              <a:rPr lang="en-US" sz="3500" b="1" dirty="0"/>
-              <a:t>Arithmetic </a:t>
-            </a:r>
-            <a:r>
               <a:rPr lang="en-US" sz="3500" b="1" dirty="0" smtClean="0"/>
-              <a:t>operators</a:t>
-            </a:r>
+              <a:t>Arithmetic operators</a:t>
+            </a:r>
+            <a:endParaRPr lang="en-US" sz="3500" b="1" dirty="0" smtClean="0"/>
           </a:p>
           <a:p>
             <a:pPr marL="1657350" lvl="2" indent="-742950">
@@ -8399,14 +10134,14 @@
                 <a:gridCol w="4268047">
                   <a:extLst>
                     <a:ext uri="{9D8B030D-6E8A-4147-A177-3AD203B41FA5}">
-                      <a16:colId xmlns:a16="http://schemas.microsoft.com/office/drawing/2014/main" xmlns="" val="1878650380"/>
+                      <a16:colId xmlns="" xmlns:a16="http://schemas.microsoft.com/office/drawing/2014/main" val="1878650380"/>
                     </a:ext>
                   </a:extLst>
                 </a:gridCol>
                 <a:gridCol w="2952271">
                   <a:extLst>
                     <a:ext uri="{9D8B030D-6E8A-4147-A177-3AD203B41FA5}">
-                      <a16:colId xmlns:a16="http://schemas.microsoft.com/office/drawing/2014/main" xmlns="" val="3514817832"/>
+                      <a16:colId xmlns="" xmlns:a16="http://schemas.microsoft.com/office/drawing/2014/main" val="3514817832"/>
                     </a:ext>
                   </a:extLst>
                 </a:gridCol>
@@ -8472,7 +10207,7 @@
                 </a:tc>
                 <a:extLst>
                   <a:ext uri="{0D108BD9-81ED-4DB2-BD59-A6C34878D82A}">
-                    <a16:rowId xmlns:a16="http://schemas.microsoft.com/office/drawing/2014/main" xmlns="" val="3083959343"/>
+                    <a16:rowId xmlns="" xmlns:a16="http://schemas.microsoft.com/office/drawing/2014/main" val="3083959343"/>
                   </a:ext>
                 </a:extLst>
               </a:tr>
@@ -8531,7 +10266,7 @@
                 </a:tc>
                 <a:extLst>
                   <a:ext uri="{0D108BD9-81ED-4DB2-BD59-A6C34878D82A}">
-                    <a16:rowId xmlns:a16="http://schemas.microsoft.com/office/drawing/2014/main" xmlns="" val="324899849"/>
+                    <a16:rowId xmlns="" xmlns:a16="http://schemas.microsoft.com/office/drawing/2014/main" val="324899849"/>
                   </a:ext>
                 </a:extLst>
               </a:tr>
@@ -8602,7 +10337,7 @@
                 </a:tc>
                 <a:extLst>
                   <a:ext uri="{0D108BD9-81ED-4DB2-BD59-A6C34878D82A}">
-                    <a16:rowId xmlns:a16="http://schemas.microsoft.com/office/drawing/2014/main" xmlns="" val="1715622986"/>
+                    <a16:rowId xmlns="" xmlns:a16="http://schemas.microsoft.com/office/drawing/2014/main" val="1715622986"/>
                   </a:ext>
                 </a:extLst>
               </a:tr>
@@ -9736,7 +11471,7 @@
         <p:spPr>
           <a:xfrm>
             <a:off x="6096" y="6096"/>
-            <a:ext cx="9144000" cy="4762842"/>
+            <a:ext cx="9144000" cy="3608680"/>
           </a:xfrm>
           <a:prstGeom prst="rect">
             <a:avLst/>
@@ -9756,7 +11491,7 @@
             <a:pPr lvl="1"/>
             <a:r>
               <a:rPr lang="en-US" sz="3500" b="1" dirty="0" smtClean="0"/>
-              <a:t>Goals</a:t>
+              <a:t>Administration</a:t>
             </a:r>
           </a:p>
           <a:p>
@@ -9770,18 +11505,11 @@
             </a:pPr>
             <a:r>
               <a:rPr lang="en-US" sz="2500" dirty="0" smtClean="0"/>
-              <a:t>Learn how to design and build increasingly </a:t>
-            </a:r>
-          </a:p>
-          <a:p>
-            <a:pPr lvl="2"/>
-            <a:r>
-              <a:rPr lang="en-US" sz="2500" dirty="0"/>
-              <a:t>	</a:t>
-            </a:r>
-            <a:r>
-              <a:rPr lang="en-US" sz="2500" dirty="0" smtClean="0"/>
-              <a:t>complex OO architectures</a:t>
+              <a:t>Lecturer:</a:t>
+            </a:r>
+            <a:r>
+              <a:rPr lang="en-US" sz="2000" dirty="0" smtClean="0"/>
+              <a:t> Grayson Orr</a:t>
             </a:r>
           </a:p>
           <a:p>
@@ -9791,26 +11519,11 @@
             </a:pPr>
             <a:r>
               <a:rPr lang="en-US" sz="2500" dirty="0" smtClean="0"/>
-              <a:t>Learn how to use more complex </a:t>
-            </a:r>
-            <a:r>
-              <a:rPr lang="en-US" sz="2500" dirty="0"/>
-              <a:t>abstract </a:t>
-            </a:r>
-            <a:r>
-              <a:rPr lang="en-US" sz="2500" dirty="0" smtClean="0"/>
-              <a:t>data </a:t>
-            </a:r>
-          </a:p>
-          <a:p>
-            <a:pPr lvl="2"/>
-            <a:r>
-              <a:rPr lang="en-US" sz="2500" dirty="0"/>
-              <a:t>	</a:t>
-            </a:r>
-            <a:r>
-              <a:rPr lang="en-US" sz="2500" dirty="0" smtClean="0"/>
-              <a:t>types and algorithms</a:t>
+              <a:t>Office: </a:t>
+            </a:r>
+            <a:r>
+              <a:rPr lang="en-US" sz="2000" dirty="0" smtClean="0"/>
+              <a:t>D311</a:t>
             </a:r>
           </a:p>
           <a:p>
@@ -9820,8 +11533,15 @@
             </a:pPr>
             <a:r>
               <a:rPr lang="en-US" sz="2500" dirty="0" smtClean="0"/>
-              <a:t>Learn a variety of programming languages and 	paradigms</a:t>
-            </a:r>
+              <a:t>Email: </a:t>
+            </a:r>
+            <a:r>
+              <a:rPr lang="en-US" sz="2000" dirty="0" smtClean="0">
+                <a:hlinkClick r:id="rId3"/>
+              </a:rPr>
+              <a:t>grayson.orr@op.ac.nz</a:t>
+            </a:r>
+            <a:endParaRPr lang="en-US" sz="2000" dirty="0" smtClean="0"/>
           </a:p>
           <a:p>
             <a:pPr marL="1657350" lvl="2" indent="-742950">
@@ -9830,18 +11550,25 @@
             </a:pPr>
             <a:r>
               <a:rPr lang="en-US" sz="2500" dirty="0" smtClean="0"/>
-              <a:t>Start to think in terms of programming principles, </a:t>
-            </a:r>
-          </a:p>
-          <a:p>
-            <a:pPr lvl="3"/>
-            <a:r>
-              <a:rPr lang="en-US" sz="2500" dirty="0"/>
-              <a:t>	</a:t>
-            </a:r>
+              <a:t>Communication Channel: </a:t>
+            </a:r>
+            <a:r>
+              <a:rPr lang="en-US" sz="2000" dirty="0" smtClean="0"/>
+              <a:t>Microsoft Outlook and Teams</a:t>
+            </a:r>
+          </a:p>
+          <a:p>
+            <a:pPr marL="1657350" lvl="2" indent="-742950">
+              <a:buFont typeface="Arial" panose="020B0604020202020204" pitchFamily="34" charset="0"/>
+              <a:buChar char="•"/>
+            </a:pPr>
             <a:r>
               <a:rPr lang="en-US" sz="2500" dirty="0" smtClean="0"/>
-              <a:t>not technological specifics</a:t>
+              <a:t>Course Material: </a:t>
+            </a:r>
+            <a:r>
+              <a:rPr lang="en-US" sz="2000" dirty="0" smtClean="0"/>
+              <a:t>GitHub</a:t>
             </a:r>
           </a:p>
         </p:txBody>
@@ -9849,7 +11576,7 @@
     </p:spTree>
     <p:extLst>
       <p:ext uri="{BB962C8B-B14F-4D97-AF65-F5344CB8AC3E}">
-        <p14:creationId xmlns:p14="http://schemas.microsoft.com/office/powerpoint/2010/main" val="2019395426"/>
+        <p14:creationId xmlns:p14="http://schemas.microsoft.com/office/powerpoint/2010/main" val="3211920899"/>
       </p:ext>
     </p:extLst>
   </p:cSld>
@@ -10675,6 +12402,156 @@
         <p:spPr>
           <a:xfrm>
             <a:off x="6096" y="6096"/>
+            <a:ext cx="9144000" cy="3454792"/>
+          </a:xfrm>
+          <a:prstGeom prst="rect">
+            <a:avLst/>
+          </a:prstGeom>
+          <a:noFill/>
+        </p:spPr>
+        <p:txBody>
+          <a:bodyPr wrap="square" lIns="68580" tIns="34290" rIns="68580" bIns="34290">
+            <a:spAutoFit/>
+          </a:bodyPr>
+          <a:lstStyle/>
+          <a:p>
+            <a:pPr algn="ctr"/>
+            <a:endParaRPr lang="en-US" sz="4000" b="1" dirty="0" smtClean="0"/>
+          </a:p>
+          <a:p>
+            <a:pPr lvl="1"/>
+            <a:r>
+              <a:rPr lang="en-US" sz="3500" b="1" dirty="0" smtClean="0"/>
+              <a:t>Submitting your code</a:t>
+            </a:r>
+            <a:endParaRPr lang="en-US" sz="2500" dirty="0" smtClean="0"/>
+          </a:p>
+          <a:p>
+            <a:pPr marL="1657350" lvl="2" indent="-742950">
+              <a:buFont typeface="Arial" panose="020B0604020202020204" pitchFamily="34" charset="0"/>
+              <a:buChar char="•"/>
+            </a:pPr>
+            <a:endParaRPr lang="en-US" sz="2500" dirty="0" smtClean="0"/>
+          </a:p>
+          <a:p>
+            <a:pPr marL="1657350" lvl="2" indent="-742950">
+              <a:buFont typeface="Arial" panose="020B0604020202020204" pitchFamily="34" charset="0"/>
+              <a:buChar char="•"/>
+            </a:pPr>
+            <a:r>
+              <a:rPr lang="en-US" sz="2500" dirty="0" smtClean="0"/>
+              <a:t>All assessments excluding exam will be submitted </a:t>
+            </a:r>
+          </a:p>
+          <a:p>
+            <a:pPr lvl="2"/>
+            <a:r>
+              <a:rPr lang="en-US" sz="2500" dirty="0"/>
+              <a:t>	</a:t>
+            </a:r>
+            <a:r>
+              <a:rPr lang="en-US" sz="2500" dirty="0" smtClean="0"/>
+              <a:t>via GitHub classroom</a:t>
+            </a:r>
+          </a:p>
+          <a:p>
+            <a:pPr marL="1657350" lvl="2" indent="-742950">
+              <a:buFont typeface="Arial" panose="020B0604020202020204" pitchFamily="34" charset="0"/>
+              <a:buChar char="•"/>
+            </a:pPr>
+            <a:r>
+              <a:rPr lang="en-US" sz="2500" dirty="0" smtClean="0"/>
+              <a:t>You will need a GitHub account</a:t>
+            </a:r>
+            <a:endParaRPr lang="en-US" sz="2500" dirty="0"/>
+          </a:p>
+          <a:p>
+            <a:pPr marL="1657350" lvl="2" indent="-742950">
+              <a:buFont typeface="Arial" panose="020B0604020202020204" pitchFamily="34" charset="0"/>
+              <a:buChar char="•"/>
+            </a:pPr>
+            <a:r>
+              <a:rPr lang="en-US" sz="2500" dirty="0" smtClean="0"/>
+              <a:t>Here is the link to GitHub Classroom:</a:t>
+            </a:r>
+          </a:p>
+          <a:p>
+            <a:pPr marL="2114550" lvl="3" indent="-742950">
+              <a:buFont typeface="Arial" panose="020B0604020202020204" pitchFamily="34" charset="0"/>
+              <a:buChar char="•"/>
+            </a:pPr>
+            <a:r>
+              <a:rPr lang="en-US" sz="2000" dirty="0">
+                <a:hlinkClick r:id="rId3"/>
+              </a:rPr>
+              <a:t>https://</a:t>
+            </a:r>
+            <a:r>
+              <a:rPr lang="en-US" sz="2000" dirty="0" smtClean="0">
+                <a:hlinkClick r:id="rId3"/>
+              </a:rPr>
+              <a:t>classroom.github.com/a/uRzzYdv9</a:t>
+            </a:r>
+          </a:p>
+        </p:txBody>
+      </p:sp>
+    </p:spTree>
+    <p:extLst>
+      <p:ext uri="{BB962C8B-B14F-4D97-AF65-F5344CB8AC3E}">
+        <p14:creationId xmlns:p14="http://schemas.microsoft.com/office/powerpoint/2010/main" val="1026489072"/>
+      </p:ext>
+    </p:extLst>
+  </p:cSld>
+  <p:clrMapOvr>
+    <a:masterClrMapping/>
+  </p:clrMapOvr>
+  <p:timing>
+    <p:tnLst>
+      <p:par>
+        <p:cTn id="1" dur="indefinite" restart="never" nodeType="tmRoot"/>
+      </p:par>
+    </p:tnLst>
+  </p:timing>
+</p:sld>
+</file>
+
+<file path=ppt/slides/slide27.xml><?xml version="1.0" encoding="utf-8"?>
+<p:sld xmlns:a="http://schemas.openxmlformats.org/drawingml/2006/main" xmlns:r="http://schemas.openxmlformats.org/officeDocument/2006/relationships" xmlns:p="http://schemas.openxmlformats.org/presentationml/2006/main">
+  <p:cSld>
+    <p:bg>
+      <p:bgPr>
+        <a:solidFill>
+          <a:schemeClr val="accent5">
+            <a:lumMod val="60000"/>
+            <a:lumOff val="40000"/>
+          </a:schemeClr>
+        </a:solidFill>
+        <a:effectLst/>
+      </p:bgPr>
+    </p:bg>
+    <p:spTree>
+      <p:nvGrpSpPr>
+        <p:cNvPr id="1" name=""/>
+        <p:cNvGrpSpPr/>
+        <p:nvPr/>
+      </p:nvGrpSpPr>
+      <p:grpSpPr>
+        <a:xfrm>
+          <a:off x="0" y="0"/>
+          <a:ext cx="0" cy="0"/>
+          <a:chOff x="0" y="0"/>
+          <a:chExt cx="0" cy="0"/>
+        </a:xfrm>
+      </p:grpSpPr>
+      <p:sp>
+        <p:nvSpPr>
+          <p:cNvPr id="5" name="Rectangle 4"/>
+          <p:cNvSpPr/>
+          <p:nvPr/>
+        </p:nvSpPr>
+        <p:spPr>
+          <a:xfrm>
+            <a:off x="6096" y="6096"/>
             <a:ext cx="9144000" cy="2762295"/>
           </a:xfrm>
           <a:prstGeom prst="rect">
@@ -10695,11 +12572,7 @@
             <a:pPr lvl="1"/>
             <a:r>
               <a:rPr lang="en-US" sz="3500" b="1" dirty="0" smtClean="0"/>
-              <a:t>Creating a C++ Windows Form </a:t>
-            </a:r>
-            <a:r>
-              <a:rPr lang="en-US" sz="3500" b="1" dirty="0" smtClean="0"/>
-              <a:t>Application</a:t>
+              <a:t>Creating a C++ Windows Form Application</a:t>
             </a:r>
             <a:endParaRPr lang="en-US" sz="2500" dirty="0" smtClean="0"/>
           </a:p>
@@ -10813,7 +12686,7 @@
 </p:sld>
 </file>
 
-<file path=ppt/slides/slide27.xml><?xml version="1.0" encoding="utf-8"?>
+<file path=ppt/slides/slide28.xml><?xml version="1.0" encoding="utf-8"?>
 <p:sld xmlns:a="http://schemas.openxmlformats.org/drawingml/2006/main" xmlns:r="http://schemas.openxmlformats.org/officeDocument/2006/relationships" xmlns:p="http://schemas.openxmlformats.org/presentationml/2006/main">
   <p:cSld>
     <p:bg>
@@ -10870,11 +12743,7 @@
             <a:pPr lvl="1"/>
             <a:r>
               <a:rPr lang="en-US" sz="3500" b="1" dirty="0" smtClean="0"/>
-              <a:t>Creating a C++ Windows Form </a:t>
-            </a:r>
-            <a:r>
-              <a:rPr lang="en-US" sz="3500" b="1" dirty="0" smtClean="0"/>
-              <a:t>Application</a:t>
+              <a:t>Creating a C++ Windows Form Application</a:t>
             </a:r>
             <a:endParaRPr lang="en-US" sz="2500" dirty="0" smtClean="0"/>
           </a:p>
@@ -10971,7 +12840,7 @@
 </p:sld>
 </file>
 
-<file path=ppt/slides/slide28.xml><?xml version="1.0" encoding="utf-8"?>
+<file path=ppt/slides/slide29.xml><?xml version="1.0" encoding="utf-8"?>
 <p:sld xmlns:a="http://schemas.openxmlformats.org/drawingml/2006/main" xmlns:r="http://schemas.openxmlformats.org/officeDocument/2006/relationships" xmlns:p="http://schemas.openxmlformats.org/presentationml/2006/main">
   <p:cSld>
     <p:bg>
@@ -11028,11 +12897,7 @@
             <a:pPr lvl="1"/>
             <a:r>
               <a:rPr lang="en-US" sz="3500" b="1" dirty="0" smtClean="0"/>
-              <a:t>Creating a C++ Windows Form </a:t>
-            </a:r>
-            <a:r>
-              <a:rPr lang="en-US" sz="3500" b="1" dirty="0" smtClean="0"/>
-              <a:t>Application</a:t>
+              <a:t>Creating a C++ Windows Form Application</a:t>
             </a:r>
             <a:endParaRPr lang="en-US" sz="2500" dirty="0" smtClean="0"/>
           </a:p>
@@ -11118,7 +12983,7 @@
 </p:sld>
 </file>
 
-<file path=ppt/slides/slide29.xml><?xml version="1.0" encoding="utf-8"?>
+<file path=ppt/slides/slide3.xml><?xml version="1.0" encoding="utf-8"?>
 <p:sld xmlns:a="http://schemas.openxmlformats.org/drawingml/2006/main" xmlns:r="http://schemas.openxmlformats.org/officeDocument/2006/relationships" xmlns:p="http://schemas.openxmlformats.org/presentationml/2006/main">
   <p:cSld>
     <p:bg>
@@ -11155,6 +13020,147 @@
         <p:spPr>
           <a:xfrm>
             <a:off x="6096" y="6096"/>
+            <a:ext cx="9144000" cy="2762295"/>
+          </a:xfrm>
+          <a:prstGeom prst="rect">
+            <a:avLst/>
+          </a:prstGeom>
+          <a:noFill/>
+        </p:spPr>
+        <p:txBody>
+          <a:bodyPr wrap="square" lIns="68580" tIns="34290" rIns="68580" bIns="34290">
+            <a:spAutoFit/>
+          </a:bodyPr>
+          <a:lstStyle/>
+          <a:p>
+            <a:pPr algn="ctr"/>
+            <a:endParaRPr lang="en-US" sz="4000" b="1" dirty="0" smtClean="0"/>
+          </a:p>
+          <a:p>
+            <a:pPr lvl="1"/>
+            <a:r>
+              <a:rPr lang="en-US" sz="3500" b="1" dirty="0" smtClean="0"/>
+              <a:t>Class sessions</a:t>
+            </a:r>
+          </a:p>
+          <a:p>
+            <a:pPr lvl="1"/>
+            <a:endParaRPr lang="en-US" sz="2500" dirty="0" smtClean="0"/>
+          </a:p>
+          <a:p>
+            <a:pPr marL="1657350" lvl="2" indent="-742950">
+              <a:buFont typeface="Arial" panose="020B0604020202020204" pitchFamily="34" charset="0"/>
+              <a:buChar char="•"/>
+            </a:pPr>
+            <a:r>
+              <a:rPr lang="en-US" sz="2500" dirty="0" smtClean="0"/>
+              <a:t>Session 1: </a:t>
+            </a:r>
+            <a:r>
+              <a:rPr lang="en-US" sz="2000" dirty="0" smtClean="0"/>
+              <a:t>Wednesday 10am – 12pm in D312</a:t>
+            </a:r>
+            <a:endParaRPr lang="en-US" sz="2500" dirty="0" smtClean="0"/>
+          </a:p>
+          <a:p>
+            <a:pPr marL="1657350" lvl="2" indent="-742950">
+              <a:buFont typeface="Arial" panose="020B0604020202020204" pitchFamily="34" charset="0"/>
+              <a:buChar char="•"/>
+            </a:pPr>
+            <a:r>
+              <a:rPr lang="en-US" sz="2500" dirty="0" smtClean="0"/>
+              <a:t>Session 2: </a:t>
+            </a:r>
+            <a:r>
+              <a:rPr lang="en-US" sz="2000" dirty="0" smtClean="0"/>
+              <a:t>Friday</a:t>
+            </a:r>
+            <a:r>
+              <a:rPr lang="en-US" sz="2500" dirty="0" smtClean="0"/>
+              <a:t> </a:t>
+            </a:r>
+            <a:r>
+              <a:rPr lang="en-US" sz="2000" dirty="0" smtClean="0"/>
+              <a:t>8am – 10</a:t>
+            </a:r>
+            <a:r>
+              <a:rPr lang="en-US" sz="2000" dirty="0"/>
+              <a:t>a</a:t>
+            </a:r>
+            <a:r>
+              <a:rPr lang="en-US" sz="2000" dirty="0" smtClean="0"/>
+              <a:t>m in D105B</a:t>
+            </a:r>
+          </a:p>
+          <a:p>
+            <a:pPr marL="1657350" lvl="2" indent="-742950">
+              <a:buFont typeface="Arial" panose="020B0604020202020204" pitchFamily="34" charset="0"/>
+              <a:buChar char="•"/>
+            </a:pPr>
+            <a:r>
+              <a:rPr lang="en-US" sz="2500" dirty="0" smtClean="0"/>
+              <a:t>Videos will be provided for each session</a:t>
+            </a:r>
+          </a:p>
+        </p:txBody>
+      </p:sp>
+    </p:spTree>
+    <p:extLst>
+      <p:ext uri="{BB962C8B-B14F-4D97-AF65-F5344CB8AC3E}">
+        <p14:creationId xmlns:p14="http://schemas.microsoft.com/office/powerpoint/2010/main" val="3191101775"/>
+      </p:ext>
+    </p:extLst>
+  </p:cSld>
+  <p:clrMapOvr>
+    <a:masterClrMapping/>
+  </p:clrMapOvr>
+  <p:timing>
+    <p:tnLst>
+      <p:par>
+        <p:cTn id="1" dur="indefinite" restart="never" nodeType="tmRoot"/>
+      </p:par>
+    </p:tnLst>
+  </p:timing>
+</p:sld>
+</file>
+
+<file path=ppt/slides/slide30.xml><?xml version="1.0" encoding="utf-8"?>
+<p:sld xmlns:a="http://schemas.openxmlformats.org/drawingml/2006/main" xmlns:r="http://schemas.openxmlformats.org/officeDocument/2006/relationships" xmlns:p="http://schemas.openxmlformats.org/presentationml/2006/main">
+  <p:cSld>
+    <p:bg>
+      <p:bgPr>
+        <a:solidFill>
+          <a:schemeClr val="accent5">
+            <a:lumMod val="60000"/>
+            <a:lumOff val="40000"/>
+          </a:schemeClr>
+        </a:solidFill>
+        <a:effectLst/>
+      </p:bgPr>
+    </p:bg>
+    <p:spTree>
+      <p:nvGrpSpPr>
+        <p:cNvPr id="1" name=""/>
+        <p:cNvGrpSpPr/>
+        <p:nvPr/>
+      </p:nvGrpSpPr>
+      <p:grpSpPr>
+        <a:xfrm>
+          <a:off x="0" y="0"/>
+          <a:ext cx="0" cy="0"/>
+          <a:chOff x="0" y="0"/>
+          <a:chExt cx="0" cy="0"/>
+        </a:xfrm>
+      </p:grpSpPr>
+      <p:sp>
+        <p:nvSpPr>
+          <p:cNvPr id="5" name="Rectangle 4"/>
+          <p:cNvSpPr/>
+          <p:nvPr/>
+        </p:nvSpPr>
+        <p:spPr>
+          <a:xfrm>
+            <a:off x="6096" y="6096"/>
             <a:ext cx="9144000" cy="1992853"/>
           </a:xfrm>
           <a:prstGeom prst="rect">
@@ -11175,11 +13181,7 @@
             <a:pPr lvl="1"/>
             <a:r>
               <a:rPr lang="en-US" sz="3500" b="1" dirty="0" smtClean="0"/>
-              <a:t>Creating a C++ Windows Form </a:t>
-            </a:r>
-            <a:r>
-              <a:rPr lang="en-US" sz="3500" b="1" dirty="0" smtClean="0"/>
-              <a:t>Application</a:t>
+              <a:t>Creating a C++ Windows Form Application</a:t>
             </a:r>
             <a:endParaRPr lang="en-US" sz="2500" dirty="0" smtClean="0"/>
           </a:p>
@@ -11197,11 +13199,7 @@
             </a:pPr>
             <a:r>
               <a:rPr lang="en-US" sz="2500" dirty="0" smtClean="0"/>
-              <a:t>A </a:t>
-            </a:r>
-            <a:r>
-              <a:rPr lang="en-US" sz="2500" dirty="0" smtClean="0"/>
-              <a:t>new </a:t>
+              <a:t>A new </a:t>
             </a:r>
             <a:r>
               <a:rPr lang="en-US" sz="2500" b="1" i="1" dirty="0" smtClean="0"/>
@@ -11273,7 +13271,7 @@
 </p:sld>
 </file>
 
-<file path=ppt/slides/slide3.xml><?xml version="1.0" encoding="utf-8"?>
+<file path=ppt/slides/slide31.xml><?xml version="1.0" encoding="utf-8"?>
 <p:sld xmlns:a="http://schemas.openxmlformats.org/drawingml/2006/main" xmlns:r="http://schemas.openxmlformats.org/officeDocument/2006/relationships" xmlns:p="http://schemas.openxmlformats.org/presentationml/2006/main">
   <p:cSld>
     <p:bg>
@@ -11310,165 +13308,6 @@
         <p:spPr>
           <a:xfrm>
             <a:off x="6096" y="6096"/>
-            <a:ext cx="9144000" cy="3608680"/>
-          </a:xfrm>
-          <a:prstGeom prst="rect">
-            <a:avLst/>
-          </a:prstGeom>
-          <a:noFill/>
-        </p:spPr>
-        <p:txBody>
-          <a:bodyPr wrap="square" lIns="68580" tIns="34290" rIns="68580" bIns="34290">
-            <a:spAutoFit/>
-          </a:bodyPr>
-          <a:lstStyle/>
-          <a:p>
-            <a:pPr algn="ctr"/>
-            <a:endParaRPr lang="en-US" sz="4000" b="1" dirty="0" smtClean="0"/>
-          </a:p>
-          <a:p>
-            <a:pPr lvl="1"/>
-            <a:r>
-              <a:rPr lang="en-US" sz="3500" b="1" dirty="0" smtClean="0"/>
-              <a:t>Administration</a:t>
-            </a:r>
-          </a:p>
-          <a:p>
-            <a:pPr lvl="1"/>
-            <a:endParaRPr lang="en-US" sz="2500" dirty="0" smtClean="0"/>
-          </a:p>
-          <a:p>
-            <a:pPr marL="1657350" lvl="2" indent="-742950">
-              <a:buFont typeface="Arial" panose="020B0604020202020204" pitchFamily="34" charset="0"/>
-              <a:buChar char="•"/>
-            </a:pPr>
-            <a:r>
-              <a:rPr lang="en-US" sz="2500" dirty="0" smtClean="0"/>
-              <a:t>Lecturer:</a:t>
-            </a:r>
-            <a:r>
-              <a:rPr lang="en-US" sz="2000" dirty="0" smtClean="0"/>
-              <a:t> Grayson Orr</a:t>
-            </a:r>
-          </a:p>
-          <a:p>
-            <a:pPr marL="1657350" lvl="2" indent="-742950">
-              <a:buFont typeface="Arial" panose="020B0604020202020204" pitchFamily="34" charset="0"/>
-              <a:buChar char="•"/>
-            </a:pPr>
-            <a:r>
-              <a:rPr lang="en-US" sz="2500" dirty="0" smtClean="0"/>
-              <a:t>Office: </a:t>
-            </a:r>
-            <a:r>
-              <a:rPr lang="en-US" sz="2000" dirty="0" smtClean="0"/>
-              <a:t>D311</a:t>
-            </a:r>
-          </a:p>
-          <a:p>
-            <a:pPr marL="1657350" lvl="2" indent="-742950">
-              <a:buFont typeface="Arial" panose="020B0604020202020204" pitchFamily="34" charset="0"/>
-              <a:buChar char="•"/>
-            </a:pPr>
-            <a:r>
-              <a:rPr lang="en-US" sz="2500" dirty="0" smtClean="0"/>
-              <a:t>Email: </a:t>
-            </a:r>
-            <a:r>
-              <a:rPr lang="en-US" sz="2000" dirty="0" smtClean="0">
-                <a:hlinkClick r:id="rId3"/>
-              </a:rPr>
-              <a:t>grayson.orr@op.ac.nz</a:t>
-            </a:r>
-            <a:endParaRPr lang="en-US" sz="2000" dirty="0" smtClean="0"/>
-          </a:p>
-          <a:p>
-            <a:pPr marL="1657350" lvl="2" indent="-742950">
-              <a:buFont typeface="Arial" panose="020B0604020202020204" pitchFamily="34" charset="0"/>
-              <a:buChar char="•"/>
-            </a:pPr>
-            <a:r>
-              <a:rPr lang="en-US" sz="2500" dirty="0" smtClean="0"/>
-              <a:t>Communication Channel: </a:t>
-            </a:r>
-            <a:r>
-              <a:rPr lang="en-US" sz="2000" dirty="0" smtClean="0"/>
-              <a:t>Microsoft Outlook and Teams</a:t>
-            </a:r>
-          </a:p>
-          <a:p>
-            <a:pPr marL="1657350" lvl="2" indent="-742950">
-              <a:buFont typeface="Arial" panose="020B0604020202020204" pitchFamily="34" charset="0"/>
-              <a:buChar char="•"/>
-            </a:pPr>
-            <a:r>
-              <a:rPr lang="en-US" sz="2500" dirty="0" smtClean="0"/>
-              <a:t>Course Material: </a:t>
-            </a:r>
-            <a:r>
-              <a:rPr lang="en-US" sz="2000" dirty="0" smtClean="0"/>
-              <a:t>GitHub</a:t>
-            </a:r>
-          </a:p>
-        </p:txBody>
-      </p:sp>
-    </p:spTree>
-    <p:extLst>
-      <p:ext uri="{BB962C8B-B14F-4D97-AF65-F5344CB8AC3E}">
-        <p14:creationId xmlns:p14="http://schemas.microsoft.com/office/powerpoint/2010/main" val="3211920899"/>
-      </p:ext>
-    </p:extLst>
-  </p:cSld>
-  <p:clrMapOvr>
-    <a:masterClrMapping/>
-  </p:clrMapOvr>
-  <p:timing>
-    <p:tnLst>
-      <p:par>
-        <p:cTn id="1" dur="indefinite" restart="never" nodeType="tmRoot"/>
-      </p:par>
-    </p:tnLst>
-  </p:timing>
-</p:sld>
-</file>
-
-<file path=ppt/slides/slide30.xml><?xml version="1.0" encoding="utf-8"?>
-<p:sld xmlns:a="http://schemas.openxmlformats.org/drawingml/2006/main" xmlns:r="http://schemas.openxmlformats.org/officeDocument/2006/relationships" xmlns:p="http://schemas.openxmlformats.org/presentationml/2006/main">
-  <p:cSld>
-    <p:bg>
-      <p:bgPr>
-        <a:solidFill>
-          <a:schemeClr val="accent5">
-            <a:lumMod val="60000"/>
-            <a:lumOff val="40000"/>
-          </a:schemeClr>
-        </a:solidFill>
-        <a:effectLst/>
-      </p:bgPr>
-    </p:bg>
-    <p:spTree>
-      <p:nvGrpSpPr>
-        <p:cNvPr id="1" name=""/>
-        <p:cNvGrpSpPr/>
-        <p:nvPr/>
-      </p:nvGrpSpPr>
-      <p:grpSpPr>
-        <a:xfrm>
-          <a:off x="0" y="0"/>
-          <a:ext cx="0" cy="0"/>
-          <a:chOff x="0" y="0"/>
-          <a:chExt cx="0" cy="0"/>
-        </a:xfrm>
-      </p:grpSpPr>
-      <p:sp>
-        <p:nvSpPr>
-          <p:cNvPr id="5" name="Rectangle 4"/>
-          <p:cNvSpPr/>
-          <p:nvPr/>
-        </p:nvSpPr>
-        <p:spPr>
-          <a:xfrm>
-            <a:off x="6096" y="6096"/>
             <a:ext cx="9144000" cy="1992853"/>
           </a:xfrm>
           <a:prstGeom prst="rect">
@@ -11489,11 +13328,7 @@
             <a:pPr lvl="1"/>
             <a:r>
               <a:rPr lang="en-US" sz="3500" b="1" dirty="0" smtClean="0"/>
-              <a:t>Creating a C++ Windows Form </a:t>
-            </a:r>
-            <a:r>
-              <a:rPr lang="en-US" sz="3500" b="1" dirty="0" smtClean="0"/>
-              <a:t>Application</a:t>
+              <a:t>Creating a C++ Windows Form Application</a:t>
             </a:r>
             <a:endParaRPr lang="en-US" sz="2500" dirty="0" smtClean="0"/>
           </a:p>
@@ -11583,7 +13418,7 @@
 </p:sld>
 </file>
 
-<file path=ppt/slides/slide31.xml><?xml version="1.0" encoding="utf-8"?>
+<file path=ppt/slides/slide32.xml><?xml version="1.0" encoding="utf-8"?>
 <p:sld xmlns:a="http://schemas.openxmlformats.org/drawingml/2006/main" xmlns:r="http://schemas.openxmlformats.org/officeDocument/2006/relationships" xmlns:p="http://schemas.openxmlformats.org/presentationml/2006/main">
   <p:cSld>
     <p:bg>
@@ -11640,11 +13475,7 @@
             <a:pPr lvl="1"/>
             <a:r>
               <a:rPr lang="en-US" sz="3500" b="1" dirty="0" smtClean="0"/>
-              <a:t>Creating a C++ Windows Form </a:t>
-            </a:r>
-            <a:r>
-              <a:rPr lang="en-US" sz="3500" b="1" dirty="0" smtClean="0"/>
-              <a:t>Application</a:t>
+              <a:t>Creating a C++ Windows Form Application</a:t>
             </a:r>
             <a:endParaRPr lang="en-US" sz="2500" dirty="0" smtClean="0"/>
           </a:p>
@@ -11732,7 +13563,7 @@
 </p:sld>
 </file>
 
-<file path=ppt/slides/slide32.xml><?xml version="1.0" encoding="utf-8"?>
+<file path=ppt/slides/slide33.xml><?xml version="1.0" encoding="utf-8"?>
 <p:sld xmlns:a="http://schemas.openxmlformats.org/drawingml/2006/main" xmlns:r="http://schemas.openxmlformats.org/officeDocument/2006/relationships" xmlns:p="http://schemas.openxmlformats.org/presentationml/2006/main">
   <p:cSld>
     <p:bg>
@@ -11789,11 +13620,7 @@
             <a:pPr lvl="1"/>
             <a:r>
               <a:rPr lang="en-US" sz="3500" b="1" dirty="0" smtClean="0"/>
-              <a:t>Creating a C++ Windows Form </a:t>
-            </a:r>
-            <a:r>
-              <a:rPr lang="en-US" sz="3500" b="1" dirty="0" smtClean="0"/>
-              <a:t>Application</a:t>
+              <a:t>Creating a C++ Windows Form Application</a:t>
             </a:r>
             <a:endParaRPr lang="en-US" sz="2500" dirty="0" smtClean="0"/>
           </a:p>
@@ -11890,7 +13717,7 @@
 </p:sld>
 </file>
 
-<file path=ppt/slides/slide33.xml><?xml version="1.0" encoding="utf-8"?>
+<file path=ppt/slides/slide34.xml><?xml version="1.0" encoding="utf-8"?>
 <p:sld xmlns:a="http://schemas.openxmlformats.org/drawingml/2006/main" xmlns:r="http://schemas.openxmlformats.org/officeDocument/2006/relationships" xmlns:p="http://schemas.openxmlformats.org/presentationml/2006/main">
   <p:cSld>
     <p:bg>
@@ -11927,7 +13754,7 @@
         <p:spPr>
           <a:xfrm>
             <a:off x="6096" y="6096"/>
-            <a:ext cx="9144000" cy="2377574"/>
+            <a:ext cx="9144000" cy="2762295"/>
           </a:xfrm>
           <a:prstGeom prst="rect">
             <a:avLst/>
@@ -11947,11 +13774,7 @@
             <a:pPr lvl="1"/>
             <a:r>
               <a:rPr lang="en-US" sz="3500" b="1" dirty="0" smtClean="0"/>
-              <a:t>Creating a C++ Windows Form </a:t>
-            </a:r>
-            <a:r>
-              <a:rPr lang="en-US" sz="3500" b="1" dirty="0" smtClean="0"/>
-              <a:t>Application</a:t>
+              <a:t>Creating a C++ Windows Form Application</a:t>
             </a:r>
             <a:endParaRPr lang="en-US" sz="2500" dirty="0" smtClean="0"/>
           </a:p>
@@ -11969,7 +13792,37 @@
             </a:pPr>
             <a:r>
               <a:rPr lang="en-US" sz="2500" dirty="0" smtClean="0"/>
-              <a:t>Write the following lines of code into </a:t>
+              <a:t>Go to the project’s </a:t>
+            </a:r>
+            <a:r>
+              <a:rPr lang="en-US" sz="2500" b="1" i="1" dirty="0" smtClean="0"/>
+              <a:t>Properties</a:t>
+            </a:r>
+          </a:p>
+          <a:p>
+            <a:pPr marL="1657350" lvl="2" indent="-742950">
+              <a:buFont typeface="Arial" panose="020B0604020202020204" pitchFamily="34" charset="0"/>
+              <a:buChar char="•"/>
+            </a:pPr>
+            <a:r>
+              <a:rPr lang="en-US" sz="2500" dirty="0"/>
+              <a:t>C</a:t>
+            </a:r>
+            <a:r>
+              <a:rPr lang="en-US" sz="2500" dirty="0" smtClean="0"/>
+              <a:t>lick </a:t>
+            </a:r>
+            <a:r>
+              <a:rPr lang="en-US" sz="2500" b="1" i="1" dirty="0" smtClean="0"/>
+              <a:t>Linker -&gt; System </a:t>
+            </a:r>
+            <a:r>
+              <a:rPr lang="en-US" sz="2500" dirty="0" smtClean="0"/>
+              <a:t>and change the </a:t>
+            </a:r>
+            <a:r>
+              <a:rPr lang="en-US" sz="2500" b="1" i="1" dirty="0" smtClean="0"/>
+              <a:t>SubSystem</a:t>
             </a:r>
           </a:p>
           <a:p>
@@ -11980,12 +13833,9 @@
             </a:r>
             <a:r>
               <a:rPr lang="en-US" sz="2500" dirty="0" smtClean="0"/>
-              <a:t>your </a:t>
-            </a:r>
-            <a:r>
-              <a:rPr lang="en-US" sz="2500" b="1" i="1" dirty="0" smtClean="0"/>
-              <a:t>MyForm.h</a:t>
-            </a:r>
+              <a:t>to the following</a:t>
+            </a:r>
+            <a:endParaRPr lang="en-US" sz="2500" b="1" i="1" dirty="0" smtClean="0"/>
           </a:p>
         </p:txBody>
       </p:sp>
@@ -12039,7 +13889,7 @@
 </p:sld>
 </file>
 
-<file path=ppt/slides/slide34.xml><?xml version="1.0" encoding="utf-8"?>
+<file path=ppt/slides/slide35.xml><?xml version="1.0" encoding="utf-8"?>
 <p:sld xmlns:a="http://schemas.openxmlformats.org/drawingml/2006/main" xmlns:r="http://schemas.openxmlformats.org/officeDocument/2006/relationships" xmlns:p="http://schemas.openxmlformats.org/presentationml/2006/main">
   <p:cSld>
     <p:bg>
@@ -12076,7 +13926,7 @@
         <p:spPr>
           <a:xfrm>
             <a:off x="6096" y="6096"/>
-            <a:ext cx="9144000" cy="2377574"/>
+            <a:ext cx="9144000" cy="2762295"/>
           </a:xfrm>
           <a:prstGeom prst="rect">
             <a:avLst/>
@@ -12096,11 +13946,7 @@
             <a:pPr lvl="1"/>
             <a:r>
               <a:rPr lang="en-US" sz="3500" b="1" dirty="0" smtClean="0"/>
-              <a:t>Creating a C++ Windows Form </a:t>
-            </a:r>
-            <a:r>
-              <a:rPr lang="en-US" sz="3500" b="1" dirty="0" smtClean="0"/>
-              <a:t>Application</a:t>
+              <a:t>Creating a C++ Windows Form Application</a:t>
             </a:r>
             <a:endParaRPr lang="en-US" sz="2500" dirty="0" smtClean="0"/>
           </a:p>
@@ -12117,24 +13963,63 @@
               <a:buChar char="•"/>
             </a:pPr>
             <a:r>
+              <a:rPr lang="en-US" sz="2500" dirty="0"/>
+              <a:t>Go to the project’s </a:t>
+            </a:r>
+            <a:r>
+              <a:rPr lang="en-US" sz="2500" b="1" i="1" dirty="0"/>
+              <a:t>Properties</a:t>
+            </a:r>
+          </a:p>
+          <a:p>
+            <a:pPr marL="1657350" lvl="2" indent="-742950">
+              <a:buFont typeface="Arial" panose="020B0604020202020204" pitchFamily="34" charset="0"/>
+              <a:buChar char="•"/>
+            </a:pPr>
+            <a:r>
+              <a:rPr lang="en-US" sz="2500" dirty="0"/>
+              <a:t>Click </a:t>
+            </a:r>
+            <a:r>
+              <a:rPr lang="en-US" sz="2500" b="1" i="1" dirty="0"/>
+              <a:t>Linker -&gt; </a:t>
+            </a:r>
+            <a:r>
+              <a:rPr lang="en-US" sz="2500" b="1" i="1" dirty="0" smtClean="0"/>
+              <a:t>Advanced </a:t>
+            </a:r>
+            <a:r>
               <a:rPr lang="en-US" sz="2500" dirty="0" smtClean="0"/>
-              <a:t>Write the following lines of code into </a:t>
+              <a:t>and </a:t>
+            </a:r>
+            <a:r>
+              <a:rPr lang="en-US" sz="2500" dirty="0"/>
+              <a:t>change the </a:t>
+            </a:r>
+            <a:r>
+              <a:rPr lang="en-US" sz="2500" b="1" i="1" dirty="0" smtClean="0"/>
+              <a:t>Entry </a:t>
             </a:r>
           </a:p>
           <a:p>
             <a:pPr lvl="2"/>
             <a:r>
+              <a:rPr lang="en-US" sz="2500" b="1" i="1" dirty="0"/>
+              <a:t>	</a:t>
+            </a:r>
+            <a:r>
+              <a:rPr lang="en-US" sz="2500" b="1" i="1" dirty="0" smtClean="0"/>
+              <a:t>Point </a:t>
+            </a:r>
+            <a:r>
+              <a:rPr lang="en-US" sz="2500" dirty="0" smtClean="0"/>
+              <a:t>to </a:t>
+            </a:r>
+            <a:r>
               <a:rPr lang="en-US" sz="2500" dirty="0"/>
-              <a:t>	</a:t>
-            </a:r>
-            <a:r>
-              <a:rPr lang="en-US" sz="2500" dirty="0" smtClean="0"/>
-              <a:t>your </a:t>
-            </a:r>
-            <a:r>
-              <a:rPr lang="en-US" sz="2500" b="1" i="1" dirty="0" smtClean="0"/>
-              <a:t>MyForm.h</a:t>
-            </a:r>
+              <a:t>the following</a:t>
+            </a:r>
+            <a:endParaRPr lang="en-US" sz="2500" b="1" i="1" dirty="0"/>
           </a:p>
         </p:txBody>
       </p:sp>
@@ -12188,7 +14073,7 @@
 </p:sld>
 </file>
 
-<file path=ppt/slides/slide35.xml><?xml version="1.0" encoding="utf-8"?>
+<file path=ppt/slides/slide36.xml><?xml version="1.0" encoding="utf-8"?>
 <p:sld xmlns:a="http://schemas.openxmlformats.org/drawingml/2006/main" xmlns:r="http://schemas.openxmlformats.org/officeDocument/2006/relationships" xmlns:p="http://schemas.openxmlformats.org/presentationml/2006/main">
   <p:cSld>
     <p:bg>
@@ -12245,11 +14130,7 @@
             <a:pPr lvl="1"/>
             <a:r>
               <a:rPr lang="en-US" sz="3500" b="1" dirty="0" smtClean="0"/>
-              <a:t>Creating a C++ Windows Form </a:t>
-            </a:r>
-            <a:r>
-              <a:rPr lang="en-US" sz="3500" b="1" dirty="0" smtClean="0"/>
-              <a:t>Application</a:t>
+              <a:t>Creating a C++ Windows Form Application</a:t>
             </a:r>
             <a:endParaRPr lang="en-US" sz="2500" dirty="0" smtClean="0"/>
           </a:p>
@@ -12267,7 +14148,7 @@
             </a:pPr>
             <a:r>
               <a:rPr lang="en-US" sz="2500" dirty="0" smtClean="0"/>
-              <a:t>Write the following lines of code into </a:t>
+              <a:t>Now you can run your application without </a:t>
             </a:r>
           </a:p>
           <a:p>
@@ -12278,12 +14159,9 @@
             </a:r>
             <a:r>
               <a:rPr lang="en-US" sz="2500" dirty="0" smtClean="0"/>
-              <a:t>your </a:t>
-            </a:r>
-            <a:r>
-              <a:rPr lang="en-US" sz="2500" b="1" i="1" dirty="0" smtClean="0"/>
-              <a:t>MyForm.h</a:t>
-            </a:r>
+              <a:t>compilation errors. An empty form should display</a:t>
+            </a:r>
+            <a:endParaRPr lang="en-US" sz="2500" b="1" i="1" dirty="0" smtClean="0"/>
           </a:p>
         </p:txBody>
       </p:sp>
@@ -12374,152 +14252,6 @@
         <p:spPr>
           <a:xfrm>
             <a:off x="6096" y="6096"/>
-            <a:ext cx="9144000" cy="2762295"/>
-          </a:xfrm>
-          <a:prstGeom prst="rect">
-            <a:avLst/>
-          </a:prstGeom>
-          <a:noFill/>
-        </p:spPr>
-        <p:txBody>
-          <a:bodyPr wrap="square" lIns="68580" tIns="34290" rIns="68580" bIns="34290">
-            <a:spAutoFit/>
-          </a:bodyPr>
-          <a:lstStyle/>
-          <a:p>
-            <a:pPr algn="ctr"/>
-            <a:endParaRPr lang="en-US" sz="4000" b="1" dirty="0" smtClean="0"/>
-          </a:p>
-          <a:p>
-            <a:pPr lvl="1"/>
-            <a:r>
-              <a:rPr lang="en-US" sz="3500" b="1" dirty="0" smtClean="0"/>
-              <a:t>Class sessions</a:t>
-            </a:r>
-          </a:p>
-          <a:p>
-            <a:pPr lvl="1"/>
-            <a:endParaRPr lang="en-US" sz="2500" dirty="0" smtClean="0"/>
-          </a:p>
-          <a:p>
-            <a:pPr marL="1657350" lvl="2" indent="-742950">
-              <a:buFont typeface="Arial" panose="020B0604020202020204" pitchFamily="34" charset="0"/>
-              <a:buChar char="•"/>
-            </a:pPr>
-            <a:r>
-              <a:rPr lang="en-US" sz="2500" dirty="0" smtClean="0"/>
-              <a:t>Session 1: </a:t>
-            </a:r>
-            <a:r>
-              <a:rPr lang="en-US" sz="2000" dirty="0" smtClean="0"/>
-              <a:t>Wednesday 10am – 12pm in D312</a:t>
-            </a:r>
-            <a:endParaRPr lang="en-US" sz="2500" dirty="0" smtClean="0"/>
-          </a:p>
-          <a:p>
-            <a:pPr marL="1657350" lvl="2" indent="-742950">
-              <a:buFont typeface="Arial" panose="020B0604020202020204" pitchFamily="34" charset="0"/>
-              <a:buChar char="•"/>
-            </a:pPr>
-            <a:r>
-              <a:rPr lang="en-US" sz="2500" dirty="0" smtClean="0"/>
-              <a:t>Session 2: </a:t>
-            </a:r>
-            <a:r>
-              <a:rPr lang="en-US" sz="2000" dirty="0" smtClean="0"/>
-              <a:t>Friday</a:t>
-            </a:r>
-            <a:r>
-              <a:rPr lang="en-US" sz="2500" dirty="0" smtClean="0"/>
-              <a:t> </a:t>
-            </a:r>
-            <a:r>
-              <a:rPr lang="en-US" sz="2000" dirty="0" smtClean="0"/>
-              <a:t>8am – 10</a:t>
-            </a:r>
-            <a:r>
-              <a:rPr lang="en-US" sz="2000" dirty="0"/>
-              <a:t>a</a:t>
-            </a:r>
-            <a:r>
-              <a:rPr lang="en-US" sz="2000" dirty="0" smtClean="0"/>
-              <a:t>m in </a:t>
-            </a:r>
-            <a:r>
-              <a:rPr lang="en-US" sz="2000" dirty="0" smtClean="0"/>
-              <a:t>D105B</a:t>
-            </a:r>
-          </a:p>
-          <a:p>
-            <a:pPr marL="1657350" lvl="2" indent="-742950">
-              <a:buFont typeface="Arial" panose="020B0604020202020204" pitchFamily="34" charset="0"/>
-              <a:buChar char="•"/>
-            </a:pPr>
-            <a:r>
-              <a:rPr lang="en-US" sz="2500" dirty="0" smtClean="0"/>
-              <a:t>Videos will be provided for each session</a:t>
-            </a:r>
-            <a:endParaRPr lang="en-US" sz="2500" dirty="0" smtClean="0"/>
-          </a:p>
-        </p:txBody>
-      </p:sp>
-    </p:spTree>
-    <p:extLst>
-      <p:ext uri="{BB962C8B-B14F-4D97-AF65-F5344CB8AC3E}">
-        <p14:creationId xmlns:p14="http://schemas.microsoft.com/office/powerpoint/2010/main" val="3191101775"/>
-      </p:ext>
-    </p:extLst>
-  </p:cSld>
-  <p:clrMapOvr>
-    <a:masterClrMapping/>
-  </p:clrMapOvr>
-  <p:timing>
-    <p:tnLst>
-      <p:par>
-        <p:cTn id="1" dur="indefinite" restart="never" nodeType="tmRoot"/>
-      </p:par>
-    </p:tnLst>
-  </p:timing>
-</p:sld>
-</file>
-
-<file path=ppt/slides/slide5.xml><?xml version="1.0" encoding="utf-8"?>
-<p:sld xmlns:a="http://schemas.openxmlformats.org/drawingml/2006/main" xmlns:r="http://schemas.openxmlformats.org/officeDocument/2006/relationships" xmlns:p="http://schemas.openxmlformats.org/presentationml/2006/main">
-  <p:cSld>
-    <p:bg>
-      <p:bgPr>
-        <a:solidFill>
-          <a:schemeClr val="accent5">
-            <a:lumMod val="60000"/>
-            <a:lumOff val="40000"/>
-          </a:schemeClr>
-        </a:solidFill>
-        <a:effectLst/>
-      </p:bgPr>
-    </p:bg>
-    <p:spTree>
-      <p:nvGrpSpPr>
-        <p:cNvPr id="1" name=""/>
-        <p:cNvGrpSpPr/>
-        <p:nvPr/>
-      </p:nvGrpSpPr>
-      <p:grpSpPr>
-        <a:xfrm>
-          <a:off x="0" y="0"/>
-          <a:ext cx="0" cy="0"/>
-          <a:chOff x="0" y="0"/>
-          <a:chExt cx="0" cy="0"/>
-        </a:xfrm>
-      </p:grpSpPr>
-      <p:sp>
-        <p:nvSpPr>
-          <p:cNvPr id="5" name="Rectangle 4"/>
-          <p:cNvSpPr/>
-          <p:nvPr/>
-        </p:nvSpPr>
-        <p:spPr>
-          <a:xfrm>
-            <a:off x="6096" y="6096"/>
             <a:ext cx="9144000" cy="1223412"/>
           </a:xfrm>
           <a:prstGeom prst="rect">
@@ -12554,7 +14286,7 @@
           <p:nvPr>
             <p:extLst>
               <p:ext uri="{D42A27DB-BD31-4B8C-83A1-F6EECF244321}">
-                <p14:modId xmlns:p14="http://schemas.microsoft.com/office/powerpoint/2010/main" val="1165986591"/>
+                <p14:modId xmlns:p14="http://schemas.microsoft.com/office/powerpoint/2010/main" val="1990362442"/>
               </p:ext>
             </p:extLst>
           </p:nvPr>
@@ -12573,28 +14305,28 @@
                 <a:gridCol w="968944">
                   <a:extLst>
                     <a:ext uri="{9D8B030D-6E8A-4147-A177-3AD203B41FA5}">
-                      <a16:colId xmlns:a16="http://schemas.microsoft.com/office/drawing/2014/main" xmlns="" val="2816816517"/>
+                      <a16:colId xmlns="" xmlns:a16="http://schemas.microsoft.com/office/drawing/2014/main" val="2816816517"/>
                     </a:ext>
                   </a:extLst>
                 </a:gridCol>
                 <a:gridCol w="1884347">
                   <a:extLst>
                     <a:ext uri="{9D8B030D-6E8A-4147-A177-3AD203B41FA5}">
-                      <a16:colId xmlns:a16="http://schemas.microsoft.com/office/drawing/2014/main" xmlns="" val="2082632600"/>
+                      <a16:colId xmlns="" xmlns:a16="http://schemas.microsoft.com/office/drawing/2014/main" val="2082632600"/>
                     </a:ext>
                   </a:extLst>
                 </a:gridCol>
                 <a:gridCol w="2434453">
                   <a:extLst>
                     <a:ext uri="{9D8B030D-6E8A-4147-A177-3AD203B41FA5}">
-                      <a16:colId xmlns:a16="http://schemas.microsoft.com/office/drawing/2014/main" xmlns="" val="1705333090"/>
+                      <a16:colId xmlns="" xmlns:a16="http://schemas.microsoft.com/office/drawing/2014/main" val="1705333090"/>
                     </a:ext>
                   </a:extLst>
                 </a:gridCol>
                 <a:gridCol w="2493177">
                   <a:extLst>
                     <a:ext uri="{9D8B030D-6E8A-4147-A177-3AD203B41FA5}">
-                      <a16:colId xmlns:a16="http://schemas.microsoft.com/office/drawing/2014/main" xmlns="" val="1002004627"/>
+                      <a16:colId xmlns="" xmlns:a16="http://schemas.microsoft.com/office/drawing/2014/main" val="1002004627"/>
                     </a:ext>
                   </a:extLst>
                 </a:gridCol>
@@ -12706,7 +14438,7 @@
                 </a:tc>
                 <a:extLst>
                   <a:ext uri="{0D108BD9-81ED-4DB2-BD59-A6C34878D82A}">
-                    <a16:rowId xmlns:a16="http://schemas.microsoft.com/office/drawing/2014/main" xmlns="" val="1459288414"/>
+                    <a16:rowId xmlns="" xmlns:a16="http://schemas.microsoft.com/office/drawing/2014/main" val="1459288414"/>
                   </a:ext>
                 </a:extLst>
               </a:tr>
@@ -12817,7 +14549,7 @@
                 </a:tc>
                 <a:extLst>
                   <a:ext uri="{0D108BD9-81ED-4DB2-BD59-A6C34878D82A}">
-                    <a16:rowId xmlns:a16="http://schemas.microsoft.com/office/drawing/2014/main" xmlns="" val="200150096"/>
+                    <a16:rowId xmlns="" xmlns:a16="http://schemas.microsoft.com/office/drawing/2014/main" val="200150096"/>
                   </a:ext>
                 </a:extLst>
               </a:tr>
@@ -12928,7 +14660,7 @@
                 </a:tc>
                 <a:extLst>
                   <a:ext uri="{0D108BD9-81ED-4DB2-BD59-A6C34878D82A}">
-                    <a16:rowId xmlns:a16="http://schemas.microsoft.com/office/drawing/2014/main" xmlns="" val="1203425802"/>
+                    <a16:rowId xmlns="" xmlns:a16="http://schemas.microsoft.com/office/drawing/2014/main" val="1203425802"/>
                   </a:ext>
                 </a:extLst>
               </a:tr>
@@ -13005,8 +14737,11 @@
                         <a:rPr lang="en-AU" sz="1500" dirty="0" smtClean="0">
                           <a:effectLst/>
                         </a:rPr>
-                        <a:t>Lists 1</a:t>
+                        <a:t>Lists</a:t>
                       </a:r>
+                      <a:endParaRPr lang="en-AU" sz="1500" dirty="0" smtClean="0">
+                        <a:effectLst/>
+                      </a:endParaRPr>
                     </a:p>
                   </a:txBody>
                   <a:tcPr marL="93268" marR="93268" marT="0" marB="0"/>
@@ -13033,7 +14768,7 @@
                 </a:tc>
                 <a:extLst>
                   <a:ext uri="{0D108BD9-81ED-4DB2-BD59-A6C34878D82A}">
-                    <a16:rowId xmlns:a16="http://schemas.microsoft.com/office/drawing/2014/main" xmlns="" val="2553359360"/>
+                    <a16:rowId xmlns="" xmlns:a16="http://schemas.microsoft.com/office/drawing/2014/main" val="2553359360"/>
                   </a:ext>
                 </a:extLst>
               </a:tr>
@@ -13144,7 +14879,7 @@
                 </a:tc>
                 <a:extLst>
                   <a:ext uri="{0D108BD9-81ED-4DB2-BD59-A6C34878D82A}">
-                    <a16:rowId xmlns:a16="http://schemas.microsoft.com/office/drawing/2014/main" xmlns="" val="2819461663"/>
+                    <a16:rowId xmlns="" xmlns:a16="http://schemas.microsoft.com/office/drawing/2014/main" val="2819461663"/>
                   </a:ext>
                 </a:extLst>
               </a:tr>
@@ -13255,7 +14990,7 @@
                 </a:tc>
                 <a:extLst>
                   <a:ext uri="{0D108BD9-81ED-4DB2-BD59-A6C34878D82A}">
-                    <a16:rowId xmlns:a16="http://schemas.microsoft.com/office/drawing/2014/main" xmlns="" val="2796892357"/>
+                    <a16:rowId xmlns="" xmlns:a16="http://schemas.microsoft.com/office/drawing/2014/main" val="2796892357"/>
                   </a:ext>
                 </a:extLst>
               </a:tr>
@@ -13372,7 +15107,7 @@
                 </a:tc>
                 <a:extLst>
                   <a:ext uri="{0D108BD9-81ED-4DB2-BD59-A6C34878D82A}">
-                    <a16:rowId xmlns:a16="http://schemas.microsoft.com/office/drawing/2014/main" xmlns="" val="1603786101"/>
+                    <a16:rowId xmlns="" xmlns:a16="http://schemas.microsoft.com/office/drawing/2014/main" val="1603786101"/>
                   </a:ext>
                 </a:extLst>
               </a:tr>
@@ -13483,7 +15218,7 @@
                 </a:tc>
                 <a:extLst>
                   <a:ext uri="{0D108BD9-81ED-4DB2-BD59-A6C34878D82A}">
-                    <a16:rowId xmlns:a16="http://schemas.microsoft.com/office/drawing/2014/main" xmlns="" val="3005815023"/>
+                    <a16:rowId xmlns="" xmlns:a16="http://schemas.microsoft.com/office/drawing/2014/main" val="3005815023"/>
                   </a:ext>
                 </a:extLst>
               </a:tr>
@@ -13594,7 +15329,7 @@
                 </a:tc>
                 <a:extLst>
                   <a:ext uri="{0D108BD9-81ED-4DB2-BD59-A6C34878D82A}">
-                    <a16:rowId xmlns:a16="http://schemas.microsoft.com/office/drawing/2014/main" xmlns="" val="1623960316"/>
+                    <a16:rowId xmlns="" xmlns:a16="http://schemas.microsoft.com/office/drawing/2014/main" val="1623960316"/>
                   </a:ext>
                 </a:extLst>
               </a:tr>
@@ -13705,7 +15440,7 @@
                 </a:tc>
                 <a:extLst>
                   <a:ext uri="{0D108BD9-81ED-4DB2-BD59-A6C34878D82A}">
-                    <a16:rowId xmlns:a16="http://schemas.microsoft.com/office/drawing/2014/main" xmlns="" val="454624050"/>
+                    <a16:rowId xmlns="" xmlns:a16="http://schemas.microsoft.com/office/drawing/2014/main" val="454624050"/>
                   </a:ext>
                 </a:extLst>
               </a:tr>
@@ -13816,7 +15551,7 @@
                 </a:tc>
                 <a:extLst>
                   <a:ext uri="{0D108BD9-81ED-4DB2-BD59-A6C34878D82A}">
-                    <a16:rowId xmlns:a16="http://schemas.microsoft.com/office/drawing/2014/main" xmlns="" val="905322406"/>
+                    <a16:rowId xmlns="" xmlns:a16="http://schemas.microsoft.com/office/drawing/2014/main" val="905322406"/>
                   </a:ext>
                 </a:extLst>
               </a:tr>
@@ -13927,7 +15662,7 @@
                 </a:tc>
                 <a:extLst>
                   <a:ext uri="{0D108BD9-81ED-4DB2-BD59-A6C34878D82A}">
-                    <a16:rowId xmlns:a16="http://schemas.microsoft.com/office/drawing/2014/main" xmlns="" val="331737331"/>
+                    <a16:rowId xmlns="" xmlns:a16="http://schemas.microsoft.com/office/drawing/2014/main" val="331737331"/>
                   </a:ext>
                 </a:extLst>
               </a:tr>
@@ -14038,7 +15773,7 @@
                 </a:tc>
                 <a:extLst>
                   <a:ext uri="{0D108BD9-81ED-4DB2-BD59-A6C34878D82A}">
-                    <a16:rowId xmlns:a16="http://schemas.microsoft.com/office/drawing/2014/main" xmlns="" val="1295383036"/>
+                    <a16:rowId xmlns="" xmlns:a16="http://schemas.microsoft.com/office/drawing/2014/main" val="1295383036"/>
                   </a:ext>
                 </a:extLst>
               </a:tr>
@@ -14149,7 +15884,7 @@
                 </a:tc>
                 <a:extLst>
                   <a:ext uri="{0D108BD9-81ED-4DB2-BD59-A6C34878D82A}">
-                    <a16:rowId xmlns:a16="http://schemas.microsoft.com/office/drawing/2014/main" xmlns="" val="932526337"/>
+                    <a16:rowId xmlns="" xmlns:a16="http://schemas.microsoft.com/office/drawing/2014/main" val="932526337"/>
                   </a:ext>
                 </a:extLst>
               </a:tr>
@@ -14260,7 +15995,7 @@
                 </a:tc>
                 <a:extLst>
                   <a:ext uri="{0D108BD9-81ED-4DB2-BD59-A6C34878D82A}">
-                    <a16:rowId xmlns:a16="http://schemas.microsoft.com/office/drawing/2014/main" xmlns="" val="3814481976"/>
+                    <a16:rowId xmlns="" xmlns:a16="http://schemas.microsoft.com/office/drawing/2014/main" val="3814481976"/>
                   </a:ext>
                 </a:extLst>
               </a:tr>
@@ -14371,7 +16106,7 @@
                 </a:tc>
                 <a:extLst>
                   <a:ext uri="{0D108BD9-81ED-4DB2-BD59-A6C34878D82A}">
-                    <a16:rowId xmlns:a16="http://schemas.microsoft.com/office/drawing/2014/main" xmlns="" val="3831280871"/>
+                    <a16:rowId xmlns="" xmlns:a16="http://schemas.microsoft.com/office/drawing/2014/main" val="3831280871"/>
                   </a:ext>
                 </a:extLst>
               </a:tr>
@@ -14482,7 +16217,7 @@
                 </a:tc>
                 <a:extLst>
                   <a:ext uri="{0D108BD9-81ED-4DB2-BD59-A6C34878D82A}">
-                    <a16:rowId xmlns:a16="http://schemas.microsoft.com/office/drawing/2014/main" xmlns="" val="144360989"/>
+                    <a16:rowId xmlns="" xmlns:a16="http://schemas.microsoft.com/office/drawing/2014/main" val="144360989"/>
                   </a:ext>
                 </a:extLst>
               </a:tr>
@@ -14510,7 +16245,7 @@
 </p:sld>
 </file>
 
-<file path=ppt/slides/slide6.xml><?xml version="1.0" encoding="utf-8"?>
+<file path=ppt/slides/slide5.xml><?xml version="1.0" encoding="utf-8"?>
 <p:sld xmlns:a="http://schemas.openxmlformats.org/drawingml/2006/main" xmlns:r="http://schemas.openxmlformats.org/officeDocument/2006/relationships" xmlns:p="http://schemas.openxmlformats.org/presentationml/2006/main">
   <p:cSld>
     <p:bg>
@@ -14601,21 +16336,21 @@
                 <a:gridCol w="2926410">
                   <a:extLst>
                     <a:ext uri="{9D8B030D-6E8A-4147-A177-3AD203B41FA5}">
-                      <a16:colId xmlns:a16="http://schemas.microsoft.com/office/drawing/2014/main" xmlns="" val="1878650380"/>
+                      <a16:colId xmlns="" xmlns:a16="http://schemas.microsoft.com/office/drawing/2014/main" val="1878650380"/>
                     </a:ext>
                   </a:extLst>
                 </a:gridCol>
                 <a:gridCol w="2024242">
                   <a:extLst>
                     <a:ext uri="{9D8B030D-6E8A-4147-A177-3AD203B41FA5}">
-                      <a16:colId xmlns:a16="http://schemas.microsoft.com/office/drawing/2014/main" xmlns="" val="3514817832"/>
+                      <a16:colId xmlns="" xmlns:a16="http://schemas.microsoft.com/office/drawing/2014/main" val="3514817832"/>
                     </a:ext>
                   </a:extLst>
                 </a:gridCol>
                 <a:gridCol w="3516578">
                   <a:extLst>
                     <a:ext uri="{9D8B030D-6E8A-4147-A177-3AD203B41FA5}">
-                      <a16:colId xmlns:a16="http://schemas.microsoft.com/office/drawing/2014/main" xmlns="" val="1918102830"/>
+                      <a16:colId xmlns="" xmlns:a16="http://schemas.microsoft.com/office/drawing/2014/main" val="1918102830"/>
                     </a:ext>
                   </a:extLst>
                 </a:gridCol>
@@ -14701,7 +16436,7 @@
                 </a:tc>
                 <a:extLst>
                   <a:ext uri="{0D108BD9-81ED-4DB2-BD59-A6C34878D82A}">
-                    <a16:rowId xmlns:a16="http://schemas.microsoft.com/office/drawing/2014/main" xmlns="" val="3083959343"/>
+                    <a16:rowId xmlns="" xmlns:a16="http://schemas.microsoft.com/office/drawing/2014/main" val="3083959343"/>
                   </a:ext>
                 </a:extLst>
               </a:tr>
@@ -14786,7 +16521,7 @@
                 </a:tc>
                 <a:extLst>
                   <a:ext uri="{0D108BD9-81ED-4DB2-BD59-A6C34878D82A}">
-                    <a16:rowId xmlns:a16="http://schemas.microsoft.com/office/drawing/2014/main" xmlns="" val="324899849"/>
+                    <a16:rowId xmlns="" xmlns:a16="http://schemas.microsoft.com/office/drawing/2014/main" val="324899849"/>
                   </a:ext>
                 </a:extLst>
               </a:tr>
@@ -14883,7 +16618,7 @@
                 </a:tc>
                 <a:extLst>
                   <a:ext uri="{0D108BD9-81ED-4DB2-BD59-A6C34878D82A}">
-                    <a16:rowId xmlns:a16="http://schemas.microsoft.com/office/drawing/2014/main" xmlns="" val="1715622986"/>
+                    <a16:rowId xmlns="" xmlns:a16="http://schemas.microsoft.com/office/drawing/2014/main" val="1715622986"/>
                   </a:ext>
                 </a:extLst>
               </a:tr>
@@ -14980,7 +16715,7 @@
                 </a:tc>
                 <a:extLst>
                   <a:ext uri="{0D108BD9-81ED-4DB2-BD59-A6C34878D82A}">
-                    <a16:rowId xmlns:a16="http://schemas.microsoft.com/office/drawing/2014/main" xmlns="" val="2107937398"/>
+                    <a16:rowId xmlns="" xmlns:a16="http://schemas.microsoft.com/office/drawing/2014/main" val="2107937398"/>
                   </a:ext>
                 </a:extLst>
               </a:tr>
@@ -15083,7 +16818,7 @@
                 </a:tc>
                 <a:extLst>
                   <a:ext uri="{0D108BD9-81ED-4DB2-BD59-A6C34878D82A}">
-                    <a16:rowId xmlns:a16="http://schemas.microsoft.com/office/drawing/2014/main" xmlns="" val="77502295"/>
+                    <a16:rowId xmlns="" xmlns:a16="http://schemas.microsoft.com/office/drawing/2014/main" val="77502295"/>
                   </a:ext>
                 </a:extLst>
               </a:tr>
@@ -15095,6 +16830,173 @@
     <p:extLst>
       <p:ext uri="{BB962C8B-B14F-4D97-AF65-F5344CB8AC3E}">
         <p14:creationId xmlns:p14="http://schemas.microsoft.com/office/powerpoint/2010/main" val="3983487370"/>
+      </p:ext>
+    </p:extLst>
+  </p:cSld>
+  <p:clrMapOvr>
+    <a:masterClrMapping/>
+  </p:clrMapOvr>
+  <p:timing>
+    <p:tnLst>
+      <p:par>
+        <p:cTn id="1" dur="indefinite" restart="never" nodeType="tmRoot"/>
+      </p:par>
+    </p:tnLst>
+  </p:timing>
+</p:sld>
+</file>
+
+<file path=ppt/slides/slide6.xml><?xml version="1.0" encoding="utf-8"?>
+<p:sld xmlns:a="http://schemas.openxmlformats.org/drawingml/2006/main" xmlns:r="http://schemas.openxmlformats.org/officeDocument/2006/relationships" xmlns:p="http://schemas.openxmlformats.org/presentationml/2006/main">
+  <p:cSld>
+    <p:bg>
+      <p:bgPr>
+        <a:solidFill>
+          <a:schemeClr val="accent5">
+            <a:lumMod val="60000"/>
+            <a:lumOff val="40000"/>
+          </a:schemeClr>
+        </a:solidFill>
+        <a:effectLst/>
+      </p:bgPr>
+    </p:bg>
+    <p:spTree>
+      <p:nvGrpSpPr>
+        <p:cNvPr id="1" name=""/>
+        <p:cNvGrpSpPr/>
+        <p:nvPr/>
+      </p:nvGrpSpPr>
+      <p:grpSpPr>
+        <a:xfrm>
+          <a:off x="0" y="0"/>
+          <a:ext cx="0" cy="0"/>
+          <a:chOff x="0" y="0"/>
+          <a:chExt cx="0" cy="0"/>
+        </a:xfrm>
+      </p:grpSpPr>
+      <p:sp>
+        <p:nvSpPr>
+          <p:cNvPr id="5" name="Rectangle 4"/>
+          <p:cNvSpPr/>
+          <p:nvPr/>
+        </p:nvSpPr>
+        <p:spPr>
+          <a:xfrm>
+            <a:off x="6096" y="6096"/>
+            <a:ext cx="9144000" cy="4762842"/>
+          </a:xfrm>
+          <a:prstGeom prst="rect">
+            <a:avLst/>
+          </a:prstGeom>
+          <a:noFill/>
+        </p:spPr>
+        <p:txBody>
+          <a:bodyPr wrap="square" lIns="68580" tIns="34290" rIns="68580" bIns="34290">
+            <a:spAutoFit/>
+          </a:bodyPr>
+          <a:lstStyle/>
+          <a:p>
+            <a:pPr algn="ctr"/>
+            <a:endParaRPr lang="en-US" sz="4000" b="1" dirty="0" smtClean="0"/>
+          </a:p>
+          <a:p>
+            <a:pPr lvl="1"/>
+            <a:r>
+              <a:rPr lang="en-US" sz="3500" b="1" dirty="0" smtClean="0"/>
+              <a:t>Goals</a:t>
+            </a:r>
+          </a:p>
+          <a:p>
+            <a:pPr lvl="1"/>
+            <a:endParaRPr lang="en-US" sz="2500" dirty="0" smtClean="0"/>
+          </a:p>
+          <a:p>
+            <a:pPr marL="1657350" lvl="2" indent="-742950">
+              <a:buFont typeface="Arial" panose="020B0604020202020204" pitchFamily="34" charset="0"/>
+              <a:buChar char="•"/>
+            </a:pPr>
+            <a:r>
+              <a:rPr lang="en-US" sz="2500" dirty="0" smtClean="0"/>
+              <a:t>Learn how to design and build increasingly </a:t>
+            </a:r>
+          </a:p>
+          <a:p>
+            <a:pPr lvl="2"/>
+            <a:r>
+              <a:rPr lang="en-US" sz="2500" dirty="0"/>
+              <a:t>	</a:t>
+            </a:r>
+            <a:r>
+              <a:rPr lang="en-US" sz="2500" dirty="0" smtClean="0"/>
+              <a:t>complex OO architectures</a:t>
+            </a:r>
+          </a:p>
+          <a:p>
+            <a:pPr marL="1657350" lvl="2" indent="-742950">
+              <a:buFont typeface="Arial" panose="020B0604020202020204" pitchFamily="34" charset="0"/>
+              <a:buChar char="•"/>
+            </a:pPr>
+            <a:r>
+              <a:rPr lang="en-US" sz="2500" dirty="0" smtClean="0"/>
+              <a:t>Learn how to use more complex </a:t>
+            </a:r>
+            <a:r>
+              <a:rPr lang="en-US" sz="2500" dirty="0"/>
+              <a:t>abstract </a:t>
+            </a:r>
+            <a:r>
+              <a:rPr lang="en-US" sz="2500" dirty="0" smtClean="0"/>
+              <a:t>data </a:t>
+            </a:r>
+          </a:p>
+          <a:p>
+            <a:pPr lvl="2"/>
+            <a:r>
+              <a:rPr lang="en-US" sz="2500" dirty="0"/>
+              <a:t>	</a:t>
+            </a:r>
+            <a:r>
+              <a:rPr lang="en-US" sz="2500" dirty="0" smtClean="0"/>
+              <a:t>types and algorithms</a:t>
+            </a:r>
+          </a:p>
+          <a:p>
+            <a:pPr marL="1657350" lvl="2" indent="-742950">
+              <a:buFont typeface="Arial" panose="020B0604020202020204" pitchFamily="34" charset="0"/>
+              <a:buChar char="•"/>
+            </a:pPr>
+            <a:r>
+              <a:rPr lang="en-US" sz="2500" dirty="0" smtClean="0"/>
+              <a:t>Learn a variety of programming languages and 	paradigms</a:t>
+            </a:r>
+          </a:p>
+          <a:p>
+            <a:pPr marL="1657350" lvl="2" indent="-742950">
+              <a:buFont typeface="Arial" panose="020B0604020202020204" pitchFamily="34" charset="0"/>
+              <a:buChar char="•"/>
+            </a:pPr>
+            <a:r>
+              <a:rPr lang="en-US" sz="2500" dirty="0" smtClean="0"/>
+              <a:t>Start to think in terms of programming principles, </a:t>
+            </a:r>
+          </a:p>
+          <a:p>
+            <a:pPr lvl="3"/>
+            <a:r>
+              <a:rPr lang="en-US" sz="2500" dirty="0"/>
+              <a:t>	</a:t>
+            </a:r>
+            <a:r>
+              <a:rPr lang="en-US" sz="2500" dirty="0" smtClean="0"/>
+              <a:t>not technological specifics</a:t>
+            </a:r>
+          </a:p>
+        </p:txBody>
+      </p:sp>
+    </p:spTree>
+    <p:extLst>
+      <p:ext uri="{BB962C8B-B14F-4D97-AF65-F5344CB8AC3E}">
+        <p14:creationId xmlns:p14="http://schemas.microsoft.com/office/powerpoint/2010/main" val="2019395426"/>
       </p:ext>
     </p:extLst>
   </p:cSld>
@@ -15148,7 +17050,7 @@
         <p:spPr>
           <a:xfrm>
             <a:off x="6096" y="6096"/>
-            <a:ext cx="9144000" cy="2916183"/>
+            <a:ext cx="9144000" cy="5455340"/>
           </a:xfrm>
           <a:prstGeom prst="rect">
             <a:avLst/>
@@ -15182,7 +17084,7 @@
             </a:pPr>
             <a:r>
               <a:rPr lang="en-US" sz="2500" dirty="0" smtClean="0"/>
-              <a:t>Difference between C++ CLI and native C++:</a:t>
+              <a:t>Brief history</a:t>
             </a:r>
           </a:p>
           <a:p>
@@ -15192,8 +17094,110 @@
             </a:pPr>
             <a:r>
               <a:rPr lang="en-US" sz="2000" dirty="0" smtClean="0"/>
-              <a:t>Managed</a:t>
-            </a:r>
+              <a:t>Developed Bjarne Stroustrup</a:t>
+            </a:r>
+          </a:p>
+          <a:p>
+            <a:pPr marL="2114550" lvl="3" indent="-742950">
+              <a:buFont typeface="Arial" panose="020B0604020202020204" pitchFamily="34" charset="0"/>
+              <a:buChar char="•"/>
+            </a:pPr>
+            <a:r>
+              <a:rPr lang="en-US" sz="2000" dirty="0" smtClean="0"/>
+              <a:t>Originally</a:t>
+            </a:r>
+            <a:r>
+              <a:rPr lang="en-US" sz="2000" dirty="0" smtClean="0"/>
+              <a:t> called C with classes</a:t>
+            </a:r>
+          </a:p>
+          <a:p>
+            <a:pPr marL="2114550" lvl="3" indent="-742950">
+              <a:buFont typeface="Arial" panose="020B0604020202020204" pitchFamily="34" charset="0"/>
+              <a:buChar char="•"/>
+            </a:pPr>
+            <a:r>
+              <a:rPr lang="en-US" sz="2000" dirty="0" smtClean="0"/>
+              <a:t>Renamed C++ in 1983</a:t>
+            </a:r>
+          </a:p>
+          <a:p>
+            <a:pPr marL="2114550" lvl="3" indent="-742950">
+              <a:buFont typeface="Arial" panose="020B0604020202020204" pitchFamily="34" charset="0"/>
+              <a:buChar char="•"/>
+            </a:pPr>
+            <a:r>
+              <a:rPr lang="en-US" sz="2000" dirty="0" smtClean="0"/>
+              <a:t>Interchangeable with C</a:t>
+            </a:r>
+          </a:p>
+          <a:p>
+            <a:pPr marL="2114550" lvl="3" indent="-742950">
+              <a:buFont typeface="Arial" panose="020B0604020202020204" pitchFamily="34" charset="0"/>
+              <a:buChar char="•"/>
+            </a:pPr>
+            <a:r>
+              <a:rPr lang="en-US" sz="2000" dirty="0" smtClean="0"/>
+              <a:t>Includes main OO features</a:t>
+            </a:r>
+            <a:endParaRPr lang="en-US" sz="2000" dirty="0" smtClean="0"/>
+          </a:p>
+          <a:p>
+            <a:pPr marL="1657350" lvl="2" indent="-742950">
+              <a:buFont typeface="Arial" panose="020B0604020202020204" pitchFamily="34" charset="0"/>
+              <a:buChar char="•"/>
+            </a:pPr>
+            <a:r>
+              <a:rPr lang="en-US" sz="2500" dirty="0" smtClean="0"/>
+              <a:t>Difference between C++ CLI and native C++:</a:t>
+            </a:r>
+          </a:p>
+          <a:p>
+            <a:pPr marL="2114550" lvl="3" indent="-742950">
+              <a:buFont typeface="Arial" panose="020B0604020202020204" pitchFamily="34" charset="0"/>
+              <a:buChar char="•"/>
+            </a:pPr>
+            <a:r>
+              <a:rPr lang="en-US" sz="2000" dirty="0" smtClean="0"/>
+              <a:t>Managed and unmanaged</a:t>
+            </a:r>
+          </a:p>
+          <a:p>
+            <a:pPr marL="2114550" lvl="3" indent="-742950">
+              <a:buFont typeface="Arial" panose="020B0604020202020204" pitchFamily="34" charset="0"/>
+              <a:buChar char="•"/>
+            </a:pPr>
+            <a:r>
+              <a:rPr lang="en-US" sz="2000" dirty="0" smtClean="0"/>
+              <a:t>Managed </a:t>
+            </a:r>
+            <a:r>
+              <a:rPr lang="mr-IN" sz="2000" dirty="0" smtClean="0"/>
+              <a:t>–</a:t>
+            </a:r>
+            <a:r>
+              <a:rPr lang="en-US" sz="2000" dirty="0" smtClean="0"/>
+              <a:t> compiled to an intermediate format</a:t>
+            </a:r>
+          </a:p>
+          <a:p>
+            <a:pPr marL="2114550" lvl="3" indent="-742950">
+              <a:buFont typeface="Arial" panose="020B0604020202020204" pitchFamily="34" charset="0"/>
+              <a:buChar char="•"/>
+            </a:pPr>
+            <a:r>
+              <a:rPr lang="en-US" sz="2000" dirty="0" smtClean="0"/>
+              <a:t>Unmanaged </a:t>
+            </a:r>
+            <a:r>
+              <a:rPr lang="mr-IN" sz="2000" dirty="0" smtClean="0"/>
+              <a:t>–</a:t>
+            </a:r>
+            <a:r>
+              <a:rPr lang="en-US" sz="2000" dirty="0" smtClean="0"/>
+              <a:t> compiled to  machine exe binary</a:t>
+            </a:r>
+            <a:endParaRPr lang="en-US" sz="2000" dirty="0" smtClean="0"/>
           </a:p>
           <a:p>
             <a:pPr marL="2114550" lvl="3" indent="-742950">

--- a/Programming 4/01.1 Intro to C++ CLI/01.1 Intro to C++ CLI.pptx
+++ b/Programming 4/01.1 Intro to C++ CLI/01.1 Intro to C++ CLI.pptx
@@ -243,7 +243,7 @@
           <a:p>
             <a:fld id="{1F2964D9-9A2E-4F10-B864-D3ADDA7AC871}" type="datetimeFigureOut">
               <a:rPr lang="en-NZ" smtClean="0"/>
-              <a:t>23/07/19</a:t>
+              <a:t>28/07/19</a:t>
             </a:fld>
             <a:endParaRPr lang="en-NZ"/>
           </a:p>
@@ -1063,11 +1063,7 @@
             </a:pPr>
             <a:r>
               <a:rPr lang="en-NZ" dirty="0" smtClean="0"/>
-              <a:t>a </a:t>
-            </a:r>
-            <a:r>
-              <a:rPr lang="en-NZ" dirty="0" smtClean="0"/>
-              <a:t>= b++</a:t>
+              <a:t>a = b++</a:t>
             </a:r>
           </a:p>
           <a:p>
@@ -1116,13 +1112,8 @@
             </a:r>
             <a:r>
               <a:rPr lang="en-NZ" baseline="0" dirty="0" smtClean="0"/>
-              <a:t> </a:t>
-            </a:r>
-            <a:r>
-              <a:rPr lang="en-NZ" baseline="0" dirty="0" smtClean="0"/>
-              <a:t>1 + 1</a:t>
-            </a:r>
-            <a:endParaRPr lang="en-NZ" baseline="0" dirty="0" smtClean="0"/>
+              <a:t> 1 + 1</a:t>
+            </a:r>
           </a:p>
           <a:p>
             <a:pPr marL="628650" lvl="1" indent="-171450">
@@ -5358,7 +5349,7 @@
           <a:p>
             <a:fld id="{F8166F1F-CE9B-4651-A6AA-CD717754106B}" type="datetimeFigureOut">
               <a:rPr lang="en-US" smtClean="0"/>
-              <a:t>7/23/19</a:t>
+              <a:t>7/28/19</a:t>
             </a:fld>
             <a:endParaRPr lang="en-US"/>
           </a:p>
@@ -5523,7 +5514,7 @@
           <a:p>
             <a:fld id="{A76116CE-C4A3-4A05-B2D7-7C2E9A889C0F}" type="datetimeFigureOut">
               <a:rPr lang="en-US" smtClean="0"/>
-              <a:t>7/23/19</a:t>
+              <a:t>7/28/19</a:t>
             </a:fld>
             <a:endParaRPr lang="en-US"/>
           </a:p>
@@ -5698,7 +5689,7 @@
           <a:p>
             <a:fld id="{A76116CE-C4A3-4A05-B2D7-7C2E9A889C0F}" type="datetimeFigureOut">
               <a:rPr lang="en-US" smtClean="0"/>
-              <a:t>7/23/19</a:t>
+              <a:t>7/28/19</a:t>
             </a:fld>
             <a:endParaRPr lang="en-US"/>
           </a:p>
@@ -5865,7 +5856,7 @@
           <a:p>
             <a:fld id="{A76116CE-C4A3-4A05-B2D7-7C2E9A889C0F}" type="datetimeFigureOut">
               <a:rPr lang="en-US" smtClean="0"/>
-              <a:t>7/23/19</a:t>
+              <a:t>7/28/19</a:t>
             </a:fld>
             <a:endParaRPr lang="en-US"/>
           </a:p>
@@ -6106,7 +6097,7 @@
           <a:p>
             <a:fld id="{A76116CE-C4A3-4A05-B2D7-7C2E9A889C0F}" type="datetimeFigureOut">
               <a:rPr lang="en-US" smtClean="0"/>
-              <a:t>7/23/19</a:t>
+              <a:t>7/28/19</a:t>
             </a:fld>
             <a:endParaRPr lang="en-US"/>
           </a:p>
@@ -6389,7 +6380,7 @@
           <a:p>
             <a:fld id="{A76116CE-C4A3-4A05-B2D7-7C2E9A889C0F}" type="datetimeFigureOut">
               <a:rPr lang="en-US" smtClean="0"/>
-              <a:t>7/23/19</a:t>
+              <a:t>7/28/19</a:t>
             </a:fld>
             <a:endParaRPr lang="en-US"/>
           </a:p>
@@ -6806,7 +6797,7 @@
           <a:p>
             <a:fld id="{A76116CE-C4A3-4A05-B2D7-7C2E9A889C0F}" type="datetimeFigureOut">
               <a:rPr lang="en-US" smtClean="0"/>
-              <a:t>7/23/19</a:t>
+              <a:t>7/28/19</a:t>
             </a:fld>
             <a:endParaRPr lang="en-US"/>
           </a:p>
@@ -6919,7 +6910,7 @@
           <a:p>
             <a:fld id="{A76116CE-C4A3-4A05-B2D7-7C2E9A889C0F}" type="datetimeFigureOut">
               <a:rPr lang="en-US" smtClean="0"/>
-              <a:t>7/23/19</a:t>
+              <a:t>7/28/19</a:t>
             </a:fld>
             <a:endParaRPr lang="en-US"/>
           </a:p>
@@ -7009,7 +7000,7 @@
           <a:p>
             <a:fld id="{A76116CE-C4A3-4A05-B2D7-7C2E9A889C0F}" type="datetimeFigureOut">
               <a:rPr lang="en-US" smtClean="0"/>
-              <a:t>7/23/19</a:t>
+              <a:t>7/28/19</a:t>
             </a:fld>
             <a:endParaRPr lang="en-US"/>
           </a:p>
@@ -7281,7 +7272,7 @@
           <a:p>
             <a:fld id="{A76116CE-C4A3-4A05-B2D7-7C2E9A889C0F}" type="datetimeFigureOut">
               <a:rPr lang="en-US" smtClean="0"/>
-              <a:t>7/23/19</a:t>
+              <a:t>7/28/19</a:t>
             </a:fld>
             <a:endParaRPr lang="en-US"/>
           </a:p>
@@ -7529,7 +7520,7 @@
           <a:p>
             <a:fld id="{A76116CE-C4A3-4A05-B2D7-7C2E9A889C0F}" type="datetimeFigureOut">
               <a:rPr lang="en-US" smtClean="0"/>
-              <a:t>7/23/19</a:t>
+              <a:t>7/28/19</a:t>
             </a:fld>
             <a:endParaRPr lang="en-US"/>
           </a:p>
@@ -7737,7 +7728,7 @@
           <a:p>
             <a:fld id="{F8166F1F-CE9B-4651-A6AA-CD717754106B}" type="datetimeFigureOut">
               <a:rPr lang="en-US" smtClean="0"/>
-              <a:t>7/23/19</a:t>
+              <a:t>7/28/19</a:t>
             </a:fld>
             <a:endParaRPr lang="en-US"/>
           </a:p>
@@ -8289,14 +8280,14 @@
                 <a:gridCol w="4268047">
                   <a:extLst>
                     <a:ext uri="{9D8B030D-6E8A-4147-A177-3AD203B41FA5}">
-                      <a16:colId xmlns="" xmlns:a16="http://schemas.microsoft.com/office/drawing/2014/main" val="1878650380"/>
+                      <a16:colId xmlns:a16="http://schemas.microsoft.com/office/drawing/2014/main" xmlns="" val="1878650380"/>
                     </a:ext>
                   </a:extLst>
                 </a:gridCol>
                 <a:gridCol w="2952271">
                   <a:extLst>
                     <a:ext uri="{9D8B030D-6E8A-4147-A177-3AD203B41FA5}">
-                      <a16:colId xmlns="" xmlns:a16="http://schemas.microsoft.com/office/drawing/2014/main" val="3514817832"/>
+                      <a16:colId xmlns:a16="http://schemas.microsoft.com/office/drawing/2014/main" xmlns="" val="3514817832"/>
                     </a:ext>
                   </a:extLst>
                 </a:gridCol>
@@ -8356,7 +8347,7 @@
                 </a:tc>
                 <a:extLst>
                   <a:ext uri="{0D108BD9-81ED-4DB2-BD59-A6C34878D82A}">
-                    <a16:rowId xmlns="" xmlns:a16="http://schemas.microsoft.com/office/drawing/2014/main" val="3083959343"/>
+                    <a16:rowId xmlns:a16="http://schemas.microsoft.com/office/drawing/2014/main" xmlns="" val="3083959343"/>
                   </a:ext>
                 </a:extLst>
               </a:tr>
@@ -8415,7 +8406,7 @@
                 </a:tc>
                 <a:extLst>
                   <a:ext uri="{0D108BD9-81ED-4DB2-BD59-A6C34878D82A}">
-                    <a16:rowId xmlns="" xmlns:a16="http://schemas.microsoft.com/office/drawing/2014/main" val="324899849"/>
+                    <a16:rowId xmlns:a16="http://schemas.microsoft.com/office/drawing/2014/main" xmlns="" val="324899849"/>
                   </a:ext>
                 </a:extLst>
               </a:tr>
@@ -8474,7 +8465,7 @@
                 </a:tc>
                 <a:extLst>
                   <a:ext uri="{0D108BD9-81ED-4DB2-BD59-A6C34878D82A}">
-                    <a16:rowId xmlns="" xmlns:a16="http://schemas.microsoft.com/office/drawing/2014/main" val="1715622986"/>
+                    <a16:rowId xmlns:a16="http://schemas.microsoft.com/office/drawing/2014/main" xmlns="" val="1715622986"/>
                   </a:ext>
                 </a:extLst>
               </a:tr>
@@ -8533,7 +8524,7 @@
                 </a:tc>
                 <a:extLst>
                   <a:ext uri="{0D108BD9-81ED-4DB2-BD59-A6C34878D82A}">
-                    <a16:rowId xmlns="" xmlns:a16="http://schemas.microsoft.com/office/drawing/2014/main" val="2107937398"/>
+                    <a16:rowId xmlns:a16="http://schemas.microsoft.com/office/drawing/2014/main" xmlns="" val="2107937398"/>
                   </a:ext>
                 </a:extLst>
               </a:tr>
@@ -8592,7 +8583,7 @@
                 </a:tc>
                 <a:extLst>
                   <a:ext uri="{0D108BD9-81ED-4DB2-BD59-A6C34878D82A}">
-                    <a16:rowId xmlns="" xmlns:a16="http://schemas.microsoft.com/office/drawing/2014/main" val="77502295"/>
+                    <a16:rowId xmlns:a16="http://schemas.microsoft.com/office/drawing/2014/main" xmlns="" val="77502295"/>
                   </a:ext>
                 </a:extLst>
               </a:tr>
@@ -8908,14 +8899,14 @@
                 <a:gridCol w="4268047">
                   <a:extLst>
                     <a:ext uri="{9D8B030D-6E8A-4147-A177-3AD203B41FA5}">
-                      <a16:colId xmlns="" xmlns:a16="http://schemas.microsoft.com/office/drawing/2014/main" val="1878650380"/>
+                      <a16:colId xmlns:a16="http://schemas.microsoft.com/office/drawing/2014/main" xmlns="" val="1878650380"/>
                     </a:ext>
                   </a:extLst>
                 </a:gridCol>
                 <a:gridCol w="2952271">
                   <a:extLst>
                     <a:ext uri="{9D8B030D-6E8A-4147-A177-3AD203B41FA5}">
-                      <a16:colId xmlns="" xmlns:a16="http://schemas.microsoft.com/office/drawing/2014/main" val="3514817832"/>
+                      <a16:colId xmlns:a16="http://schemas.microsoft.com/office/drawing/2014/main" xmlns="" val="3514817832"/>
                     </a:ext>
                   </a:extLst>
                 </a:gridCol>
@@ -8978,7 +8969,7 @@
                 </a:tc>
                 <a:extLst>
                   <a:ext uri="{0D108BD9-81ED-4DB2-BD59-A6C34878D82A}">
-                    <a16:rowId xmlns="" xmlns:a16="http://schemas.microsoft.com/office/drawing/2014/main" val="3083959343"/>
+                    <a16:rowId xmlns:a16="http://schemas.microsoft.com/office/drawing/2014/main" xmlns="" val="3083959343"/>
                   </a:ext>
                 </a:extLst>
               </a:tr>
@@ -9043,7 +9034,7 @@
                 </a:tc>
                 <a:extLst>
                   <a:ext uri="{0D108BD9-81ED-4DB2-BD59-A6C34878D82A}">
-                    <a16:rowId xmlns="" xmlns:a16="http://schemas.microsoft.com/office/drawing/2014/main" val="324899849"/>
+                    <a16:rowId xmlns:a16="http://schemas.microsoft.com/office/drawing/2014/main" xmlns="" val="324899849"/>
                   </a:ext>
                 </a:extLst>
               </a:tr>
@@ -9117,7 +9108,7 @@
                 </a:tc>
                 <a:extLst>
                   <a:ext uri="{0D108BD9-81ED-4DB2-BD59-A6C34878D82A}">
-                    <a16:rowId xmlns="" xmlns:a16="http://schemas.microsoft.com/office/drawing/2014/main" val="1715622986"/>
+                    <a16:rowId xmlns:a16="http://schemas.microsoft.com/office/drawing/2014/main" xmlns="" val="1715622986"/>
                   </a:ext>
                 </a:extLst>
               </a:tr>
@@ -9191,7 +9182,7 @@
                 </a:tc>
                 <a:extLst>
                   <a:ext uri="{0D108BD9-81ED-4DB2-BD59-A6C34878D82A}">
-                    <a16:rowId xmlns="" xmlns:a16="http://schemas.microsoft.com/office/drawing/2014/main" val="77502295"/>
+                    <a16:rowId xmlns:a16="http://schemas.microsoft.com/office/drawing/2014/main" xmlns="" val="77502295"/>
                   </a:ext>
                 </a:extLst>
               </a:tr>
@@ -9560,14 +9551,14 @@
                 <a:gridCol w="4268047">
                   <a:extLst>
                     <a:ext uri="{9D8B030D-6E8A-4147-A177-3AD203B41FA5}">
-                      <a16:colId xmlns="" xmlns:a16="http://schemas.microsoft.com/office/drawing/2014/main" val="1878650380"/>
+                      <a16:colId xmlns:a16="http://schemas.microsoft.com/office/drawing/2014/main" xmlns="" val="1878650380"/>
                     </a:ext>
                   </a:extLst>
                 </a:gridCol>
                 <a:gridCol w="2952271">
                   <a:extLst>
                     <a:ext uri="{9D8B030D-6E8A-4147-A177-3AD203B41FA5}">
-                      <a16:colId xmlns="" xmlns:a16="http://schemas.microsoft.com/office/drawing/2014/main" val="3514817832"/>
+                      <a16:colId xmlns:a16="http://schemas.microsoft.com/office/drawing/2014/main" xmlns="" val="3514817832"/>
                     </a:ext>
                   </a:extLst>
                 </a:gridCol>
@@ -9633,7 +9624,7 @@
                 </a:tc>
                 <a:extLst>
                   <a:ext uri="{0D108BD9-81ED-4DB2-BD59-A6C34878D82A}">
-                    <a16:rowId xmlns="" xmlns:a16="http://schemas.microsoft.com/office/drawing/2014/main" val="3083959343"/>
+                    <a16:rowId xmlns:a16="http://schemas.microsoft.com/office/drawing/2014/main" xmlns="" val="3083959343"/>
                   </a:ext>
                 </a:extLst>
               </a:tr>
@@ -9875,7 +9866,7 @@
                 </a:tc>
                 <a:extLst>
                   <a:ext uri="{0D108BD9-81ED-4DB2-BD59-A6C34878D82A}">
-                    <a16:rowId xmlns="" xmlns:a16="http://schemas.microsoft.com/office/drawing/2014/main" val="324899849"/>
+                    <a16:rowId xmlns:a16="http://schemas.microsoft.com/office/drawing/2014/main" xmlns="" val="324899849"/>
                   </a:ext>
                 </a:extLst>
               </a:tr>
@@ -9937,7 +9928,7 @@
                 </a:tc>
                 <a:extLst>
                   <a:ext uri="{0D108BD9-81ED-4DB2-BD59-A6C34878D82A}">
-                    <a16:rowId xmlns="" xmlns:a16="http://schemas.microsoft.com/office/drawing/2014/main" val="1715622986"/>
+                    <a16:rowId xmlns:a16="http://schemas.microsoft.com/office/drawing/2014/main" xmlns="" val="1715622986"/>
                   </a:ext>
                 </a:extLst>
               </a:tr>
@@ -10024,7 +10015,6 @@
               <a:rPr lang="en-US" sz="3500" b="1" dirty="0" smtClean="0"/>
               <a:t>Arithmetic operators</a:t>
             </a:r>
-            <a:endParaRPr lang="en-US" sz="3500" b="1" dirty="0" smtClean="0"/>
           </a:p>
           <a:p>
             <a:pPr marL="1657350" lvl="2" indent="-742950">
@@ -10048,8 +10038,13 @@
             </a:r>
             <a:r>
               <a:rPr lang="en-US" sz="2500" dirty="0" smtClean="0"/>
-              <a:t> operators have different effect</a:t>
-            </a:r>
+              <a:t> operators have different </a:t>
+            </a:r>
+            <a:r>
+              <a:rPr lang="en-US" sz="2500" dirty="0" smtClean="0"/>
+              <a:t>effects</a:t>
+            </a:r>
+            <a:endParaRPr lang="en-US" sz="2500" dirty="0" smtClean="0"/>
           </a:p>
           <a:p>
             <a:pPr lvl="2"/>
@@ -10134,14 +10129,14 @@
                 <a:gridCol w="4268047">
                   <a:extLst>
                     <a:ext uri="{9D8B030D-6E8A-4147-A177-3AD203B41FA5}">
-                      <a16:colId xmlns="" xmlns:a16="http://schemas.microsoft.com/office/drawing/2014/main" val="1878650380"/>
+                      <a16:colId xmlns:a16="http://schemas.microsoft.com/office/drawing/2014/main" xmlns="" val="1878650380"/>
                     </a:ext>
                   </a:extLst>
                 </a:gridCol>
                 <a:gridCol w="2952271">
                   <a:extLst>
                     <a:ext uri="{9D8B030D-6E8A-4147-A177-3AD203B41FA5}">
-                      <a16:colId xmlns="" xmlns:a16="http://schemas.microsoft.com/office/drawing/2014/main" val="3514817832"/>
+                      <a16:colId xmlns:a16="http://schemas.microsoft.com/office/drawing/2014/main" xmlns="" val="3514817832"/>
                     </a:ext>
                   </a:extLst>
                 </a:gridCol>
@@ -10207,7 +10202,7 @@
                 </a:tc>
                 <a:extLst>
                   <a:ext uri="{0D108BD9-81ED-4DB2-BD59-A6C34878D82A}">
-                    <a16:rowId xmlns="" xmlns:a16="http://schemas.microsoft.com/office/drawing/2014/main" val="3083959343"/>
+                    <a16:rowId xmlns:a16="http://schemas.microsoft.com/office/drawing/2014/main" xmlns="" val="3083959343"/>
                   </a:ext>
                 </a:extLst>
               </a:tr>
@@ -10266,7 +10261,7 @@
                 </a:tc>
                 <a:extLst>
                   <a:ext uri="{0D108BD9-81ED-4DB2-BD59-A6C34878D82A}">
-                    <a16:rowId xmlns="" xmlns:a16="http://schemas.microsoft.com/office/drawing/2014/main" val="324899849"/>
+                    <a16:rowId xmlns:a16="http://schemas.microsoft.com/office/drawing/2014/main" xmlns="" val="324899849"/>
                   </a:ext>
                 </a:extLst>
               </a:tr>
@@ -10337,7 +10332,7 @@
                 </a:tc>
                 <a:extLst>
                   <a:ext uri="{0D108BD9-81ED-4DB2-BD59-A6C34878D82A}">
-                    <a16:rowId xmlns="" xmlns:a16="http://schemas.microsoft.com/office/drawing/2014/main" val="1715622986"/>
+                    <a16:rowId xmlns:a16="http://schemas.microsoft.com/office/drawing/2014/main" xmlns="" val="1715622986"/>
                   </a:ext>
                 </a:extLst>
               </a:tr>
@@ -14305,28 +14300,28 @@
                 <a:gridCol w="968944">
                   <a:extLst>
                     <a:ext uri="{9D8B030D-6E8A-4147-A177-3AD203B41FA5}">
-                      <a16:colId xmlns="" xmlns:a16="http://schemas.microsoft.com/office/drawing/2014/main" val="2816816517"/>
+                      <a16:colId xmlns:a16="http://schemas.microsoft.com/office/drawing/2014/main" xmlns="" val="2816816517"/>
                     </a:ext>
                   </a:extLst>
                 </a:gridCol>
                 <a:gridCol w="1884347">
                   <a:extLst>
                     <a:ext uri="{9D8B030D-6E8A-4147-A177-3AD203B41FA5}">
-                      <a16:colId xmlns="" xmlns:a16="http://schemas.microsoft.com/office/drawing/2014/main" val="2082632600"/>
+                      <a16:colId xmlns:a16="http://schemas.microsoft.com/office/drawing/2014/main" xmlns="" val="2082632600"/>
                     </a:ext>
                   </a:extLst>
                 </a:gridCol>
                 <a:gridCol w="2434453">
                   <a:extLst>
                     <a:ext uri="{9D8B030D-6E8A-4147-A177-3AD203B41FA5}">
-                      <a16:colId xmlns="" xmlns:a16="http://schemas.microsoft.com/office/drawing/2014/main" val="1705333090"/>
+                      <a16:colId xmlns:a16="http://schemas.microsoft.com/office/drawing/2014/main" xmlns="" val="1705333090"/>
                     </a:ext>
                   </a:extLst>
                 </a:gridCol>
                 <a:gridCol w="2493177">
                   <a:extLst>
                     <a:ext uri="{9D8B030D-6E8A-4147-A177-3AD203B41FA5}">
-                      <a16:colId xmlns="" xmlns:a16="http://schemas.microsoft.com/office/drawing/2014/main" val="1002004627"/>
+                      <a16:colId xmlns:a16="http://schemas.microsoft.com/office/drawing/2014/main" xmlns="" val="1002004627"/>
                     </a:ext>
                   </a:extLst>
                 </a:gridCol>
@@ -14438,7 +14433,7 @@
                 </a:tc>
                 <a:extLst>
                   <a:ext uri="{0D108BD9-81ED-4DB2-BD59-A6C34878D82A}">
-                    <a16:rowId xmlns="" xmlns:a16="http://schemas.microsoft.com/office/drawing/2014/main" val="1459288414"/>
+                    <a16:rowId xmlns:a16="http://schemas.microsoft.com/office/drawing/2014/main" xmlns="" val="1459288414"/>
                   </a:ext>
                 </a:extLst>
               </a:tr>
@@ -14549,7 +14544,7 @@
                 </a:tc>
                 <a:extLst>
                   <a:ext uri="{0D108BD9-81ED-4DB2-BD59-A6C34878D82A}">
-                    <a16:rowId xmlns="" xmlns:a16="http://schemas.microsoft.com/office/drawing/2014/main" val="200150096"/>
+                    <a16:rowId xmlns:a16="http://schemas.microsoft.com/office/drawing/2014/main" xmlns="" val="200150096"/>
                   </a:ext>
                 </a:extLst>
               </a:tr>
@@ -14660,7 +14655,7 @@
                 </a:tc>
                 <a:extLst>
                   <a:ext uri="{0D108BD9-81ED-4DB2-BD59-A6C34878D82A}">
-                    <a16:rowId xmlns="" xmlns:a16="http://schemas.microsoft.com/office/drawing/2014/main" val="1203425802"/>
+                    <a16:rowId xmlns:a16="http://schemas.microsoft.com/office/drawing/2014/main" xmlns="" val="1203425802"/>
                   </a:ext>
                 </a:extLst>
               </a:tr>
@@ -14739,9 +14734,6 @@
                         </a:rPr>
                         <a:t>Lists</a:t>
                       </a:r>
-                      <a:endParaRPr lang="en-AU" sz="1500" dirty="0" smtClean="0">
-                        <a:effectLst/>
-                      </a:endParaRPr>
                     </a:p>
                   </a:txBody>
                   <a:tcPr marL="93268" marR="93268" marT="0" marB="0"/>
@@ -14768,7 +14760,7 @@
                 </a:tc>
                 <a:extLst>
                   <a:ext uri="{0D108BD9-81ED-4DB2-BD59-A6C34878D82A}">
-                    <a16:rowId xmlns="" xmlns:a16="http://schemas.microsoft.com/office/drawing/2014/main" val="2553359360"/>
+                    <a16:rowId xmlns:a16="http://schemas.microsoft.com/office/drawing/2014/main" xmlns="" val="2553359360"/>
                   </a:ext>
                 </a:extLst>
               </a:tr>
@@ -14879,7 +14871,7 @@
                 </a:tc>
                 <a:extLst>
                   <a:ext uri="{0D108BD9-81ED-4DB2-BD59-A6C34878D82A}">
-                    <a16:rowId xmlns="" xmlns:a16="http://schemas.microsoft.com/office/drawing/2014/main" val="2819461663"/>
+                    <a16:rowId xmlns:a16="http://schemas.microsoft.com/office/drawing/2014/main" xmlns="" val="2819461663"/>
                   </a:ext>
                 </a:extLst>
               </a:tr>
@@ -14990,7 +14982,7 @@
                 </a:tc>
                 <a:extLst>
                   <a:ext uri="{0D108BD9-81ED-4DB2-BD59-A6C34878D82A}">
-                    <a16:rowId xmlns="" xmlns:a16="http://schemas.microsoft.com/office/drawing/2014/main" val="2796892357"/>
+                    <a16:rowId xmlns:a16="http://schemas.microsoft.com/office/drawing/2014/main" xmlns="" val="2796892357"/>
                   </a:ext>
                 </a:extLst>
               </a:tr>
@@ -15107,7 +15099,7 @@
                 </a:tc>
                 <a:extLst>
                   <a:ext uri="{0D108BD9-81ED-4DB2-BD59-A6C34878D82A}">
-                    <a16:rowId xmlns="" xmlns:a16="http://schemas.microsoft.com/office/drawing/2014/main" val="1603786101"/>
+                    <a16:rowId xmlns:a16="http://schemas.microsoft.com/office/drawing/2014/main" xmlns="" val="1603786101"/>
                   </a:ext>
                 </a:extLst>
               </a:tr>
@@ -15218,7 +15210,7 @@
                 </a:tc>
                 <a:extLst>
                   <a:ext uri="{0D108BD9-81ED-4DB2-BD59-A6C34878D82A}">
-                    <a16:rowId xmlns="" xmlns:a16="http://schemas.microsoft.com/office/drawing/2014/main" val="3005815023"/>
+                    <a16:rowId xmlns:a16="http://schemas.microsoft.com/office/drawing/2014/main" xmlns="" val="3005815023"/>
                   </a:ext>
                 </a:extLst>
               </a:tr>
@@ -15329,7 +15321,7 @@
                 </a:tc>
                 <a:extLst>
                   <a:ext uri="{0D108BD9-81ED-4DB2-BD59-A6C34878D82A}">
-                    <a16:rowId xmlns="" xmlns:a16="http://schemas.microsoft.com/office/drawing/2014/main" val="1623960316"/>
+                    <a16:rowId xmlns:a16="http://schemas.microsoft.com/office/drawing/2014/main" xmlns="" val="1623960316"/>
                   </a:ext>
                 </a:extLst>
               </a:tr>
@@ -15440,7 +15432,7 @@
                 </a:tc>
                 <a:extLst>
                   <a:ext uri="{0D108BD9-81ED-4DB2-BD59-A6C34878D82A}">
-                    <a16:rowId xmlns="" xmlns:a16="http://schemas.microsoft.com/office/drawing/2014/main" val="454624050"/>
+                    <a16:rowId xmlns:a16="http://schemas.microsoft.com/office/drawing/2014/main" xmlns="" val="454624050"/>
                   </a:ext>
                 </a:extLst>
               </a:tr>
@@ -15551,7 +15543,7 @@
                 </a:tc>
                 <a:extLst>
                   <a:ext uri="{0D108BD9-81ED-4DB2-BD59-A6C34878D82A}">
-                    <a16:rowId xmlns="" xmlns:a16="http://schemas.microsoft.com/office/drawing/2014/main" val="905322406"/>
+                    <a16:rowId xmlns:a16="http://schemas.microsoft.com/office/drawing/2014/main" xmlns="" val="905322406"/>
                   </a:ext>
                 </a:extLst>
               </a:tr>
@@ -15662,7 +15654,7 @@
                 </a:tc>
                 <a:extLst>
                   <a:ext uri="{0D108BD9-81ED-4DB2-BD59-A6C34878D82A}">
-                    <a16:rowId xmlns="" xmlns:a16="http://schemas.microsoft.com/office/drawing/2014/main" val="331737331"/>
+                    <a16:rowId xmlns:a16="http://schemas.microsoft.com/office/drawing/2014/main" xmlns="" val="331737331"/>
                   </a:ext>
                 </a:extLst>
               </a:tr>
@@ -15773,7 +15765,7 @@
                 </a:tc>
                 <a:extLst>
                   <a:ext uri="{0D108BD9-81ED-4DB2-BD59-A6C34878D82A}">
-                    <a16:rowId xmlns="" xmlns:a16="http://schemas.microsoft.com/office/drawing/2014/main" val="1295383036"/>
+                    <a16:rowId xmlns:a16="http://schemas.microsoft.com/office/drawing/2014/main" xmlns="" val="1295383036"/>
                   </a:ext>
                 </a:extLst>
               </a:tr>
@@ -15884,7 +15876,7 @@
                 </a:tc>
                 <a:extLst>
                   <a:ext uri="{0D108BD9-81ED-4DB2-BD59-A6C34878D82A}">
-                    <a16:rowId xmlns="" xmlns:a16="http://schemas.microsoft.com/office/drawing/2014/main" val="932526337"/>
+                    <a16:rowId xmlns:a16="http://schemas.microsoft.com/office/drawing/2014/main" xmlns="" val="932526337"/>
                   </a:ext>
                 </a:extLst>
               </a:tr>
@@ -15995,7 +15987,7 @@
                 </a:tc>
                 <a:extLst>
                   <a:ext uri="{0D108BD9-81ED-4DB2-BD59-A6C34878D82A}">
-                    <a16:rowId xmlns="" xmlns:a16="http://schemas.microsoft.com/office/drawing/2014/main" val="3814481976"/>
+                    <a16:rowId xmlns:a16="http://schemas.microsoft.com/office/drawing/2014/main" xmlns="" val="3814481976"/>
                   </a:ext>
                 </a:extLst>
               </a:tr>
@@ -16106,7 +16098,7 @@
                 </a:tc>
                 <a:extLst>
                   <a:ext uri="{0D108BD9-81ED-4DB2-BD59-A6C34878D82A}">
-                    <a16:rowId xmlns="" xmlns:a16="http://schemas.microsoft.com/office/drawing/2014/main" val="3831280871"/>
+                    <a16:rowId xmlns:a16="http://schemas.microsoft.com/office/drawing/2014/main" xmlns="" val="3831280871"/>
                   </a:ext>
                 </a:extLst>
               </a:tr>
@@ -16217,7 +16209,7 @@
                 </a:tc>
                 <a:extLst>
                   <a:ext uri="{0D108BD9-81ED-4DB2-BD59-A6C34878D82A}">
-                    <a16:rowId xmlns="" xmlns:a16="http://schemas.microsoft.com/office/drawing/2014/main" val="144360989"/>
+                    <a16:rowId xmlns:a16="http://schemas.microsoft.com/office/drawing/2014/main" xmlns="" val="144360989"/>
                   </a:ext>
                 </a:extLst>
               </a:tr>
@@ -16336,21 +16328,21 @@
                 <a:gridCol w="2926410">
                   <a:extLst>
                     <a:ext uri="{9D8B030D-6E8A-4147-A177-3AD203B41FA5}">
-                      <a16:colId xmlns="" xmlns:a16="http://schemas.microsoft.com/office/drawing/2014/main" val="1878650380"/>
+                      <a16:colId xmlns:a16="http://schemas.microsoft.com/office/drawing/2014/main" xmlns="" val="1878650380"/>
                     </a:ext>
                   </a:extLst>
                 </a:gridCol>
                 <a:gridCol w="2024242">
                   <a:extLst>
                     <a:ext uri="{9D8B030D-6E8A-4147-A177-3AD203B41FA5}">
-                      <a16:colId xmlns="" xmlns:a16="http://schemas.microsoft.com/office/drawing/2014/main" val="3514817832"/>
+                      <a16:colId xmlns:a16="http://schemas.microsoft.com/office/drawing/2014/main" xmlns="" val="3514817832"/>
                     </a:ext>
                   </a:extLst>
                 </a:gridCol>
                 <a:gridCol w="3516578">
                   <a:extLst>
                     <a:ext uri="{9D8B030D-6E8A-4147-A177-3AD203B41FA5}">
-                      <a16:colId xmlns="" xmlns:a16="http://schemas.microsoft.com/office/drawing/2014/main" val="1918102830"/>
+                      <a16:colId xmlns:a16="http://schemas.microsoft.com/office/drawing/2014/main" xmlns="" val="1918102830"/>
                     </a:ext>
                   </a:extLst>
                 </a:gridCol>
@@ -16436,7 +16428,7 @@
                 </a:tc>
                 <a:extLst>
                   <a:ext uri="{0D108BD9-81ED-4DB2-BD59-A6C34878D82A}">
-                    <a16:rowId xmlns="" xmlns:a16="http://schemas.microsoft.com/office/drawing/2014/main" val="3083959343"/>
+                    <a16:rowId xmlns:a16="http://schemas.microsoft.com/office/drawing/2014/main" xmlns="" val="3083959343"/>
                   </a:ext>
                 </a:extLst>
               </a:tr>
@@ -16521,7 +16513,7 @@
                 </a:tc>
                 <a:extLst>
                   <a:ext uri="{0D108BD9-81ED-4DB2-BD59-A6C34878D82A}">
-                    <a16:rowId xmlns="" xmlns:a16="http://schemas.microsoft.com/office/drawing/2014/main" val="324899849"/>
+                    <a16:rowId xmlns:a16="http://schemas.microsoft.com/office/drawing/2014/main" xmlns="" val="324899849"/>
                   </a:ext>
                 </a:extLst>
               </a:tr>
@@ -16618,7 +16610,7 @@
                 </a:tc>
                 <a:extLst>
                   <a:ext uri="{0D108BD9-81ED-4DB2-BD59-A6C34878D82A}">
-                    <a16:rowId xmlns="" xmlns:a16="http://schemas.microsoft.com/office/drawing/2014/main" val="1715622986"/>
+                    <a16:rowId xmlns:a16="http://schemas.microsoft.com/office/drawing/2014/main" xmlns="" val="1715622986"/>
                   </a:ext>
                 </a:extLst>
               </a:tr>
@@ -16715,7 +16707,7 @@
                 </a:tc>
                 <a:extLst>
                   <a:ext uri="{0D108BD9-81ED-4DB2-BD59-A6C34878D82A}">
-                    <a16:rowId xmlns="" xmlns:a16="http://schemas.microsoft.com/office/drawing/2014/main" val="2107937398"/>
+                    <a16:rowId xmlns:a16="http://schemas.microsoft.com/office/drawing/2014/main" xmlns="" val="2107937398"/>
                   </a:ext>
                 </a:extLst>
               </a:tr>
@@ -16818,7 +16810,7 @@
                 </a:tc>
                 <a:extLst>
                   <a:ext uri="{0D108BD9-81ED-4DB2-BD59-A6C34878D82A}">
-                    <a16:rowId xmlns="" xmlns:a16="http://schemas.microsoft.com/office/drawing/2014/main" val="77502295"/>
+                    <a16:rowId xmlns:a16="http://schemas.microsoft.com/office/drawing/2014/main" xmlns="" val="77502295"/>
                   </a:ext>
                 </a:extLst>
               </a:tr>
@@ -17104,11 +17096,7 @@
             </a:pPr>
             <a:r>
               <a:rPr lang="en-US" sz="2000" dirty="0" smtClean="0"/>
-              <a:t>Originally</a:t>
-            </a:r>
-            <a:r>
-              <a:rPr lang="en-US" sz="2000" dirty="0" smtClean="0"/>
-              <a:t> called C with classes</a:t>
+              <a:t>Originally called C with classes</a:t>
             </a:r>
           </a:p>
           <a:p>
@@ -17140,7 +17128,6 @@
               <a:rPr lang="en-US" sz="2000" dirty="0" smtClean="0"/>
               <a:t>Includes main OO features</a:t>
             </a:r>
-            <a:endParaRPr lang="en-US" sz="2000" dirty="0" smtClean="0"/>
           </a:p>
           <a:p>
             <a:pPr marL="1657350" lvl="2" indent="-742950">
@@ -17197,7 +17184,6 @@
               <a:rPr lang="en-US" sz="2000" dirty="0" smtClean="0"/>
               <a:t> compiled to  machine exe binary</a:t>
             </a:r>
-            <a:endParaRPr lang="en-US" sz="2000" dirty="0" smtClean="0"/>
           </a:p>
           <a:p>
             <a:pPr marL="2114550" lvl="3" indent="-742950">

--- a/Programming 4/01.1 Intro to C++ CLI/01.1 Intro to C++ CLI.pptx
+++ b/Programming 4/01.1 Intro to C++ CLI/01.1 Intro to C++ CLI.pptx
@@ -243,7 +243,7 @@
           <a:p>
             <a:fld id="{1F2964D9-9A2E-4F10-B864-D3ADDA7AC871}" type="datetimeFigureOut">
               <a:rPr lang="en-NZ" smtClean="0"/>
-              <a:t>28/07/19</a:t>
+              <a:t>21/08/2019</a:t>
             </a:fld>
             <a:endParaRPr lang="en-NZ"/>
           </a:p>
@@ -5349,7 +5349,7 @@
           <a:p>
             <a:fld id="{F8166F1F-CE9B-4651-A6AA-CD717754106B}" type="datetimeFigureOut">
               <a:rPr lang="en-US" smtClean="0"/>
-              <a:t>7/28/19</a:t>
+              <a:t>8/21/2019</a:t>
             </a:fld>
             <a:endParaRPr lang="en-US"/>
           </a:p>
@@ -5514,7 +5514,7 @@
           <a:p>
             <a:fld id="{A76116CE-C4A3-4A05-B2D7-7C2E9A889C0F}" type="datetimeFigureOut">
               <a:rPr lang="en-US" smtClean="0"/>
-              <a:t>7/28/19</a:t>
+              <a:t>8/21/2019</a:t>
             </a:fld>
             <a:endParaRPr lang="en-US"/>
           </a:p>
@@ -5689,7 +5689,7 @@
           <a:p>
             <a:fld id="{A76116CE-C4A3-4A05-B2D7-7C2E9A889C0F}" type="datetimeFigureOut">
               <a:rPr lang="en-US" smtClean="0"/>
-              <a:t>7/28/19</a:t>
+              <a:t>8/21/2019</a:t>
             </a:fld>
             <a:endParaRPr lang="en-US"/>
           </a:p>
@@ -5856,7 +5856,7 @@
           <a:p>
             <a:fld id="{A76116CE-C4A3-4A05-B2D7-7C2E9A889C0F}" type="datetimeFigureOut">
               <a:rPr lang="en-US" smtClean="0"/>
-              <a:t>7/28/19</a:t>
+              <a:t>8/21/2019</a:t>
             </a:fld>
             <a:endParaRPr lang="en-US"/>
           </a:p>
@@ -6097,7 +6097,7 @@
           <a:p>
             <a:fld id="{A76116CE-C4A3-4A05-B2D7-7C2E9A889C0F}" type="datetimeFigureOut">
               <a:rPr lang="en-US" smtClean="0"/>
-              <a:t>7/28/19</a:t>
+              <a:t>8/21/2019</a:t>
             </a:fld>
             <a:endParaRPr lang="en-US"/>
           </a:p>
@@ -6380,7 +6380,7 @@
           <a:p>
             <a:fld id="{A76116CE-C4A3-4A05-B2D7-7C2E9A889C0F}" type="datetimeFigureOut">
               <a:rPr lang="en-US" smtClean="0"/>
-              <a:t>7/28/19</a:t>
+              <a:t>8/21/2019</a:t>
             </a:fld>
             <a:endParaRPr lang="en-US"/>
           </a:p>
@@ -6797,7 +6797,7 @@
           <a:p>
             <a:fld id="{A76116CE-C4A3-4A05-B2D7-7C2E9A889C0F}" type="datetimeFigureOut">
               <a:rPr lang="en-US" smtClean="0"/>
-              <a:t>7/28/19</a:t>
+              <a:t>8/21/2019</a:t>
             </a:fld>
             <a:endParaRPr lang="en-US"/>
           </a:p>
@@ -6910,7 +6910,7 @@
           <a:p>
             <a:fld id="{A76116CE-C4A3-4A05-B2D7-7C2E9A889C0F}" type="datetimeFigureOut">
               <a:rPr lang="en-US" smtClean="0"/>
-              <a:t>7/28/19</a:t>
+              <a:t>8/21/2019</a:t>
             </a:fld>
             <a:endParaRPr lang="en-US"/>
           </a:p>
@@ -7000,7 +7000,7 @@
           <a:p>
             <a:fld id="{A76116CE-C4A3-4A05-B2D7-7C2E9A889C0F}" type="datetimeFigureOut">
               <a:rPr lang="en-US" smtClean="0"/>
-              <a:t>7/28/19</a:t>
+              <a:t>8/21/2019</a:t>
             </a:fld>
             <a:endParaRPr lang="en-US"/>
           </a:p>
@@ -7272,7 +7272,7 @@
           <a:p>
             <a:fld id="{A76116CE-C4A3-4A05-B2D7-7C2E9A889C0F}" type="datetimeFigureOut">
               <a:rPr lang="en-US" smtClean="0"/>
-              <a:t>7/28/19</a:t>
+              <a:t>8/21/2019</a:t>
             </a:fld>
             <a:endParaRPr lang="en-US"/>
           </a:p>
@@ -7520,7 +7520,7 @@
           <a:p>
             <a:fld id="{A76116CE-C4A3-4A05-B2D7-7C2E9A889C0F}" type="datetimeFigureOut">
               <a:rPr lang="en-US" smtClean="0"/>
-              <a:t>7/28/19</a:t>
+              <a:t>8/21/2019</a:t>
             </a:fld>
             <a:endParaRPr lang="en-US"/>
           </a:p>
@@ -7728,7 +7728,7 @@
           <a:p>
             <a:fld id="{F8166F1F-CE9B-4651-A6AA-CD717754106B}" type="datetimeFigureOut">
               <a:rPr lang="en-US" smtClean="0"/>
-              <a:t>7/28/19</a:t>
+              <a:t>8/21/2019</a:t>
             </a:fld>
             <a:endParaRPr lang="en-US"/>
           </a:p>
@@ -8280,14 +8280,14 @@
                 <a:gridCol w="4268047">
                   <a:extLst>
                     <a:ext uri="{9D8B030D-6E8A-4147-A177-3AD203B41FA5}">
-                      <a16:colId xmlns:a16="http://schemas.microsoft.com/office/drawing/2014/main" xmlns="" val="1878650380"/>
+                      <a16:colId xmlns:a16="http://schemas.microsoft.com/office/drawing/2014/main" val="1878650380"/>
                     </a:ext>
                   </a:extLst>
                 </a:gridCol>
                 <a:gridCol w="2952271">
                   <a:extLst>
                     <a:ext uri="{9D8B030D-6E8A-4147-A177-3AD203B41FA5}">
-                      <a16:colId xmlns:a16="http://schemas.microsoft.com/office/drawing/2014/main" xmlns="" val="3514817832"/>
+                      <a16:colId xmlns:a16="http://schemas.microsoft.com/office/drawing/2014/main" val="3514817832"/>
                     </a:ext>
                   </a:extLst>
                 </a:gridCol>
@@ -8347,7 +8347,7 @@
                 </a:tc>
                 <a:extLst>
                   <a:ext uri="{0D108BD9-81ED-4DB2-BD59-A6C34878D82A}">
-                    <a16:rowId xmlns:a16="http://schemas.microsoft.com/office/drawing/2014/main" xmlns="" val="3083959343"/>
+                    <a16:rowId xmlns:a16="http://schemas.microsoft.com/office/drawing/2014/main" val="3083959343"/>
                   </a:ext>
                 </a:extLst>
               </a:tr>
@@ -8406,7 +8406,7 @@
                 </a:tc>
                 <a:extLst>
                   <a:ext uri="{0D108BD9-81ED-4DB2-BD59-A6C34878D82A}">
-                    <a16:rowId xmlns:a16="http://schemas.microsoft.com/office/drawing/2014/main" xmlns="" val="324899849"/>
+                    <a16:rowId xmlns:a16="http://schemas.microsoft.com/office/drawing/2014/main" val="324899849"/>
                   </a:ext>
                 </a:extLst>
               </a:tr>
@@ -8465,7 +8465,7 @@
                 </a:tc>
                 <a:extLst>
                   <a:ext uri="{0D108BD9-81ED-4DB2-BD59-A6C34878D82A}">
-                    <a16:rowId xmlns:a16="http://schemas.microsoft.com/office/drawing/2014/main" xmlns="" val="1715622986"/>
+                    <a16:rowId xmlns:a16="http://schemas.microsoft.com/office/drawing/2014/main" val="1715622986"/>
                   </a:ext>
                 </a:extLst>
               </a:tr>
@@ -8524,7 +8524,7 @@
                 </a:tc>
                 <a:extLst>
                   <a:ext uri="{0D108BD9-81ED-4DB2-BD59-A6C34878D82A}">
-                    <a16:rowId xmlns:a16="http://schemas.microsoft.com/office/drawing/2014/main" xmlns="" val="2107937398"/>
+                    <a16:rowId xmlns:a16="http://schemas.microsoft.com/office/drawing/2014/main" val="2107937398"/>
                   </a:ext>
                 </a:extLst>
               </a:tr>
@@ -8583,7 +8583,7 @@
                 </a:tc>
                 <a:extLst>
                   <a:ext uri="{0D108BD9-81ED-4DB2-BD59-A6C34878D82A}">
-                    <a16:rowId xmlns:a16="http://schemas.microsoft.com/office/drawing/2014/main" xmlns="" val="77502295"/>
+                    <a16:rowId xmlns:a16="http://schemas.microsoft.com/office/drawing/2014/main" val="77502295"/>
                   </a:ext>
                 </a:extLst>
               </a:tr>
@@ -8658,6 +8658,11 @@
                   </a:txBody>
                   <a:tcPr marL="148025" marR="148025" marT="0" marB="0"/>
                 </a:tc>
+                <a:extLst>
+                  <a:ext uri="{0D108BD9-81ED-4DB2-BD59-A6C34878D82A}">
+                    <a16:rowId xmlns:a16="http://schemas.microsoft.com/office/drawing/2014/main" val="10005"/>
+                  </a:ext>
+                </a:extLst>
               </a:tr>
             </a:tbl>
           </a:graphicData>
@@ -8899,14 +8904,14 @@
                 <a:gridCol w="4268047">
                   <a:extLst>
                     <a:ext uri="{9D8B030D-6E8A-4147-A177-3AD203B41FA5}">
-                      <a16:colId xmlns:a16="http://schemas.microsoft.com/office/drawing/2014/main" xmlns="" val="1878650380"/>
+                      <a16:colId xmlns:a16="http://schemas.microsoft.com/office/drawing/2014/main" val="1878650380"/>
                     </a:ext>
                   </a:extLst>
                 </a:gridCol>
                 <a:gridCol w="2952271">
                   <a:extLst>
                     <a:ext uri="{9D8B030D-6E8A-4147-A177-3AD203B41FA5}">
-                      <a16:colId xmlns:a16="http://schemas.microsoft.com/office/drawing/2014/main" xmlns="" val="3514817832"/>
+                      <a16:colId xmlns:a16="http://schemas.microsoft.com/office/drawing/2014/main" val="3514817832"/>
                     </a:ext>
                   </a:extLst>
                 </a:gridCol>
@@ -8969,7 +8974,7 @@
                 </a:tc>
                 <a:extLst>
                   <a:ext uri="{0D108BD9-81ED-4DB2-BD59-A6C34878D82A}">
-                    <a16:rowId xmlns:a16="http://schemas.microsoft.com/office/drawing/2014/main" xmlns="" val="3083959343"/>
+                    <a16:rowId xmlns:a16="http://schemas.microsoft.com/office/drawing/2014/main" val="3083959343"/>
                   </a:ext>
                 </a:extLst>
               </a:tr>
@@ -9034,7 +9039,7 @@
                 </a:tc>
                 <a:extLst>
                   <a:ext uri="{0D108BD9-81ED-4DB2-BD59-A6C34878D82A}">
-                    <a16:rowId xmlns:a16="http://schemas.microsoft.com/office/drawing/2014/main" xmlns="" val="324899849"/>
+                    <a16:rowId xmlns:a16="http://schemas.microsoft.com/office/drawing/2014/main" val="324899849"/>
                   </a:ext>
                 </a:extLst>
               </a:tr>
@@ -9108,7 +9113,7 @@
                 </a:tc>
                 <a:extLst>
                   <a:ext uri="{0D108BD9-81ED-4DB2-BD59-A6C34878D82A}">
-                    <a16:rowId xmlns:a16="http://schemas.microsoft.com/office/drawing/2014/main" xmlns="" val="1715622986"/>
+                    <a16:rowId xmlns:a16="http://schemas.microsoft.com/office/drawing/2014/main" val="1715622986"/>
                   </a:ext>
                 </a:extLst>
               </a:tr>
@@ -9182,7 +9187,7 @@
                 </a:tc>
                 <a:extLst>
                   <a:ext uri="{0D108BD9-81ED-4DB2-BD59-A6C34878D82A}">
-                    <a16:rowId xmlns:a16="http://schemas.microsoft.com/office/drawing/2014/main" xmlns="" val="77502295"/>
+                    <a16:rowId xmlns:a16="http://schemas.microsoft.com/office/drawing/2014/main" val="77502295"/>
                   </a:ext>
                 </a:extLst>
               </a:tr>
@@ -9266,6 +9271,11 @@
                   </a:txBody>
                   <a:tcPr marL="148025" marR="148025" marT="0" marB="0"/>
                 </a:tc>
+                <a:extLst>
+                  <a:ext uri="{0D108BD9-81ED-4DB2-BD59-A6C34878D82A}">
+                    <a16:rowId xmlns:a16="http://schemas.microsoft.com/office/drawing/2014/main" val="10004"/>
+                  </a:ext>
+                </a:extLst>
               </a:tr>
               <a:tr h="361838">
                 <a:tc>
@@ -9338,6 +9348,11 @@
                   </a:txBody>
                   <a:tcPr marL="148025" marR="148025" marT="0" marB="0"/>
                 </a:tc>
+                <a:extLst>
+                  <a:ext uri="{0D108BD9-81ED-4DB2-BD59-A6C34878D82A}">
+                    <a16:rowId xmlns:a16="http://schemas.microsoft.com/office/drawing/2014/main" val="10005"/>
+                  </a:ext>
+                </a:extLst>
               </a:tr>
               <a:tr h="361838">
                 <a:tc>
@@ -9410,6 +9425,11 @@
                   </a:txBody>
                   <a:tcPr marL="148025" marR="148025" marT="0" marB="0"/>
                 </a:tc>
+                <a:extLst>
+                  <a:ext uri="{0D108BD9-81ED-4DB2-BD59-A6C34878D82A}">
+                    <a16:rowId xmlns:a16="http://schemas.microsoft.com/office/drawing/2014/main" val="10006"/>
+                  </a:ext>
+                </a:extLst>
               </a:tr>
             </a:tbl>
           </a:graphicData>
@@ -9551,14 +9571,14 @@
                 <a:gridCol w="4268047">
                   <a:extLst>
                     <a:ext uri="{9D8B030D-6E8A-4147-A177-3AD203B41FA5}">
-                      <a16:colId xmlns:a16="http://schemas.microsoft.com/office/drawing/2014/main" xmlns="" val="1878650380"/>
+                      <a16:colId xmlns:a16="http://schemas.microsoft.com/office/drawing/2014/main" val="1878650380"/>
                     </a:ext>
                   </a:extLst>
                 </a:gridCol>
                 <a:gridCol w="2952271">
                   <a:extLst>
                     <a:ext uri="{9D8B030D-6E8A-4147-A177-3AD203B41FA5}">
-                      <a16:colId xmlns:a16="http://schemas.microsoft.com/office/drawing/2014/main" xmlns="" val="3514817832"/>
+                      <a16:colId xmlns:a16="http://schemas.microsoft.com/office/drawing/2014/main" val="3514817832"/>
                     </a:ext>
                   </a:extLst>
                 </a:gridCol>
@@ -9624,7 +9644,7 @@
                 </a:tc>
                 <a:extLst>
                   <a:ext uri="{0D108BD9-81ED-4DB2-BD59-A6C34878D82A}">
-                    <a16:rowId xmlns:a16="http://schemas.microsoft.com/office/drawing/2014/main" xmlns="" val="3083959343"/>
+                    <a16:rowId xmlns:a16="http://schemas.microsoft.com/office/drawing/2014/main" val="3083959343"/>
                   </a:ext>
                 </a:extLst>
               </a:tr>
@@ -9687,6 +9707,11 @@
                   </a:txBody>
                   <a:tcPr marL="148025" marR="148025" marT="0" marB="0"/>
                 </a:tc>
+                <a:extLst>
+                  <a:ext uri="{0D108BD9-81ED-4DB2-BD59-A6C34878D82A}">
+                    <a16:rowId xmlns:a16="http://schemas.microsoft.com/office/drawing/2014/main" val="10001"/>
+                  </a:ext>
+                </a:extLst>
               </a:tr>
               <a:tr h="361838">
                 <a:tc>
@@ -9747,6 +9772,11 @@
                   </a:txBody>
                   <a:tcPr marL="148025" marR="148025" marT="0" marB="0"/>
                 </a:tc>
+                <a:extLst>
+                  <a:ext uri="{0D108BD9-81ED-4DB2-BD59-A6C34878D82A}">
+                    <a16:rowId xmlns:a16="http://schemas.microsoft.com/office/drawing/2014/main" val="10002"/>
+                  </a:ext>
+                </a:extLst>
               </a:tr>
               <a:tr h="361838">
                 <a:tc>
@@ -9804,6 +9834,11 @@
                   </a:txBody>
                   <a:tcPr marL="148025" marR="148025" marT="0" marB="0"/>
                 </a:tc>
+                <a:extLst>
+                  <a:ext uri="{0D108BD9-81ED-4DB2-BD59-A6C34878D82A}">
+                    <a16:rowId xmlns:a16="http://schemas.microsoft.com/office/drawing/2014/main" val="10003"/>
+                  </a:ext>
+                </a:extLst>
               </a:tr>
               <a:tr h="361838">
                 <a:tc>
@@ -9866,7 +9901,7 @@
                 </a:tc>
                 <a:extLst>
                   <a:ext uri="{0D108BD9-81ED-4DB2-BD59-A6C34878D82A}">
-                    <a16:rowId xmlns:a16="http://schemas.microsoft.com/office/drawing/2014/main" xmlns="" val="324899849"/>
+                    <a16:rowId xmlns:a16="http://schemas.microsoft.com/office/drawing/2014/main" val="324899849"/>
                   </a:ext>
                 </a:extLst>
               </a:tr>
@@ -9928,7 +9963,7 @@
                 </a:tc>
                 <a:extLst>
                   <a:ext uri="{0D108BD9-81ED-4DB2-BD59-A6C34878D82A}">
-                    <a16:rowId xmlns:a16="http://schemas.microsoft.com/office/drawing/2014/main" xmlns="" val="1715622986"/>
+                    <a16:rowId xmlns:a16="http://schemas.microsoft.com/office/drawing/2014/main" val="1715622986"/>
                   </a:ext>
                 </a:extLst>
               </a:tr>
@@ -10038,13 +10073,8 @@
             </a:r>
             <a:r>
               <a:rPr lang="en-US" sz="2500" dirty="0" smtClean="0"/>
-              <a:t> operators have different </a:t>
-            </a:r>
-            <a:r>
-              <a:rPr lang="en-US" sz="2500" dirty="0" smtClean="0"/>
-              <a:t>effects</a:t>
-            </a:r>
-            <a:endParaRPr lang="en-US" sz="2500" dirty="0" smtClean="0"/>
+              <a:t> operators have different effects</a:t>
+            </a:r>
           </a:p>
           <a:p>
             <a:pPr lvl="2"/>
@@ -10129,14 +10159,14 @@
                 <a:gridCol w="4268047">
                   <a:extLst>
                     <a:ext uri="{9D8B030D-6E8A-4147-A177-3AD203B41FA5}">
-                      <a16:colId xmlns:a16="http://schemas.microsoft.com/office/drawing/2014/main" xmlns="" val="1878650380"/>
+                      <a16:colId xmlns:a16="http://schemas.microsoft.com/office/drawing/2014/main" val="1878650380"/>
                     </a:ext>
                   </a:extLst>
                 </a:gridCol>
                 <a:gridCol w="2952271">
                   <a:extLst>
                     <a:ext uri="{9D8B030D-6E8A-4147-A177-3AD203B41FA5}">
-                      <a16:colId xmlns:a16="http://schemas.microsoft.com/office/drawing/2014/main" xmlns="" val="3514817832"/>
+                      <a16:colId xmlns:a16="http://schemas.microsoft.com/office/drawing/2014/main" val="3514817832"/>
                     </a:ext>
                   </a:extLst>
                 </a:gridCol>
@@ -10202,7 +10232,7 @@
                 </a:tc>
                 <a:extLst>
                   <a:ext uri="{0D108BD9-81ED-4DB2-BD59-A6C34878D82A}">
-                    <a16:rowId xmlns:a16="http://schemas.microsoft.com/office/drawing/2014/main" xmlns="" val="3083959343"/>
+                    <a16:rowId xmlns:a16="http://schemas.microsoft.com/office/drawing/2014/main" val="3083959343"/>
                   </a:ext>
                 </a:extLst>
               </a:tr>
@@ -10261,7 +10291,7 @@
                 </a:tc>
                 <a:extLst>
                   <a:ext uri="{0D108BD9-81ED-4DB2-BD59-A6C34878D82A}">
-                    <a16:rowId xmlns:a16="http://schemas.microsoft.com/office/drawing/2014/main" xmlns="" val="324899849"/>
+                    <a16:rowId xmlns:a16="http://schemas.microsoft.com/office/drawing/2014/main" val="324899849"/>
                   </a:ext>
                 </a:extLst>
               </a:tr>
@@ -10332,7 +10362,7 @@
                 </a:tc>
                 <a:extLst>
                   <a:ext uri="{0D108BD9-81ED-4DB2-BD59-A6C34878D82A}">
-                    <a16:rowId xmlns:a16="http://schemas.microsoft.com/office/drawing/2014/main" xmlns="" val="1715622986"/>
+                    <a16:rowId xmlns:a16="http://schemas.microsoft.com/office/drawing/2014/main" val="1715622986"/>
                   </a:ext>
                 </a:extLst>
               </a:tr>
@@ -10447,8 +10477,20 @@
                 <a:tableStyleId>{5C22544A-7EE6-4342-B048-85BDC9FD1C3A}</a:tableStyleId>
               </a:tblPr>
               <a:tblGrid>
-                <a:gridCol w="4268047"/>
-                <a:gridCol w="2952271"/>
+                <a:gridCol w="4268047">
+                  <a:extLst>
+                    <a:ext uri="{9D8B030D-6E8A-4147-A177-3AD203B41FA5}">
+                      <a16:colId xmlns:a16="http://schemas.microsoft.com/office/drawing/2014/main" val="20000"/>
+                    </a:ext>
+                  </a:extLst>
+                </a:gridCol>
+                <a:gridCol w="2952271">
+                  <a:extLst>
+                    <a:ext uri="{9D8B030D-6E8A-4147-A177-3AD203B41FA5}">
+                      <a16:colId xmlns:a16="http://schemas.microsoft.com/office/drawing/2014/main" val="20001"/>
+                    </a:ext>
+                  </a:extLst>
+                </a:gridCol>
               </a:tblGrid>
               <a:tr h="394733">
                 <a:tc>
@@ -10509,6 +10551,11 @@
                   </a:txBody>
                   <a:tcPr marL="148025" marR="148025" marT="0" marB="0"/>
                 </a:tc>
+                <a:extLst>
+                  <a:ext uri="{0D108BD9-81ED-4DB2-BD59-A6C34878D82A}">
+                    <a16:rowId xmlns:a16="http://schemas.microsoft.com/office/drawing/2014/main" val="10000"/>
+                  </a:ext>
+                </a:extLst>
               </a:tr>
               <a:tr h="361838">
                 <a:tc>
@@ -10569,6 +10616,11 @@
                   </a:txBody>
                   <a:tcPr marL="148025" marR="148025" marT="0" marB="0"/>
                 </a:tc>
+                <a:extLst>
+                  <a:ext uri="{0D108BD9-81ED-4DB2-BD59-A6C34878D82A}">
+                    <a16:rowId xmlns:a16="http://schemas.microsoft.com/office/drawing/2014/main" val="10001"/>
+                  </a:ext>
+                </a:extLst>
               </a:tr>
               <a:tr h="361838">
                 <a:tc>
@@ -10629,6 +10681,11 @@
                   </a:txBody>
                   <a:tcPr marL="148025" marR="148025" marT="0" marB="0"/>
                 </a:tc>
+                <a:extLst>
+                  <a:ext uri="{0D108BD9-81ED-4DB2-BD59-A6C34878D82A}">
+                    <a16:rowId xmlns:a16="http://schemas.microsoft.com/office/drawing/2014/main" val="10002"/>
+                  </a:ext>
+                </a:extLst>
               </a:tr>
               <a:tr h="361838">
                 <a:tc>
@@ -10689,6 +10746,11 @@
                   </a:txBody>
                   <a:tcPr marL="148025" marR="148025" marT="0" marB="0"/>
                 </a:tc>
+                <a:extLst>
+                  <a:ext uri="{0D108BD9-81ED-4DB2-BD59-A6C34878D82A}">
+                    <a16:rowId xmlns:a16="http://schemas.microsoft.com/office/drawing/2014/main" val="10003"/>
+                  </a:ext>
+                </a:extLst>
               </a:tr>
               <a:tr h="361838">
                 <a:tc>
@@ -10746,6 +10808,11 @@
                   </a:txBody>
                   <a:tcPr marL="148025" marR="148025" marT="0" marB="0"/>
                 </a:tc>
+                <a:extLst>
+                  <a:ext uri="{0D108BD9-81ED-4DB2-BD59-A6C34878D82A}">
+                    <a16:rowId xmlns:a16="http://schemas.microsoft.com/office/drawing/2014/main" val="10004"/>
+                  </a:ext>
+                </a:extLst>
               </a:tr>
               <a:tr h="361838">
                 <a:tc>
@@ -10806,6 +10873,11 @@
                   </a:txBody>
                   <a:tcPr marL="148025" marR="148025" marT="0" marB="0"/>
                 </a:tc>
+                <a:extLst>
+                  <a:ext uri="{0D108BD9-81ED-4DB2-BD59-A6C34878D82A}">
+                    <a16:rowId xmlns:a16="http://schemas.microsoft.com/office/drawing/2014/main" val="10005"/>
+                  </a:ext>
+                </a:extLst>
               </a:tr>
               <a:tr h="361838">
                 <a:tc>
@@ -10863,6 +10935,11 @@
                   </a:txBody>
                   <a:tcPr marL="148025" marR="148025" marT="0" marB="0"/>
                 </a:tc>
+                <a:extLst>
+                  <a:ext uri="{0D108BD9-81ED-4DB2-BD59-A6C34878D82A}">
+                    <a16:rowId xmlns:a16="http://schemas.microsoft.com/office/drawing/2014/main" val="10006"/>
+                  </a:ext>
+                </a:extLst>
               </a:tr>
             </a:tbl>
           </a:graphicData>
@@ -11659,7 +11736,7 @@
           <p:nvPr/>
         </p:nvPicPr>
         <p:blipFill>
-          <a:blip r:embed="rId3">
+          <a:blip r:embed="rId3" cstate="print">
             <a:extLst>
               <a:ext uri="{28A0092B-C50C-407E-A947-70E740481C1C}">
                 <a14:useLocalDpi xmlns:a14="http://schemas.microsoft.com/office/drawing/2010/main" val="0"/>
@@ -12937,7 +13014,7 @@
           <p:nvPr/>
         </p:nvPicPr>
         <p:blipFill>
-          <a:blip r:embed="rId3">
+          <a:blip r:embed="rId3" cstate="print">
             <a:extLst>
               <a:ext uri="{28A0092B-C50C-407E-A947-70E740481C1C}">
                 <a14:useLocalDpi xmlns:a14="http://schemas.microsoft.com/office/drawing/2010/main" val="0"/>
@@ -13225,7 +13302,7 @@
           <p:nvPr/>
         </p:nvPicPr>
         <p:blipFill>
-          <a:blip r:embed="rId3">
+          <a:blip r:embed="rId3" cstate="print">
             <a:extLst>
               <a:ext uri="{28A0092B-C50C-407E-A947-70E740481C1C}">
                 <a14:useLocalDpi xmlns:a14="http://schemas.microsoft.com/office/drawing/2010/main" val="0"/>
@@ -13372,7 +13449,7 @@
           <p:nvPr/>
         </p:nvPicPr>
         <p:blipFill>
-          <a:blip r:embed="rId3">
+          <a:blip r:embed="rId3" cstate="print">
             <a:extLst>
               <a:ext uri="{28A0092B-C50C-407E-A947-70E740481C1C}">
                 <a14:useLocalDpi xmlns:a14="http://schemas.microsoft.com/office/drawing/2010/main" val="0"/>
@@ -13517,7 +13594,7 @@
           <p:nvPr/>
         </p:nvPicPr>
         <p:blipFill>
-          <a:blip r:embed="rId3">
+          <a:blip r:embed="rId3" cstate="print">
             <a:extLst>
               <a:ext uri="{28A0092B-C50C-407E-A947-70E740481C1C}">
                 <a14:useLocalDpi xmlns:a14="http://schemas.microsoft.com/office/drawing/2010/main" val="0"/>
@@ -13671,7 +13748,7 @@
           <p:nvPr/>
         </p:nvPicPr>
         <p:blipFill>
-          <a:blip r:embed="rId3">
+          <a:blip r:embed="rId3" cstate="print">
             <a:extLst>
               <a:ext uri="{28A0092B-C50C-407E-A947-70E740481C1C}">
                 <a14:useLocalDpi xmlns:a14="http://schemas.microsoft.com/office/drawing/2010/main" val="0"/>
@@ -13843,7 +13920,7 @@
           <p:nvPr/>
         </p:nvPicPr>
         <p:blipFill>
-          <a:blip r:embed="rId3">
+          <a:blip r:embed="rId3" cstate="print">
             <a:extLst>
               <a:ext uri="{28A0092B-C50C-407E-A947-70E740481C1C}">
                 <a14:useLocalDpi xmlns:a14="http://schemas.microsoft.com/office/drawing/2010/main" val="0"/>
@@ -14027,7 +14104,7 @@
           <p:nvPr/>
         </p:nvPicPr>
         <p:blipFill>
-          <a:blip r:embed="rId3">
+          <a:blip r:embed="rId3" cstate="print">
             <a:extLst>
               <a:ext uri="{28A0092B-C50C-407E-A947-70E740481C1C}">
                 <a14:useLocalDpi xmlns:a14="http://schemas.microsoft.com/office/drawing/2010/main" val="0"/>
@@ -14169,7 +14246,7 @@
           <p:nvPr/>
         </p:nvPicPr>
         <p:blipFill>
-          <a:blip r:embed="rId3">
+          <a:blip r:embed="rId3" cstate="print">
             <a:extLst>
               <a:ext uri="{28A0092B-C50C-407E-A947-70E740481C1C}">
                 <a14:useLocalDpi xmlns:a14="http://schemas.microsoft.com/office/drawing/2010/main" val="0"/>
@@ -14281,7 +14358,7 @@
           <p:nvPr>
             <p:extLst>
               <p:ext uri="{D42A27DB-BD31-4B8C-83A1-F6EECF244321}">
-                <p14:modId xmlns:p14="http://schemas.microsoft.com/office/powerpoint/2010/main" val="1990362442"/>
+                <p14:modId xmlns:p14="http://schemas.microsoft.com/office/powerpoint/2010/main" val="1195742603"/>
               </p:ext>
             </p:extLst>
           </p:nvPr>
@@ -14300,28 +14377,28 @@
                 <a:gridCol w="968944">
                   <a:extLst>
                     <a:ext uri="{9D8B030D-6E8A-4147-A177-3AD203B41FA5}">
-                      <a16:colId xmlns:a16="http://schemas.microsoft.com/office/drawing/2014/main" xmlns="" val="2816816517"/>
+                      <a16:colId xmlns:a16="http://schemas.microsoft.com/office/drawing/2014/main" val="2816816517"/>
                     </a:ext>
                   </a:extLst>
                 </a:gridCol>
                 <a:gridCol w="1884347">
                   <a:extLst>
                     <a:ext uri="{9D8B030D-6E8A-4147-A177-3AD203B41FA5}">
-                      <a16:colId xmlns:a16="http://schemas.microsoft.com/office/drawing/2014/main" xmlns="" val="2082632600"/>
+                      <a16:colId xmlns:a16="http://schemas.microsoft.com/office/drawing/2014/main" val="2082632600"/>
                     </a:ext>
                   </a:extLst>
                 </a:gridCol>
                 <a:gridCol w="2434453">
                   <a:extLst>
                     <a:ext uri="{9D8B030D-6E8A-4147-A177-3AD203B41FA5}">
-                      <a16:colId xmlns:a16="http://schemas.microsoft.com/office/drawing/2014/main" xmlns="" val="1705333090"/>
+                      <a16:colId xmlns:a16="http://schemas.microsoft.com/office/drawing/2014/main" val="1705333090"/>
                     </a:ext>
                   </a:extLst>
                 </a:gridCol>
                 <a:gridCol w="2493177">
                   <a:extLst>
                     <a:ext uri="{9D8B030D-6E8A-4147-A177-3AD203B41FA5}">
-                      <a16:colId xmlns:a16="http://schemas.microsoft.com/office/drawing/2014/main" xmlns="" val="1002004627"/>
+                      <a16:colId xmlns:a16="http://schemas.microsoft.com/office/drawing/2014/main" val="1002004627"/>
                     </a:ext>
                   </a:extLst>
                 </a:gridCol>
@@ -14433,7 +14510,7 @@
                 </a:tc>
                 <a:extLst>
                   <a:ext uri="{0D108BD9-81ED-4DB2-BD59-A6C34878D82A}">
-                    <a16:rowId xmlns:a16="http://schemas.microsoft.com/office/drawing/2014/main" xmlns="" val="1459288414"/>
+                    <a16:rowId xmlns:a16="http://schemas.microsoft.com/office/drawing/2014/main" val="1459288414"/>
                   </a:ext>
                 </a:extLst>
               </a:tr>
@@ -14544,7 +14621,7 @@
                 </a:tc>
                 <a:extLst>
                   <a:ext uri="{0D108BD9-81ED-4DB2-BD59-A6C34878D82A}">
-                    <a16:rowId xmlns:a16="http://schemas.microsoft.com/office/drawing/2014/main" xmlns="" val="200150096"/>
+                    <a16:rowId xmlns:a16="http://schemas.microsoft.com/office/drawing/2014/main" val="200150096"/>
                   </a:ext>
                 </a:extLst>
               </a:tr>
@@ -14655,7 +14732,7 @@
                 </a:tc>
                 <a:extLst>
                   <a:ext uri="{0D108BD9-81ED-4DB2-BD59-A6C34878D82A}">
-                    <a16:rowId xmlns:a16="http://schemas.microsoft.com/office/drawing/2014/main" xmlns="" val="1203425802"/>
+                    <a16:rowId xmlns:a16="http://schemas.microsoft.com/office/drawing/2014/main" val="1203425802"/>
                   </a:ext>
                 </a:extLst>
               </a:tr>
@@ -14760,7 +14837,7 @@
                 </a:tc>
                 <a:extLst>
                   <a:ext uri="{0D108BD9-81ED-4DB2-BD59-A6C34878D82A}">
-                    <a16:rowId xmlns:a16="http://schemas.microsoft.com/office/drawing/2014/main" xmlns="" val="2553359360"/>
+                    <a16:rowId xmlns:a16="http://schemas.microsoft.com/office/drawing/2014/main" val="2553359360"/>
                   </a:ext>
                 </a:extLst>
               </a:tr>
@@ -14854,10 +14931,22 @@
                         </a:spcAft>
                       </a:pPr>
                       <a:r>
-                        <a:rPr lang="en-AU" sz="1500" dirty="0">
+                        <a:rPr lang="en-AU" sz="1500" dirty="0" smtClean="0">
                           <a:effectLst/>
+                          <a:latin typeface="+mn-lt"/>
+                          <a:ea typeface="+mn-ea"/>
+                          <a:cs typeface="+mn-cs"/>
                         </a:rPr>
-                        <a:t>2D Animation Algorithms 2</a:t>
+                        <a:t>Double</a:t>
+                      </a:r>
+                      <a:r>
+                        <a:rPr lang="en-AU" sz="1500" baseline="0" dirty="0" smtClean="0">
+                          <a:effectLst/>
+                          <a:latin typeface="+mn-lt"/>
+                          <a:ea typeface="+mn-ea"/>
+                          <a:cs typeface="+mn-cs"/>
+                        </a:rPr>
+                        <a:t> Buffering</a:t>
                       </a:r>
                       <a:endParaRPr lang="en-NZ" sz="1500" dirty="0">
                         <a:effectLst/>
@@ -14871,7 +14960,7 @@
                 </a:tc>
                 <a:extLst>
                   <a:ext uri="{0D108BD9-81ED-4DB2-BD59-A6C34878D82A}">
-                    <a16:rowId xmlns:a16="http://schemas.microsoft.com/office/drawing/2014/main" xmlns="" val="2819461663"/>
+                    <a16:rowId xmlns:a16="http://schemas.microsoft.com/office/drawing/2014/main" val="2819461663"/>
                   </a:ext>
                 </a:extLst>
               </a:tr>
@@ -14965,12 +15054,12 @@
                         </a:spcAft>
                       </a:pPr>
                       <a:r>
-                        <a:rPr lang="en-AU" sz="1500">
+                        <a:rPr lang="en-AU" sz="1500" dirty="0" smtClean="0">
                           <a:effectLst/>
                         </a:rPr>
-                        <a:t>Double Buffering</a:t>
+                        <a:t>Dale’s Day </a:t>
                       </a:r>
-                      <a:endParaRPr lang="en-NZ" sz="1500">
+                      <a:endParaRPr lang="en-NZ" sz="1500" dirty="0">
                         <a:effectLst/>
                         <a:latin typeface="Times New Roman" panose="02020603050405020304" pitchFamily="18" charset="0"/>
                         <a:ea typeface="Calibri" panose="020F0502020204030204" pitchFamily="34" charset="0"/>
@@ -14982,7 +15071,7 @@
                 </a:tc>
                 <a:extLst>
                   <a:ext uri="{0D108BD9-81ED-4DB2-BD59-A6C34878D82A}">
-                    <a16:rowId xmlns:a16="http://schemas.microsoft.com/office/drawing/2014/main" xmlns="" val="2796892357"/>
+                    <a16:rowId xmlns:a16="http://schemas.microsoft.com/office/drawing/2014/main" val="2796892357"/>
                   </a:ext>
                 </a:extLst>
               </a:tr>
@@ -15079,7 +15168,7 @@
                         <a:rPr lang="en-AU" sz="1500" dirty="0" smtClean="0">
                           <a:effectLst/>
                         </a:rPr>
-                        <a:t>Dale’s Day and Tile </a:t>
+                        <a:t>Tile </a:t>
                       </a:r>
                       <a:r>
                         <a:rPr lang="en-AU" sz="1500" dirty="0">
@@ -15099,7 +15188,7 @@
                 </a:tc>
                 <a:extLst>
                   <a:ext uri="{0D108BD9-81ED-4DB2-BD59-A6C34878D82A}">
-                    <a16:rowId xmlns:a16="http://schemas.microsoft.com/office/drawing/2014/main" xmlns="" val="1603786101"/>
+                    <a16:rowId xmlns:a16="http://schemas.microsoft.com/office/drawing/2014/main" val="1603786101"/>
                   </a:ext>
                 </a:extLst>
               </a:tr>
@@ -15210,7 +15299,7 @@
                 </a:tc>
                 <a:extLst>
                   <a:ext uri="{0D108BD9-81ED-4DB2-BD59-A6C34878D82A}">
-                    <a16:rowId xmlns:a16="http://schemas.microsoft.com/office/drawing/2014/main" xmlns="" val="3005815023"/>
+                    <a16:rowId xmlns:a16="http://schemas.microsoft.com/office/drawing/2014/main" val="3005815023"/>
                   </a:ext>
                 </a:extLst>
               </a:tr>
@@ -15321,7 +15410,7 @@
                 </a:tc>
                 <a:extLst>
                   <a:ext uri="{0D108BD9-81ED-4DB2-BD59-A6C34878D82A}">
-                    <a16:rowId xmlns:a16="http://schemas.microsoft.com/office/drawing/2014/main" xmlns="" val="1623960316"/>
+                    <a16:rowId xmlns:a16="http://schemas.microsoft.com/office/drawing/2014/main" val="1623960316"/>
                   </a:ext>
                 </a:extLst>
               </a:tr>
@@ -15432,7 +15521,7 @@
                 </a:tc>
                 <a:extLst>
                   <a:ext uri="{0D108BD9-81ED-4DB2-BD59-A6C34878D82A}">
-                    <a16:rowId xmlns:a16="http://schemas.microsoft.com/office/drawing/2014/main" xmlns="" val="454624050"/>
+                    <a16:rowId xmlns:a16="http://schemas.microsoft.com/office/drawing/2014/main" val="454624050"/>
                   </a:ext>
                 </a:extLst>
               </a:tr>
@@ -15543,7 +15632,7 @@
                 </a:tc>
                 <a:extLst>
                   <a:ext uri="{0D108BD9-81ED-4DB2-BD59-A6C34878D82A}">
-                    <a16:rowId xmlns:a16="http://schemas.microsoft.com/office/drawing/2014/main" xmlns="" val="905322406"/>
+                    <a16:rowId xmlns:a16="http://schemas.microsoft.com/office/drawing/2014/main" val="905322406"/>
                   </a:ext>
                 </a:extLst>
               </a:tr>
@@ -15654,7 +15743,7 @@
                 </a:tc>
                 <a:extLst>
                   <a:ext uri="{0D108BD9-81ED-4DB2-BD59-A6C34878D82A}">
-                    <a16:rowId xmlns:a16="http://schemas.microsoft.com/office/drawing/2014/main" xmlns="" val="331737331"/>
+                    <a16:rowId xmlns:a16="http://schemas.microsoft.com/office/drawing/2014/main" val="331737331"/>
                   </a:ext>
                 </a:extLst>
               </a:tr>
@@ -15765,7 +15854,7 @@
                 </a:tc>
                 <a:extLst>
                   <a:ext uri="{0D108BD9-81ED-4DB2-BD59-A6C34878D82A}">
-                    <a16:rowId xmlns:a16="http://schemas.microsoft.com/office/drawing/2014/main" xmlns="" val="1295383036"/>
+                    <a16:rowId xmlns:a16="http://schemas.microsoft.com/office/drawing/2014/main" val="1295383036"/>
                   </a:ext>
                 </a:extLst>
               </a:tr>
@@ -15876,7 +15965,7 @@
                 </a:tc>
                 <a:extLst>
                   <a:ext uri="{0D108BD9-81ED-4DB2-BD59-A6C34878D82A}">
-                    <a16:rowId xmlns:a16="http://schemas.microsoft.com/office/drawing/2014/main" xmlns="" val="932526337"/>
+                    <a16:rowId xmlns:a16="http://schemas.microsoft.com/office/drawing/2014/main" val="932526337"/>
                   </a:ext>
                 </a:extLst>
               </a:tr>
@@ -15987,7 +16076,7 @@
                 </a:tc>
                 <a:extLst>
                   <a:ext uri="{0D108BD9-81ED-4DB2-BD59-A6C34878D82A}">
-                    <a16:rowId xmlns:a16="http://schemas.microsoft.com/office/drawing/2014/main" xmlns="" val="3814481976"/>
+                    <a16:rowId xmlns:a16="http://schemas.microsoft.com/office/drawing/2014/main" val="3814481976"/>
                   </a:ext>
                 </a:extLst>
               </a:tr>
@@ -16098,7 +16187,7 @@
                 </a:tc>
                 <a:extLst>
                   <a:ext uri="{0D108BD9-81ED-4DB2-BD59-A6C34878D82A}">
-                    <a16:rowId xmlns:a16="http://schemas.microsoft.com/office/drawing/2014/main" xmlns="" val="3831280871"/>
+                    <a16:rowId xmlns:a16="http://schemas.microsoft.com/office/drawing/2014/main" val="3831280871"/>
                   </a:ext>
                 </a:extLst>
               </a:tr>
@@ -16209,7 +16298,7 @@
                 </a:tc>
                 <a:extLst>
                   <a:ext uri="{0D108BD9-81ED-4DB2-BD59-A6C34878D82A}">
-                    <a16:rowId xmlns:a16="http://schemas.microsoft.com/office/drawing/2014/main" xmlns="" val="144360989"/>
+                    <a16:rowId xmlns:a16="http://schemas.microsoft.com/office/drawing/2014/main" val="144360989"/>
                   </a:ext>
                 </a:extLst>
               </a:tr>
@@ -16328,21 +16417,21 @@
                 <a:gridCol w="2926410">
                   <a:extLst>
                     <a:ext uri="{9D8B030D-6E8A-4147-A177-3AD203B41FA5}">
-                      <a16:colId xmlns:a16="http://schemas.microsoft.com/office/drawing/2014/main" xmlns="" val="1878650380"/>
+                      <a16:colId xmlns:a16="http://schemas.microsoft.com/office/drawing/2014/main" val="1878650380"/>
                     </a:ext>
                   </a:extLst>
                 </a:gridCol>
                 <a:gridCol w="2024242">
                   <a:extLst>
                     <a:ext uri="{9D8B030D-6E8A-4147-A177-3AD203B41FA5}">
-                      <a16:colId xmlns:a16="http://schemas.microsoft.com/office/drawing/2014/main" xmlns="" val="3514817832"/>
+                      <a16:colId xmlns:a16="http://schemas.microsoft.com/office/drawing/2014/main" val="3514817832"/>
                     </a:ext>
                   </a:extLst>
                 </a:gridCol>
                 <a:gridCol w="3516578">
                   <a:extLst>
                     <a:ext uri="{9D8B030D-6E8A-4147-A177-3AD203B41FA5}">
-                      <a16:colId xmlns:a16="http://schemas.microsoft.com/office/drawing/2014/main" xmlns="" val="1918102830"/>
+                      <a16:colId xmlns:a16="http://schemas.microsoft.com/office/drawing/2014/main" val="1918102830"/>
                     </a:ext>
                   </a:extLst>
                 </a:gridCol>
@@ -16428,7 +16517,7 @@
                 </a:tc>
                 <a:extLst>
                   <a:ext uri="{0D108BD9-81ED-4DB2-BD59-A6C34878D82A}">
-                    <a16:rowId xmlns:a16="http://schemas.microsoft.com/office/drawing/2014/main" xmlns="" val="3083959343"/>
+                    <a16:rowId xmlns:a16="http://schemas.microsoft.com/office/drawing/2014/main" val="3083959343"/>
                   </a:ext>
                 </a:extLst>
               </a:tr>
@@ -16513,7 +16602,7 @@
                 </a:tc>
                 <a:extLst>
                   <a:ext uri="{0D108BD9-81ED-4DB2-BD59-A6C34878D82A}">
-                    <a16:rowId xmlns:a16="http://schemas.microsoft.com/office/drawing/2014/main" xmlns="" val="324899849"/>
+                    <a16:rowId xmlns:a16="http://schemas.microsoft.com/office/drawing/2014/main" val="324899849"/>
                   </a:ext>
                 </a:extLst>
               </a:tr>
@@ -16610,7 +16699,7 @@
                 </a:tc>
                 <a:extLst>
                   <a:ext uri="{0D108BD9-81ED-4DB2-BD59-A6C34878D82A}">
-                    <a16:rowId xmlns:a16="http://schemas.microsoft.com/office/drawing/2014/main" xmlns="" val="1715622986"/>
+                    <a16:rowId xmlns:a16="http://schemas.microsoft.com/office/drawing/2014/main" val="1715622986"/>
                   </a:ext>
                 </a:extLst>
               </a:tr>
@@ -16707,7 +16796,7 @@
                 </a:tc>
                 <a:extLst>
                   <a:ext uri="{0D108BD9-81ED-4DB2-BD59-A6C34878D82A}">
-                    <a16:rowId xmlns:a16="http://schemas.microsoft.com/office/drawing/2014/main" xmlns="" val="2107937398"/>
+                    <a16:rowId xmlns:a16="http://schemas.microsoft.com/office/drawing/2014/main" val="2107937398"/>
                   </a:ext>
                 </a:extLst>
               </a:tr>
@@ -16810,7 +16899,7 @@
                 </a:tc>
                 <a:extLst>
                   <a:ext uri="{0D108BD9-81ED-4DB2-BD59-A6C34878D82A}">
-                    <a16:rowId xmlns:a16="http://schemas.microsoft.com/office/drawing/2014/main" xmlns="" val="77502295"/>
+                    <a16:rowId xmlns:a16="http://schemas.microsoft.com/office/drawing/2014/main" val="77502295"/>
                   </a:ext>
                 </a:extLst>
               </a:tr>

--- a/Programming 4/01.1 Intro to C++ CLI/01.1 Intro to C++ CLI.pptx
+++ b/Programming 4/01.1 Intro to C++ CLI/01.1 Intro to C++ CLI.pptx
@@ -14358,7 +14358,7 @@
           <p:nvPr>
             <p:extLst>
               <p:ext uri="{D42A27DB-BD31-4B8C-83A1-F6EECF244321}">
-                <p14:modId xmlns:p14="http://schemas.microsoft.com/office/powerpoint/2010/main" val="1195742603"/>
+                <p14:modId xmlns:p14="http://schemas.microsoft.com/office/powerpoint/2010/main" val="701049220"/>
               </p:ext>
             </p:extLst>
           </p:nvPr>
@@ -14908,7 +14908,13 @@
                         <a:rPr lang="en-AU" sz="1500">
                           <a:effectLst/>
                         </a:rPr>
-                        <a:t>2D Animation Algorithms 1</a:t>
+                        <a:t>2D Animation </a:t>
+                      </a:r>
+                      <a:r>
+                        <a:rPr lang="en-AU" sz="1500" smtClean="0">
+                          <a:effectLst/>
+                        </a:rPr>
+                        <a:t>Algorithms</a:t>
                       </a:r>
                       <a:endParaRPr lang="en-NZ" sz="1500">
                         <a:effectLst/>
